--- a/INVESTOR PRESENTATIONS/Investor Presentation v3_KEREM.pptx
+++ b/INVESTOR PRESENTATIONS/Investor Presentation v3_KEREM.pptx
@@ -8,18 +8,21 @@
     <p:sldId id="279" r:id="rId2"/>
     <p:sldId id="278" r:id="rId3"/>
     <p:sldId id="271" r:id="rId4"/>
-    <p:sldId id="275" r:id="rId5"/>
-    <p:sldId id="276" r:id="rId6"/>
-    <p:sldId id="257" r:id="rId7"/>
-    <p:sldId id="267" r:id="rId8"/>
-    <p:sldId id="269" r:id="rId9"/>
-    <p:sldId id="268" r:id="rId10"/>
-    <p:sldId id="265" r:id="rId11"/>
-    <p:sldId id="274" r:id="rId12"/>
-    <p:sldId id="261" r:id="rId13"/>
-    <p:sldId id="262" r:id="rId14"/>
-    <p:sldId id="263" r:id="rId15"/>
-    <p:sldId id="277" r:id="rId16"/>
+    <p:sldId id="280" r:id="rId5"/>
+    <p:sldId id="281" r:id="rId6"/>
+    <p:sldId id="275" r:id="rId7"/>
+    <p:sldId id="276" r:id="rId8"/>
+    <p:sldId id="257" r:id="rId9"/>
+    <p:sldId id="267" r:id="rId10"/>
+    <p:sldId id="269" r:id="rId11"/>
+    <p:sldId id="268" r:id="rId12"/>
+    <p:sldId id="265" r:id="rId13"/>
+    <p:sldId id="274" r:id="rId14"/>
+    <p:sldId id="261" r:id="rId15"/>
+    <p:sldId id="262" r:id="rId16"/>
+    <p:sldId id="263" r:id="rId17"/>
+    <p:sldId id="277" r:id="rId18"/>
+    <p:sldId id="282" r:id="rId19"/>
   </p:sldIdLst>
   <p:sldSz cx="12192000" cy="6858000"/>
   <p:notesSz cx="6858000" cy="9144000"/>
@@ -4092,7 +4095,7 @@
           <a:p>
             <a:fld id="{EAE0E171-47B9-407F-A091-9894B1315CD8}" type="datetimeFigureOut">
               <a:rPr lang="tr-TR" smtClean="0"/>
-              <a:t>6.01.2024</a:t>
+              <a:t>7.01.2024</a:t>
             </a:fld>
             <a:endParaRPr lang="tr-TR"/>
           </a:p>
@@ -4290,7 +4293,7 @@
           <a:p>
             <a:fld id="{EAE0E171-47B9-407F-A091-9894B1315CD8}" type="datetimeFigureOut">
               <a:rPr lang="tr-TR" smtClean="0"/>
-              <a:t>6.01.2024</a:t>
+              <a:t>7.01.2024</a:t>
             </a:fld>
             <a:endParaRPr lang="tr-TR"/>
           </a:p>
@@ -4498,7 +4501,7 @@
           <a:p>
             <a:fld id="{EAE0E171-47B9-407F-A091-9894B1315CD8}" type="datetimeFigureOut">
               <a:rPr lang="tr-TR" smtClean="0"/>
-              <a:t>6.01.2024</a:t>
+              <a:t>7.01.2024</a:t>
             </a:fld>
             <a:endParaRPr lang="tr-TR"/>
           </a:p>
@@ -4696,7 +4699,7 @@
           <a:p>
             <a:fld id="{EAE0E171-47B9-407F-A091-9894B1315CD8}" type="datetimeFigureOut">
               <a:rPr lang="tr-TR" smtClean="0"/>
-              <a:t>6.01.2024</a:t>
+              <a:t>7.01.2024</a:t>
             </a:fld>
             <a:endParaRPr lang="tr-TR"/>
           </a:p>
@@ -4971,7 +4974,7 @@
           <a:p>
             <a:fld id="{EAE0E171-47B9-407F-A091-9894B1315CD8}" type="datetimeFigureOut">
               <a:rPr lang="tr-TR" smtClean="0"/>
-              <a:t>6.01.2024</a:t>
+              <a:t>7.01.2024</a:t>
             </a:fld>
             <a:endParaRPr lang="tr-TR"/>
           </a:p>
@@ -5236,7 +5239,7 @@
           <a:p>
             <a:fld id="{EAE0E171-47B9-407F-A091-9894B1315CD8}" type="datetimeFigureOut">
               <a:rPr lang="tr-TR" smtClean="0"/>
-              <a:t>6.01.2024</a:t>
+              <a:t>7.01.2024</a:t>
             </a:fld>
             <a:endParaRPr lang="tr-TR"/>
           </a:p>
@@ -5648,7 +5651,7 @@
           <a:p>
             <a:fld id="{EAE0E171-47B9-407F-A091-9894B1315CD8}" type="datetimeFigureOut">
               <a:rPr lang="tr-TR" smtClean="0"/>
-              <a:t>6.01.2024</a:t>
+              <a:t>7.01.2024</a:t>
             </a:fld>
             <a:endParaRPr lang="tr-TR"/>
           </a:p>
@@ -5789,7 +5792,7 @@
           <a:p>
             <a:fld id="{EAE0E171-47B9-407F-A091-9894B1315CD8}" type="datetimeFigureOut">
               <a:rPr lang="tr-TR" smtClean="0"/>
-              <a:t>6.01.2024</a:t>
+              <a:t>7.01.2024</a:t>
             </a:fld>
             <a:endParaRPr lang="tr-TR"/>
           </a:p>
@@ -5902,7 +5905,7 @@
           <a:p>
             <a:fld id="{EAE0E171-47B9-407F-A091-9894B1315CD8}" type="datetimeFigureOut">
               <a:rPr lang="tr-TR" smtClean="0"/>
-              <a:t>6.01.2024</a:t>
+              <a:t>7.01.2024</a:t>
             </a:fld>
             <a:endParaRPr lang="tr-TR"/>
           </a:p>
@@ -6213,7 +6216,7 @@
           <a:p>
             <a:fld id="{EAE0E171-47B9-407F-A091-9894B1315CD8}" type="datetimeFigureOut">
               <a:rPr lang="tr-TR" smtClean="0"/>
-              <a:t>6.01.2024</a:t>
+              <a:t>7.01.2024</a:t>
             </a:fld>
             <a:endParaRPr lang="tr-TR"/>
           </a:p>
@@ -6501,7 +6504,7 @@
           <a:p>
             <a:fld id="{EAE0E171-47B9-407F-A091-9894B1315CD8}" type="datetimeFigureOut">
               <a:rPr lang="tr-TR" smtClean="0"/>
-              <a:t>6.01.2024</a:t>
+              <a:t>7.01.2024</a:t>
             </a:fld>
             <a:endParaRPr lang="tr-TR"/>
           </a:p>
@@ -6742,7 +6745,7 @@
           <a:p>
             <a:fld id="{EAE0E171-47B9-407F-A091-9894B1315CD8}" type="datetimeFigureOut">
               <a:rPr lang="tr-TR" smtClean="0"/>
-              <a:t>6.01.2024</a:t>
+              <a:t>7.01.2024</a:t>
             </a:fld>
             <a:endParaRPr lang="tr-TR"/>
           </a:p>
@@ -7261,17 +7264,47 @@
           </a:bodyPr>
           <a:lstStyle/>
           <a:p>
-            <a:r>
-              <a:rPr lang="en-US" sz="4000" kern="1200">
+            <a:pPr indent="-228600">
+              <a:buFont typeface="Arial" panose="020B0604020202020204" pitchFamily="34" charset="0"/>
+              <a:buChar char="•"/>
+            </a:pPr>
+            <a:r>
+              <a:rPr lang="tr-TR" sz="4000" dirty="0" err="1">
                 <a:solidFill>
-                  <a:schemeClr val="bg1"/>
+                  <a:schemeClr val="bg1">
+                    <a:alpha val="80000"/>
+                  </a:schemeClr>
                 </a:solidFill>
-                <a:latin typeface="+mj-lt"/>
-                <a:ea typeface="+mj-ea"/>
-                <a:cs typeface="+mj-cs"/>
               </a:rPr>
-              <a:t>Today’s Agenda</a:t>
-            </a:r>
+              <a:t>Key</a:t>
+            </a:r>
+            <a:r>
+              <a:rPr lang="tr-TR" sz="4000" dirty="0">
+                <a:solidFill>
+                  <a:schemeClr val="bg1">
+                    <a:alpha val="80000"/>
+                  </a:schemeClr>
+                </a:solidFill>
+              </a:rPr>
+              <a:t> </a:t>
+            </a:r>
+            <a:r>
+              <a:rPr lang="tr-TR" sz="4000" dirty="0" err="1">
+                <a:solidFill>
+                  <a:schemeClr val="bg1">
+                    <a:alpha val="80000"/>
+                  </a:schemeClr>
+                </a:solidFill>
+              </a:rPr>
+              <a:t>Takeaways</a:t>
+            </a:r>
+            <a:endParaRPr lang="en-US" sz="4000" dirty="0">
+              <a:solidFill>
+                <a:schemeClr val="bg1">
+                  <a:alpha val="80000"/>
+                </a:schemeClr>
+              </a:solidFill>
+            </a:endParaRPr>
           </a:p>
         </p:txBody>
       </p:sp>
@@ -16223,8 +16256,8 @@
         </p:nvSpPr>
         <p:spPr>
           <a:xfrm>
-            <a:off x="6708448" y="3118785"/>
-            <a:ext cx="5178751" cy="2454300"/>
+            <a:off x="6236897" y="2475781"/>
+            <a:ext cx="5874589" cy="3097304"/>
           </a:xfrm>
         </p:spPr>
         <p:txBody>
@@ -16238,21 +16271,85 @@
               <a:buChar char="•"/>
             </a:pPr>
             <a:r>
-              <a:rPr lang="en-US" sz="1700" dirty="0">
+              <a:rPr lang="tr-TR" sz="1700" dirty="0" err="1">
                 <a:solidFill>
                   <a:schemeClr val="bg1">
                     <a:alpha val="80000"/>
                   </a:schemeClr>
                 </a:solidFill>
               </a:rPr>
-              <a:t>Motivation and background</a:t>
-            </a:r>
-          </a:p>
-          <a:p>
-            <a:pPr indent="-228600">
-              <a:buFont typeface="Arial" panose="020B0604020202020204" pitchFamily="34" charset="0"/>
-              <a:buChar char="•"/>
-            </a:pPr>
+              <a:t>Sharpe</a:t>
+            </a:r>
+            <a:r>
+              <a:rPr lang="tr-TR" sz="1700" dirty="0">
+                <a:solidFill>
+                  <a:schemeClr val="bg1">
+                    <a:alpha val="80000"/>
+                  </a:schemeClr>
+                </a:solidFill>
+              </a:rPr>
+              <a:t> </a:t>
+            </a:r>
+            <a:r>
+              <a:rPr lang="tr-TR" sz="1700" dirty="0" err="1">
+                <a:solidFill>
+                  <a:schemeClr val="bg1">
+                    <a:alpha val="80000"/>
+                  </a:schemeClr>
+                </a:solidFill>
+              </a:rPr>
+              <a:t>Ratio</a:t>
+            </a:r>
+            <a:r>
+              <a:rPr lang="tr-TR" sz="1700" dirty="0">
+                <a:solidFill>
+                  <a:schemeClr val="bg1">
+                    <a:alpha val="80000"/>
+                  </a:schemeClr>
+                </a:solidFill>
+              </a:rPr>
+              <a:t>, Maximum </a:t>
+            </a:r>
+            <a:r>
+              <a:rPr lang="tr-TR" sz="1700" dirty="0" err="1">
+                <a:solidFill>
+                  <a:schemeClr val="bg1">
+                    <a:alpha val="80000"/>
+                  </a:schemeClr>
+                </a:solidFill>
+              </a:rPr>
+              <a:t>Drawdown</a:t>
+            </a:r>
+            <a:r>
+              <a:rPr lang="tr-TR" sz="1700" dirty="0">
+                <a:solidFill>
+                  <a:schemeClr val="bg1">
+                    <a:alpha val="80000"/>
+                  </a:schemeClr>
+                </a:solidFill>
+              </a:rPr>
+              <a:t> </a:t>
+            </a:r>
+            <a:r>
+              <a:rPr lang="tr-TR" sz="1700" dirty="0" err="1">
+                <a:solidFill>
+                  <a:schemeClr val="bg1">
+                    <a:alpha val="80000"/>
+                  </a:schemeClr>
+                </a:solidFill>
+              </a:rPr>
+              <a:t>and</a:t>
+            </a:r>
+            <a:r>
+              <a:rPr lang="tr-TR" sz="1700" dirty="0">
+                <a:solidFill>
+                  <a:schemeClr val="bg1">
+                    <a:alpha val="80000"/>
+                  </a:schemeClr>
+                </a:solidFill>
+              </a:rPr>
+              <a:t> </a:t>
+            </a:r>
             <a:r>
               <a:rPr lang="en-US" sz="1700" dirty="0">
                 <a:solidFill>
@@ -16277,14 +16374,18 @@
                   </a:schemeClr>
                 </a:solidFill>
               </a:rPr>
-              <a:t>Sharpe optimized stable Portfolios</a:t>
-            </a:r>
-          </a:p>
-          <a:p>
-            <a:pPr indent="-228600">
-              <a:buFont typeface="Arial" panose="020B0604020202020204" pitchFamily="34" charset="0"/>
-              <a:buChar char="•"/>
-            </a:pPr>
+              <a:t>Sharpe</a:t>
+            </a:r>
+            <a:r>
+              <a:rPr lang="tr-TR" sz="1700" dirty="0">
+                <a:solidFill>
+                  <a:schemeClr val="bg1">
+                    <a:alpha val="80000"/>
+                  </a:schemeClr>
+                </a:solidFill>
+              </a:rPr>
+              <a:t>-</a:t>
+            </a:r>
             <a:r>
               <a:rPr lang="en-US" sz="1700" dirty="0">
                 <a:solidFill>
@@ -16293,7 +16394,7 @@
                   </a:schemeClr>
                 </a:solidFill>
               </a:rPr>
-              <a:t>Maximum Drawdown Optimized stable Portfolios</a:t>
+              <a:t>optimized stable Portfolios</a:t>
             </a:r>
           </a:p>
           <a:p>
@@ -16301,6 +16402,52 @@
               <a:buFont typeface="Arial" panose="020B0604020202020204" pitchFamily="34" charset="0"/>
               <a:buChar char="•"/>
             </a:pPr>
+            <a:r>
+              <a:rPr lang="tr-TR" sz="1700" dirty="0">
+                <a:solidFill>
+                  <a:schemeClr val="bg1">
+                    <a:alpha val="80000"/>
+                  </a:schemeClr>
+                </a:solidFill>
+              </a:rPr>
+              <a:t>MDD-</a:t>
+            </a:r>
+            <a:r>
+              <a:rPr lang="en-US" sz="1700" dirty="0">
+                <a:solidFill>
+                  <a:schemeClr val="bg1">
+                    <a:alpha val="80000"/>
+                  </a:schemeClr>
+                </a:solidFill>
+              </a:rPr>
+              <a:t>Optimized stable Portfolios</a:t>
+            </a:r>
+          </a:p>
+          <a:p>
+            <a:pPr indent="-228600">
+              <a:buFont typeface="Arial" panose="020B0604020202020204" pitchFamily="34" charset="0"/>
+              <a:buChar char="•"/>
+            </a:pPr>
+            <a:r>
+              <a:rPr lang="tr-TR" sz="1700" dirty="0" err="1">
+                <a:solidFill>
+                  <a:schemeClr val="bg1">
+                    <a:alpha val="80000"/>
+                  </a:schemeClr>
+                </a:solidFill>
+              </a:rPr>
+              <a:t>Exchange’s</a:t>
+            </a:r>
+            <a:r>
+              <a:rPr lang="tr-TR" sz="1700" dirty="0">
+                <a:solidFill>
+                  <a:schemeClr val="bg1">
+                    <a:alpha val="80000"/>
+                  </a:schemeClr>
+                </a:solidFill>
+              </a:rPr>
+              <a:t> </a:t>
+            </a:r>
             <a:r>
               <a:rPr lang="en-US" sz="1700" dirty="0">
                 <a:solidFill>
@@ -16311,6 +16458,23 @@
               </a:rPr>
               <a:t>Market Health Index</a:t>
             </a:r>
+            <a:r>
+              <a:rPr lang="tr-TR" sz="1700" dirty="0">
+                <a:solidFill>
+                  <a:schemeClr val="bg1">
+                    <a:alpha val="80000"/>
+                  </a:schemeClr>
+                </a:solidFill>
+              </a:rPr>
+              <a:t> (MHI)</a:t>
+            </a:r>
+            <a:endParaRPr lang="en-US" sz="1700" dirty="0">
+              <a:solidFill>
+                <a:schemeClr val="bg1">
+                  <a:alpha val="80000"/>
+                </a:schemeClr>
+              </a:solidFill>
+            </a:endParaRPr>
           </a:p>
           <a:p>
             <a:pPr indent="-228600">
@@ -16325,7 +16489,27 @@
                   </a:schemeClr>
                 </a:solidFill>
               </a:rPr>
-              <a:t>MHI based MDD optimized stable Portfolios</a:t>
+              <a:t>MHI based MDD</a:t>
+            </a:r>
+            <a:r>
+              <a:rPr lang="tr-TR" sz="1700" b="1" dirty="0">
+                <a:solidFill>
+                  <a:schemeClr val="bg1">
+                    <a:alpha val="80000"/>
+                  </a:schemeClr>
+                </a:solidFill>
+              </a:rPr>
+              <a:t>-</a:t>
+            </a:r>
+            <a:r>
+              <a:rPr lang="en-US" sz="1700" b="1" dirty="0">
+                <a:solidFill>
+                  <a:schemeClr val="bg1">
+                    <a:alpha val="80000"/>
+                  </a:schemeClr>
+                </a:solidFill>
+              </a:rPr>
+              <a:t>optimized stable Portfolios</a:t>
             </a:r>
           </a:p>
           <a:p>
@@ -16684,6 +16868,2552 @@
           </a:p>
         </p:txBody>
       </p:sp>
+      <p:sp>
+        <p:nvSpPr>
+          <p:cNvPr id="50" name="Metin kutusu 49">
+            <a:extLst>
+              <a:ext uri="{FF2B5EF4-FFF2-40B4-BE49-F238E27FC236}">
+                <a16:creationId xmlns:a16="http://schemas.microsoft.com/office/drawing/2014/main" id="{EE49DAA7-5989-86CD-D23F-3B5512C9B12C}"/>
+              </a:ext>
+            </a:extLst>
+          </p:cNvPr>
+          <p:cNvSpPr txBox="1"/>
+          <p:nvPr/>
+        </p:nvSpPr>
+        <p:spPr>
+          <a:xfrm>
+            <a:off x="727300" y="621676"/>
+            <a:ext cx="11978672" cy="646331"/>
+          </a:xfrm>
+          <a:prstGeom prst="rect">
+            <a:avLst/>
+          </a:prstGeom>
+          <a:noFill/>
+        </p:spPr>
+        <p:txBody>
+          <a:bodyPr wrap="square">
+            <a:spAutoFit/>
+          </a:bodyPr>
+          <a:lstStyle/>
+          <a:p>
+            <a:r>
+              <a:rPr lang="tr-TR" sz="1800" kern="1200" dirty="0">
+                <a:solidFill>
+                  <a:srgbClr val="FFFFFF"/>
+                </a:solidFill>
+                <a:latin typeface="+mj-lt"/>
+                <a:ea typeface="+mj-ea"/>
+                <a:cs typeface="+mj-cs"/>
+              </a:rPr>
+              <a:t> </a:t>
+            </a:r>
+            <a:r>
+              <a:rPr lang="tr-TR" sz="1800" kern="1200" dirty="0" err="1">
+                <a:solidFill>
+                  <a:srgbClr val="FFFFFF"/>
+                </a:solidFill>
+                <a:latin typeface="+mj-lt"/>
+                <a:ea typeface="+mj-ea"/>
+                <a:cs typeface="+mj-cs"/>
+              </a:rPr>
+              <a:t>Sharpe</a:t>
+            </a:r>
+            <a:r>
+              <a:rPr lang="tr-TR" sz="1800" kern="1200" dirty="0">
+                <a:solidFill>
+                  <a:srgbClr val="FFFFFF"/>
+                </a:solidFill>
+                <a:latin typeface="+mj-lt"/>
+                <a:ea typeface="+mj-ea"/>
+                <a:cs typeface="+mj-cs"/>
+              </a:rPr>
+              <a:t>                               i-</a:t>
+            </a:r>
+            <a:r>
+              <a:rPr lang="tr-TR" sz="1800" kern="1200" dirty="0" err="1">
+                <a:solidFill>
+                  <a:srgbClr val="FFFFFF"/>
+                </a:solidFill>
+                <a:latin typeface="+mj-lt"/>
+                <a:ea typeface="+mj-ea"/>
+                <a:cs typeface="+mj-cs"/>
+              </a:rPr>
+              <a:t>Sharpe</a:t>
+            </a:r>
+            <a:r>
+              <a:rPr lang="tr-TR" sz="1800" kern="1200" dirty="0">
+                <a:solidFill>
+                  <a:srgbClr val="FFFFFF"/>
+                </a:solidFill>
+                <a:latin typeface="+mj-lt"/>
+                <a:ea typeface="+mj-ea"/>
+                <a:cs typeface="+mj-cs"/>
+              </a:rPr>
+              <a:t>                                        MDD                                  i-MDD                             MINVAR</a:t>
+            </a:r>
+            <a:br>
+              <a:rPr lang="tr-TR" sz="1800" kern="1200" dirty="0">
+                <a:solidFill>
+                  <a:srgbClr val="FFFFFF"/>
+                </a:solidFill>
+                <a:latin typeface="+mj-lt"/>
+                <a:ea typeface="+mj-ea"/>
+                <a:cs typeface="+mj-cs"/>
+              </a:rPr>
+            </a:br>
+            <a:endParaRPr lang="tr-TR" dirty="0"/>
+          </a:p>
+        </p:txBody>
+      </p:sp>
+      <p:sp>
+        <p:nvSpPr>
+          <p:cNvPr id="51" name="Metin kutusu 50">
+            <a:extLst>
+              <a:ext uri="{FF2B5EF4-FFF2-40B4-BE49-F238E27FC236}">
+                <a16:creationId xmlns:a16="http://schemas.microsoft.com/office/drawing/2014/main" id="{A70B95CD-8DAF-9678-5271-CC7419A3BC45}"/>
+              </a:ext>
+            </a:extLst>
+          </p:cNvPr>
+          <p:cNvSpPr txBox="1"/>
+          <p:nvPr/>
+        </p:nvSpPr>
+        <p:spPr>
+          <a:xfrm>
+            <a:off x="753505" y="5337974"/>
+            <a:ext cx="1618793" cy="646331"/>
+          </a:xfrm>
+          <a:prstGeom prst="rect">
+            <a:avLst/>
+          </a:prstGeom>
+          <a:noFill/>
+        </p:spPr>
+        <p:txBody>
+          <a:bodyPr wrap="square" rtlCol="0">
+            <a:spAutoFit/>
+          </a:bodyPr>
+          <a:lstStyle/>
+          <a:p>
+            <a:r>
+              <a:rPr lang="tr-TR" sz="1200" dirty="0">
+                <a:solidFill>
+                  <a:schemeClr val="bg1"/>
+                </a:solidFill>
+              </a:rPr>
+              <a:t>Return: %99</a:t>
+            </a:r>
+          </a:p>
+          <a:p>
+            <a:r>
+              <a:rPr lang="tr-TR" sz="1200" dirty="0">
+                <a:solidFill>
+                  <a:schemeClr val="bg1"/>
+                </a:solidFill>
+              </a:rPr>
+              <a:t>SR: 5.99</a:t>
+            </a:r>
+          </a:p>
+          <a:p>
+            <a:r>
+              <a:rPr lang="tr-TR" sz="1200" dirty="0">
+                <a:solidFill>
+                  <a:schemeClr val="bg1"/>
+                </a:solidFill>
+              </a:rPr>
+              <a:t>MDD: %10.0</a:t>
+            </a:r>
+          </a:p>
+        </p:txBody>
+      </p:sp>
+      <p:sp>
+        <p:nvSpPr>
+          <p:cNvPr id="52" name="Metin kutusu 51">
+            <a:extLst>
+              <a:ext uri="{FF2B5EF4-FFF2-40B4-BE49-F238E27FC236}">
+                <a16:creationId xmlns:a16="http://schemas.microsoft.com/office/drawing/2014/main" id="{8CB66451-38B6-8CD7-C133-BF6BD30A2B00}"/>
+              </a:ext>
+            </a:extLst>
+          </p:cNvPr>
+          <p:cNvSpPr txBox="1"/>
+          <p:nvPr/>
+        </p:nvSpPr>
+        <p:spPr>
+          <a:xfrm>
+            <a:off x="3166091" y="5836608"/>
+            <a:ext cx="1372001" cy="646331"/>
+          </a:xfrm>
+          <a:prstGeom prst="rect">
+            <a:avLst/>
+          </a:prstGeom>
+          <a:noFill/>
+        </p:spPr>
+        <p:txBody>
+          <a:bodyPr wrap="square" rtlCol="0">
+            <a:spAutoFit/>
+          </a:bodyPr>
+          <a:lstStyle/>
+          <a:p>
+            <a:r>
+              <a:rPr lang="tr-TR" sz="1200" dirty="0">
+                <a:solidFill>
+                  <a:schemeClr val="bg1"/>
+                </a:solidFill>
+              </a:rPr>
+              <a:t>Return: %52.5</a:t>
+            </a:r>
+          </a:p>
+          <a:p>
+            <a:r>
+              <a:rPr lang="tr-TR" sz="1200" dirty="0">
+                <a:solidFill>
+                  <a:schemeClr val="bg1"/>
+                </a:solidFill>
+              </a:rPr>
+              <a:t>SR: 6.76</a:t>
+            </a:r>
+          </a:p>
+          <a:p>
+            <a:r>
+              <a:rPr lang="tr-TR" sz="1200" dirty="0">
+                <a:solidFill>
+                  <a:schemeClr val="bg1"/>
+                </a:solidFill>
+              </a:rPr>
+              <a:t>MDD: %4.0</a:t>
+            </a:r>
+          </a:p>
+        </p:txBody>
+      </p:sp>
+      <p:sp>
+        <p:nvSpPr>
+          <p:cNvPr id="53" name="Metin kutusu 52">
+            <a:extLst>
+              <a:ext uri="{FF2B5EF4-FFF2-40B4-BE49-F238E27FC236}">
+                <a16:creationId xmlns:a16="http://schemas.microsoft.com/office/drawing/2014/main" id="{62C3CF7E-303C-27BA-05F6-76E1DF411575}"/>
+              </a:ext>
+            </a:extLst>
+          </p:cNvPr>
+          <p:cNvSpPr txBox="1"/>
+          <p:nvPr/>
+        </p:nvSpPr>
+        <p:spPr>
+          <a:xfrm>
+            <a:off x="8111816" y="5409775"/>
+            <a:ext cx="1644246" cy="646331"/>
+          </a:xfrm>
+          <a:prstGeom prst="rect">
+            <a:avLst/>
+          </a:prstGeom>
+          <a:noFill/>
+        </p:spPr>
+        <p:txBody>
+          <a:bodyPr wrap="square" rtlCol="0">
+            <a:spAutoFit/>
+          </a:bodyPr>
+          <a:lstStyle/>
+          <a:p>
+            <a:r>
+              <a:rPr lang="tr-TR" sz="1200" dirty="0">
+                <a:solidFill>
+                  <a:schemeClr val="bg1"/>
+                </a:solidFill>
+              </a:rPr>
+              <a:t>Return: %15.93</a:t>
+            </a:r>
+          </a:p>
+          <a:p>
+            <a:r>
+              <a:rPr lang="tr-TR" sz="1200" dirty="0">
+                <a:solidFill>
+                  <a:schemeClr val="bg1"/>
+                </a:solidFill>
+              </a:rPr>
+              <a:t>SR: 1.67</a:t>
+            </a:r>
+          </a:p>
+          <a:p>
+            <a:r>
+              <a:rPr lang="tr-TR" sz="1200" dirty="0">
+                <a:solidFill>
+                  <a:schemeClr val="bg1"/>
+                </a:solidFill>
+              </a:rPr>
+              <a:t>MDD: %16.58</a:t>
+            </a:r>
+          </a:p>
+        </p:txBody>
+      </p:sp>
+      <p:sp>
+        <p:nvSpPr>
+          <p:cNvPr id="54" name="Metin kutusu 53">
+            <a:extLst>
+              <a:ext uri="{FF2B5EF4-FFF2-40B4-BE49-F238E27FC236}">
+                <a16:creationId xmlns:a16="http://schemas.microsoft.com/office/drawing/2014/main" id="{F94EBC21-360D-D5EE-A7D2-3531F334D746}"/>
+              </a:ext>
+            </a:extLst>
+          </p:cNvPr>
+          <p:cNvSpPr txBox="1"/>
+          <p:nvPr/>
+        </p:nvSpPr>
+        <p:spPr>
+          <a:xfrm>
+            <a:off x="10398745" y="5818770"/>
+            <a:ext cx="1230874" cy="646331"/>
+          </a:xfrm>
+          <a:prstGeom prst="rect">
+            <a:avLst/>
+          </a:prstGeom>
+          <a:noFill/>
+        </p:spPr>
+        <p:txBody>
+          <a:bodyPr wrap="square" rtlCol="0">
+            <a:spAutoFit/>
+          </a:bodyPr>
+          <a:lstStyle/>
+          <a:p>
+            <a:r>
+              <a:rPr lang="tr-TR" sz="1200" dirty="0">
+                <a:solidFill>
+                  <a:schemeClr val="bg1"/>
+                </a:solidFill>
+              </a:rPr>
+              <a:t>Return: %51.7</a:t>
+            </a:r>
+          </a:p>
+          <a:p>
+            <a:r>
+              <a:rPr lang="tr-TR" sz="1200" dirty="0">
+                <a:solidFill>
+                  <a:schemeClr val="bg1"/>
+                </a:solidFill>
+              </a:rPr>
+              <a:t>SR: 5.73</a:t>
+            </a:r>
+          </a:p>
+          <a:p>
+            <a:r>
+              <a:rPr lang="tr-TR" sz="1200" dirty="0">
+                <a:solidFill>
+                  <a:schemeClr val="bg1"/>
+                </a:solidFill>
+              </a:rPr>
+              <a:t>MDD: %7.68</a:t>
+            </a:r>
+          </a:p>
+        </p:txBody>
+      </p:sp>
+      <p:sp>
+        <p:nvSpPr>
+          <p:cNvPr id="55" name="Metin kutusu 54">
+            <a:extLst>
+              <a:ext uri="{FF2B5EF4-FFF2-40B4-BE49-F238E27FC236}">
+                <a16:creationId xmlns:a16="http://schemas.microsoft.com/office/drawing/2014/main" id="{3099ABFA-9BB9-91D3-8ACA-943BBF77E4C4}"/>
+              </a:ext>
+            </a:extLst>
+          </p:cNvPr>
+          <p:cNvSpPr txBox="1"/>
+          <p:nvPr/>
+        </p:nvSpPr>
+        <p:spPr>
+          <a:xfrm>
+            <a:off x="5745393" y="5564115"/>
+            <a:ext cx="1574731" cy="646331"/>
+          </a:xfrm>
+          <a:prstGeom prst="rect">
+            <a:avLst/>
+          </a:prstGeom>
+          <a:noFill/>
+        </p:spPr>
+        <p:txBody>
+          <a:bodyPr wrap="square" rtlCol="0">
+            <a:spAutoFit/>
+          </a:bodyPr>
+          <a:lstStyle/>
+          <a:p>
+            <a:r>
+              <a:rPr lang="tr-TR" sz="1200" dirty="0">
+                <a:solidFill>
+                  <a:schemeClr val="bg1"/>
+                </a:solidFill>
+              </a:rPr>
+              <a:t>Return: %89.6</a:t>
+            </a:r>
+          </a:p>
+          <a:p>
+            <a:r>
+              <a:rPr lang="tr-TR" sz="1200" dirty="0">
+                <a:solidFill>
+                  <a:schemeClr val="bg1"/>
+                </a:solidFill>
+              </a:rPr>
+              <a:t>SR: 6.49</a:t>
+            </a:r>
+          </a:p>
+          <a:p>
+            <a:r>
+              <a:rPr lang="tr-TR" sz="1200" dirty="0">
+                <a:solidFill>
+                  <a:schemeClr val="bg1"/>
+                </a:solidFill>
+              </a:rPr>
+              <a:t>MDD: %7.40</a:t>
+            </a:r>
+          </a:p>
+        </p:txBody>
+      </p:sp>
+      <p:sp>
+        <p:nvSpPr>
+          <p:cNvPr id="3" name="Metin kutusu 2">
+            <a:extLst>
+              <a:ext uri="{FF2B5EF4-FFF2-40B4-BE49-F238E27FC236}">
+                <a16:creationId xmlns:a16="http://schemas.microsoft.com/office/drawing/2014/main" id="{D6935863-5355-2563-D7D9-D2869C83D594}"/>
+              </a:ext>
+            </a:extLst>
+          </p:cNvPr>
+          <p:cNvSpPr txBox="1"/>
+          <p:nvPr/>
+        </p:nvSpPr>
+        <p:spPr>
+          <a:xfrm>
+            <a:off x="1436" y="9813"/>
+            <a:ext cx="6094562" cy="369332"/>
+          </a:xfrm>
+          <a:prstGeom prst="rect">
+            <a:avLst/>
+          </a:prstGeom>
+          <a:noFill/>
+        </p:spPr>
+        <p:txBody>
+          <a:bodyPr wrap="square">
+            <a:spAutoFit/>
+          </a:bodyPr>
+          <a:lstStyle/>
+          <a:p>
+            <a:r>
+              <a:rPr lang="tr-TR" sz="1800" dirty="0">
+                <a:solidFill>
+                  <a:schemeClr val="bg1"/>
+                </a:solidFill>
+              </a:rPr>
+              <a:t>MHI </a:t>
+            </a:r>
+            <a:r>
+              <a:rPr lang="tr-TR" sz="1800" dirty="0" err="1">
+                <a:solidFill>
+                  <a:schemeClr val="bg1"/>
+                </a:solidFill>
+              </a:rPr>
+              <a:t>portfolios</a:t>
+            </a:r>
+            <a:r>
+              <a:rPr lang="tr-TR" sz="1800" dirty="0">
+                <a:solidFill>
+                  <a:schemeClr val="bg1"/>
+                </a:solidFill>
+              </a:rPr>
+              <a:t> </a:t>
+            </a:r>
+            <a:r>
+              <a:rPr lang="tr-TR" sz="1800" dirty="0" err="1">
+                <a:solidFill>
+                  <a:schemeClr val="bg1"/>
+                </a:solidFill>
+              </a:rPr>
+              <a:t>for</a:t>
+            </a:r>
+            <a:r>
+              <a:rPr lang="tr-TR" sz="1800" dirty="0">
+                <a:solidFill>
+                  <a:schemeClr val="bg1"/>
+                </a:solidFill>
+              </a:rPr>
+              <a:t> </a:t>
+            </a:r>
+            <a:r>
+              <a:rPr lang="tr-TR" dirty="0">
+                <a:solidFill>
+                  <a:srgbClr val="FFFF00"/>
+                </a:solidFill>
+              </a:rPr>
+              <a:t>24.02.2022 – 07.06.2022 (II)</a:t>
+            </a:r>
+          </a:p>
+        </p:txBody>
+      </p:sp>
+      <p:pic>
+        <p:nvPicPr>
+          <p:cNvPr id="28" name="Resim 27">
+            <a:extLst>
+              <a:ext uri="{FF2B5EF4-FFF2-40B4-BE49-F238E27FC236}">
+                <a16:creationId xmlns:a16="http://schemas.microsoft.com/office/drawing/2014/main" id="{1845888B-E50E-1446-23DB-E1D5B9AB9113}"/>
+              </a:ext>
+            </a:extLst>
+          </p:cNvPr>
+          <p:cNvPicPr>
+            <a:picLocks noChangeAspect="1"/>
+          </p:cNvPicPr>
+          <p:nvPr/>
+        </p:nvPicPr>
+        <p:blipFill>
+          <a:blip r:embed="rId2"/>
+          <a:stretch>
+            <a:fillRect/>
+          </a:stretch>
+        </p:blipFill>
+        <p:spPr>
+          <a:xfrm>
+            <a:off x="316132" y="3489172"/>
+            <a:ext cx="2175360" cy="1776387"/>
+          </a:xfrm>
+          <a:prstGeom prst="rect">
+            <a:avLst/>
+          </a:prstGeom>
+        </p:spPr>
+      </p:pic>
+      <p:pic>
+        <p:nvPicPr>
+          <p:cNvPr id="31" name="Resim 30">
+            <a:extLst>
+              <a:ext uri="{FF2B5EF4-FFF2-40B4-BE49-F238E27FC236}">
+                <a16:creationId xmlns:a16="http://schemas.microsoft.com/office/drawing/2014/main" id="{1FB3C673-C79A-0755-F331-193F601A77E2}"/>
+              </a:ext>
+            </a:extLst>
+          </p:cNvPr>
+          <p:cNvPicPr>
+            <a:picLocks noChangeAspect="1"/>
+          </p:cNvPicPr>
+          <p:nvPr/>
+        </p:nvPicPr>
+        <p:blipFill>
+          <a:blip r:embed="rId3"/>
+          <a:stretch>
+            <a:fillRect/>
+          </a:stretch>
+        </p:blipFill>
+        <p:spPr>
+          <a:xfrm>
+            <a:off x="316131" y="3191458"/>
+            <a:ext cx="2175360" cy="255630"/>
+          </a:xfrm>
+          <a:prstGeom prst="rect">
+            <a:avLst/>
+          </a:prstGeom>
+        </p:spPr>
+      </p:pic>
+      <p:pic>
+        <p:nvPicPr>
+          <p:cNvPr id="33" name="Resim 32">
+            <a:extLst>
+              <a:ext uri="{FF2B5EF4-FFF2-40B4-BE49-F238E27FC236}">
+                <a16:creationId xmlns:a16="http://schemas.microsoft.com/office/drawing/2014/main" id="{EE4E53CB-FC23-9974-0D73-9F5EF85A3F08}"/>
+              </a:ext>
+            </a:extLst>
+          </p:cNvPr>
+          <p:cNvPicPr>
+            <a:picLocks noChangeAspect="1"/>
+          </p:cNvPicPr>
+          <p:nvPr/>
+        </p:nvPicPr>
+        <p:blipFill>
+          <a:blip r:embed="rId4"/>
+          <a:stretch>
+            <a:fillRect/>
+          </a:stretch>
+        </p:blipFill>
+        <p:spPr>
+          <a:xfrm>
+            <a:off x="1656188" y="632863"/>
+            <a:ext cx="835303" cy="2522870"/>
+          </a:xfrm>
+          <a:prstGeom prst="rect">
+            <a:avLst/>
+          </a:prstGeom>
+        </p:spPr>
+      </p:pic>
+      <p:pic>
+        <p:nvPicPr>
+          <p:cNvPr id="35" name="Resim 34">
+            <a:extLst>
+              <a:ext uri="{FF2B5EF4-FFF2-40B4-BE49-F238E27FC236}">
+                <a16:creationId xmlns:a16="http://schemas.microsoft.com/office/drawing/2014/main" id="{712CC0AA-7791-38CC-0109-62DA1A8B14DC}"/>
+              </a:ext>
+            </a:extLst>
+          </p:cNvPr>
+          <p:cNvPicPr>
+            <a:picLocks noChangeAspect="1"/>
+          </p:cNvPicPr>
+          <p:nvPr/>
+        </p:nvPicPr>
+        <p:blipFill>
+          <a:blip r:embed="rId5"/>
+          <a:stretch>
+            <a:fillRect/>
+          </a:stretch>
+        </p:blipFill>
+        <p:spPr>
+          <a:xfrm>
+            <a:off x="2636637" y="3191458"/>
+            <a:ext cx="2175408" cy="769760"/>
+          </a:xfrm>
+          <a:prstGeom prst="rect">
+            <a:avLst/>
+          </a:prstGeom>
+        </p:spPr>
+      </p:pic>
+      <p:pic>
+        <p:nvPicPr>
+          <p:cNvPr id="37" name="Resim 36">
+            <a:extLst>
+              <a:ext uri="{FF2B5EF4-FFF2-40B4-BE49-F238E27FC236}">
+                <a16:creationId xmlns:a16="http://schemas.microsoft.com/office/drawing/2014/main" id="{34FC4579-9A82-99AE-0E2E-F39AC98D5881}"/>
+              </a:ext>
+            </a:extLst>
+          </p:cNvPr>
+          <p:cNvPicPr>
+            <a:picLocks noChangeAspect="1"/>
+          </p:cNvPicPr>
+          <p:nvPr/>
+        </p:nvPicPr>
+        <p:blipFill>
+          <a:blip r:embed="rId6"/>
+          <a:stretch>
+            <a:fillRect/>
+          </a:stretch>
+        </p:blipFill>
+        <p:spPr>
+          <a:xfrm>
+            <a:off x="4009451" y="628248"/>
+            <a:ext cx="802544" cy="2522870"/>
+          </a:xfrm>
+          <a:prstGeom prst="rect">
+            <a:avLst/>
+          </a:prstGeom>
+        </p:spPr>
+      </p:pic>
+      <p:pic>
+        <p:nvPicPr>
+          <p:cNvPr id="39" name="Resim 38">
+            <a:extLst>
+              <a:ext uri="{FF2B5EF4-FFF2-40B4-BE49-F238E27FC236}">
+                <a16:creationId xmlns:a16="http://schemas.microsoft.com/office/drawing/2014/main" id="{CBBAE737-17ED-EF7C-7136-486FBA0744F6}"/>
+              </a:ext>
+            </a:extLst>
+          </p:cNvPr>
+          <p:cNvPicPr>
+            <a:picLocks noChangeAspect="1"/>
+          </p:cNvPicPr>
+          <p:nvPr/>
+        </p:nvPicPr>
+        <p:blipFill>
+          <a:blip r:embed="rId7"/>
+          <a:stretch>
+            <a:fillRect/>
+          </a:stretch>
+        </p:blipFill>
+        <p:spPr>
+          <a:xfrm>
+            <a:off x="2636636" y="4003662"/>
+            <a:ext cx="2175359" cy="1825748"/>
+          </a:xfrm>
+          <a:prstGeom prst="rect">
+            <a:avLst/>
+          </a:prstGeom>
+        </p:spPr>
+      </p:pic>
+      <p:pic>
+        <p:nvPicPr>
+          <p:cNvPr id="4" name="Resim 3">
+            <a:extLst>
+              <a:ext uri="{FF2B5EF4-FFF2-40B4-BE49-F238E27FC236}">
+                <a16:creationId xmlns:a16="http://schemas.microsoft.com/office/drawing/2014/main" id="{F5E03F18-FC1D-E70D-C593-896B5E1C32D8}"/>
+              </a:ext>
+            </a:extLst>
+          </p:cNvPr>
+          <p:cNvPicPr>
+            <a:picLocks noChangeAspect="1"/>
+          </p:cNvPicPr>
+          <p:nvPr/>
+        </p:nvPicPr>
+        <p:blipFill>
+          <a:blip r:embed="rId8"/>
+          <a:stretch>
+            <a:fillRect/>
+          </a:stretch>
+        </p:blipFill>
+        <p:spPr>
+          <a:xfrm>
+            <a:off x="5166385" y="3191458"/>
+            <a:ext cx="2175359" cy="511036"/>
+          </a:xfrm>
+          <a:prstGeom prst="rect">
+            <a:avLst/>
+          </a:prstGeom>
+        </p:spPr>
+      </p:pic>
+      <p:pic>
+        <p:nvPicPr>
+          <p:cNvPr id="6" name="Resim 5">
+            <a:extLst>
+              <a:ext uri="{FF2B5EF4-FFF2-40B4-BE49-F238E27FC236}">
+                <a16:creationId xmlns:a16="http://schemas.microsoft.com/office/drawing/2014/main" id="{12660F17-F132-0412-83EE-9337BB65B0E0}"/>
+              </a:ext>
+            </a:extLst>
+          </p:cNvPr>
+          <p:cNvPicPr>
+            <a:picLocks noChangeAspect="1"/>
+          </p:cNvPicPr>
+          <p:nvPr/>
+        </p:nvPicPr>
+        <p:blipFill>
+          <a:blip r:embed="rId9"/>
+          <a:stretch>
+            <a:fillRect/>
+          </a:stretch>
+        </p:blipFill>
+        <p:spPr>
+          <a:xfrm>
+            <a:off x="5166385" y="3745155"/>
+            <a:ext cx="2180538" cy="1776387"/>
+          </a:xfrm>
+          <a:prstGeom prst="rect">
+            <a:avLst/>
+          </a:prstGeom>
+        </p:spPr>
+      </p:pic>
+      <p:pic>
+        <p:nvPicPr>
+          <p:cNvPr id="8" name="Resim 7">
+            <a:extLst>
+              <a:ext uri="{FF2B5EF4-FFF2-40B4-BE49-F238E27FC236}">
+                <a16:creationId xmlns:a16="http://schemas.microsoft.com/office/drawing/2014/main" id="{B7C1585A-DEEF-3558-CF92-909275EF1635}"/>
+              </a:ext>
+            </a:extLst>
+          </p:cNvPr>
+          <p:cNvPicPr>
+            <a:picLocks noChangeAspect="1"/>
+          </p:cNvPicPr>
+          <p:nvPr/>
+        </p:nvPicPr>
+        <p:blipFill>
+          <a:blip r:embed="rId10"/>
+          <a:stretch>
+            <a:fillRect/>
+          </a:stretch>
+        </p:blipFill>
+        <p:spPr>
+          <a:xfrm>
+            <a:off x="6532759" y="599680"/>
+            <a:ext cx="808986" cy="2556053"/>
+          </a:xfrm>
+          <a:prstGeom prst="rect">
+            <a:avLst/>
+          </a:prstGeom>
+        </p:spPr>
+      </p:pic>
+      <p:pic>
+        <p:nvPicPr>
+          <p:cNvPr id="10" name="Resim 9">
+            <a:extLst>
+              <a:ext uri="{FF2B5EF4-FFF2-40B4-BE49-F238E27FC236}">
+                <a16:creationId xmlns:a16="http://schemas.microsoft.com/office/drawing/2014/main" id="{3F928D89-DA51-C5A3-F7E6-7B1EBBEA49E6}"/>
+              </a:ext>
+            </a:extLst>
+          </p:cNvPr>
+          <p:cNvPicPr>
+            <a:picLocks noChangeAspect="1"/>
+          </p:cNvPicPr>
+          <p:nvPr/>
+        </p:nvPicPr>
+        <p:blipFill>
+          <a:blip r:embed="rId11"/>
+          <a:stretch>
+            <a:fillRect/>
+          </a:stretch>
+        </p:blipFill>
+        <p:spPr>
+          <a:xfrm>
+            <a:off x="8913803" y="599680"/>
+            <a:ext cx="850479" cy="2551438"/>
+          </a:xfrm>
+          <a:prstGeom prst="rect">
+            <a:avLst/>
+          </a:prstGeom>
+        </p:spPr>
+      </p:pic>
+      <p:pic>
+        <p:nvPicPr>
+          <p:cNvPr id="13" name="Resim 12">
+            <a:extLst>
+              <a:ext uri="{FF2B5EF4-FFF2-40B4-BE49-F238E27FC236}">
+                <a16:creationId xmlns:a16="http://schemas.microsoft.com/office/drawing/2014/main" id="{26806AE4-F952-A8BE-699B-BCD07EBB0981}"/>
+              </a:ext>
+            </a:extLst>
+          </p:cNvPr>
+          <p:cNvPicPr>
+            <a:picLocks noChangeAspect="1"/>
+          </p:cNvPicPr>
+          <p:nvPr/>
+        </p:nvPicPr>
+        <p:blipFill>
+          <a:blip r:embed="rId12"/>
+          <a:stretch>
+            <a:fillRect/>
+          </a:stretch>
+        </p:blipFill>
+        <p:spPr>
+          <a:xfrm>
+            <a:off x="7588922" y="3464200"/>
+            <a:ext cx="2175359" cy="1905934"/>
+          </a:xfrm>
+          <a:prstGeom prst="rect">
+            <a:avLst/>
+          </a:prstGeom>
+        </p:spPr>
+      </p:pic>
+      <p:pic>
+        <p:nvPicPr>
+          <p:cNvPr id="15" name="Resim 14">
+            <a:extLst>
+              <a:ext uri="{FF2B5EF4-FFF2-40B4-BE49-F238E27FC236}">
+                <a16:creationId xmlns:a16="http://schemas.microsoft.com/office/drawing/2014/main" id="{80DD1C7C-4D41-9263-0D2D-68070B105E8D}"/>
+              </a:ext>
+            </a:extLst>
+          </p:cNvPr>
+          <p:cNvPicPr>
+            <a:picLocks noChangeAspect="1"/>
+          </p:cNvPicPr>
+          <p:nvPr/>
+        </p:nvPicPr>
+        <p:blipFill>
+          <a:blip r:embed="rId13"/>
+          <a:stretch>
+            <a:fillRect/>
+          </a:stretch>
+        </p:blipFill>
+        <p:spPr>
+          <a:xfrm>
+            <a:off x="7588922" y="3190759"/>
+            <a:ext cx="2175359" cy="233800"/>
+          </a:xfrm>
+          <a:prstGeom prst="rect">
+            <a:avLst/>
+          </a:prstGeom>
+        </p:spPr>
+      </p:pic>
+      <p:pic>
+        <p:nvPicPr>
+          <p:cNvPr id="17" name="Resim 16">
+            <a:extLst>
+              <a:ext uri="{FF2B5EF4-FFF2-40B4-BE49-F238E27FC236}">
+                <a16:creationId xmlns:a16="http://schemas.microsoft.com/office/drawing/2014/main" id="{39082AC0-0056-29FA-DC6C-8B7BEB888437}"/>
+              </a:ext>
+            </a:extLst>
+          </p:cNvPr>
+          <p:cNvPicPr>
+            <a:picLocks noChangeAspect="1"/>
+          </p:cNvPicPr>
+          <p:nvPr/>
+        </p:nvPicPr>
+        <p:blipFill>
+          <a:blip r:embed="rId14"/>
+          <a:stretch>
+            <a:fillRect/>
+          </a:stretch>
+        </p:blipFill>
+        <p:spPr>
+          <a:xfrm>
+            <a:off x="11184013" y="599680"/>
+            <a:ext cx="850479" cy="2444613"/>
+          </a:xfrm>
+          <a:prstGeom prst="rect">
+            <a:avLst/>
+          </a:prstGeom>
+        </p:spPr>
+      </p:pic>
+      <p:pic>
+        <p:nvPicPr>
+          <p:cNvPr id="19" name="Resim 18">
+            <a:extLst>
+              <a:ext uri="{FF2B5EF4-FFF2-40B4-BE49-F238E27FC236}">
+                <a16:creationId xmlns:a16="http://schemas.microsoft.com/office/drawing/2014/main" id="{571E2344-8E86-DA52-B40E-CE4AF96B7032}"/>
+              </a:ext>
+            </a:extLst>
+          </p:cNvPr>
+          <p:cNvPicPr>
+            <a:picLocks noChangeAspect="1"/>
+          </p:cNvPicPr>
+          <p:nvPr/>
+        </p:nvPicPr>
+        <p:blipFill>
+          <a:blip r:embed="rId15"/>
+          <a:stretch>
+            <a:fillRect/>
+          </a:stretch>
+        </p:blipFill>
+        <p:spPr>
+          <a:xfrm>
+            <a:off x="9862173" y="3084295"/>
+            <a:ext cx="2172319" cy="801043"/>
+          </a:xfrm>
+          <a:prstGeom prst="rect">
+            <a:avLst/>
+          </a:prstGeom>
+        </p:spPr>
+      </p:pic>
+      <p:pic>
+        <p:nvPicPr>
+          <p:cNvPr id="24" name="Resim 23">
+            <a:extLst>
+              <a:ext uri="{FF2B5EF4-FFF2-40B4-BE49-F238E27FC236}">
+                <a16:creationId xmlns:a16="http://schemas.microsoft.com/office/drawing/2014/main" id="{D6399E69-0E2C-20D9-7316-7BDD8BC8FA0D}"/>
+              </a:ext>
+            </a:extLst>
+          </p:cNvPr>
+          <p:cNvPicPr>
+            <a:picLocks noChangeAspect="1"/>
+          </p:cNvPicPr>
+          <p:nvPr/>
+        </p:nvPicPr>
+        <p:blipFill>
+          <a:blip r:embed="rId16"/>
+          <a:stretch>
+            <a:fillRect/>
+          </a:stretch>
+        </p:blipFill>
+        <p:spPr>
+          <a:xfrm>
+            <a:off x="9862173" y="3921316"/>
+            <a:ext cx="2162477" cy="1781424"/>
+          </a:xfrm>
+          <a:prstGeom prst="rect">
+            <a:avLst/>
+          </a:prstGeom>
+        </p:spPr>
+      </p:pic>
+    </p:spTree>
+    <p:extLst>
+      <p:ext uri="{BB962C8B-B14F-4D97-AF65-F5344CB8AC3E}">
+        <p14:creationId xmlns:p14="http://schemas.microsoft.com/office/powerpoint/2010/main" val="3940025049"/>
+      </p:ext>
+    </p:extLst>
+  </p:cSld>
+  <p:clrMapOvr>
+    <a:masterClrMapping/>
+  </p:clrMapOvr>
+</p:sld>
+</file>
+
+<file path=ppt/slides/slide11.xml><?xml version="1.0" encoding="utf-8"?>
+<p:sld xmlns:a="http://schemas.openxmlformats.org/drawingml/2006/main" xmlns:r="http://schemas.openxmlformats.org/officeDocument/2006/relationships" xmlns:p="http://schemas.openxmlformats.org/presentationml/2006/main">
+  <p:cSld>
+    <p:bg>
+      <p:bgPr>
+        <a:solidFill>
+          <a:schemeClr val="tx1"/>
+        </a:solidFill>
+        <a:effectLst/>
+      </p:bgPr>
+    </p:bg>
+    <p:spTree>
+      <p:nvGrpSpPr>
+        <p:cNvPr id="1" name=""/>
+        <p:cNvGrpSpPr/>
+        <p:nvPr/>
+      </p:nvGrpSpPr>
+      <p:grpSpPr>
+        <a:xfrm>
+          <a:off x="0" y="0"/>
+          <a:ext cx="0" cy="0"/>
+          <a:chOff x="0" y="0"/>
+          <a:chExt cx="0" cy="0"/>
+        </a:xfrm>
+      </p:grpSpPr>
+      <p:sp useBgFill="1">
+        <p:nvSpPr>
+          <p:cNvPr id="20" name="Rectangle 9">
+            <a:extLst>
+              <a:ext uri="{FF2B5EF4-FFF2-40B4-BE49-F238E27FC236}">
+                <a16:creationId xmlns:a16="http://schemas.microsoft.com/office/drawing/2014/main" id="{A8384FB5-9ADC-4DDC-881B-597D56F5B15D}"/>
+              </a:ext>
+              <a:ext uri="{C183D7F6-B498-43B3-948B-1728B52AA6E4}">
+                <adec:decorative xmlns:adec="http://schemas.microsoft.com/office/drawing/2017/decorative" val="1"/>
+              </a:ext>
+            </a:extLst>
+          </p:cNvPr>
+          <p:cNvSpPr>
+            <a:spLocks noGrp="1" noRot="1" noChangeAspect="1" noMove="1" noResize="1" noEditPoints="1" noAdjustHandles="1" noChangeArrowheads="1" noChangeShapeType="1" noTextEdit="1"/>
+          </p:cNvSpPr>
+          <p:nvPr>
+            <p:extLst>
+              <p:ext uri="{386F3935-93C4-4BCD-93E2-E3B085C9AB24}">
+                <p16:designElem xmlns:p16="http://schemas.microsoft.com/office/powerpoint/2015/main" val="1"/>
+              </p:ext>
+            </p:extLst>
+          </p:nvPr>
+        </p:nvSpPr>
+        <p:spPr>
+          <a:xfrm>
+            <a:off x="0" y="0"/>
+            <a:ext cx="12192000" cy="6858000"/>
+          </a:xfrm>
+          <a:prstGeom prst="rect">
+            <a:avLst/>
+          </a:prstGeom>
+          <a:ln w="12700" cap="flat" cmpd="sng" algn="ctr">
+            <a:noFill/>
+            <a:prstDash val="solid"/>
+            <a:miter lim="800000"/>
+          </a:ln>
+          <a:effectLst/>
+          <a:extLst>
+            <a:ext uri="{91240B29-F687-4F45-9708-019B960494DF}">
+              <a14:hiddenLine xmlns:a14="http://schemas.microsoft.com/office/drawing/2010/main" w="12700" cap="flat" cmpd="sng" algn="ctr">
+                <a:solidFill>
+                  <a:schemeClr val="accent1">
+                    <a:shade val="50000"/>
+                  </a:schemeClr>
+                </a:solidFill>
+                <a:prstDash val="solid"/>
+                <a:miter lim="800000"/>
+              </a14:hiddenLine>
+            </a:ext>
+          </a:extLst>
+        </p:spPr>
+        <p:style>
+          <a:lnRef idx="2">
+            <a:schemeClr val="accent1">
+              <a:shade val="50000"/>
+            </a:schemeClr>
+          </a:lnRef>
+          <a:fillRef idx="1">
+            <a:schemeClr val="accent1"/>
+          </a:fillRef>
+          <a:effectRef idx="0">
+            <a:schemeClr val="accent1"/>
+          </a:effectRef>
+          <a:fontRef idx="minor">
+            <a:schemeClr val="lt1"/>
+          </a:fontRef>
+        </p:style>
+        <p:txBody>
+          <a:bodyPr rtlCol="0" anchor="ctr"/>
+          <a:lstStyle/>
+          <a:p>
+            <a:pPr algn="ctr"/>
+            <a:endParaRPr lang="en-US"/>
+          </a:p>
+        </p:txBody>
+      </p:sp>
+      <p:sp>
+        <p:nvSpPr>
+          <p:cNvPr id="12" name="Rectangle 11">
+            <a:extLst>
+              <a:ext uri="{FF2B5EF4-FFF2-40B4-BE49-F238E27FC236}">
+                <a16:creationId xmlns:a16="http://schemas.microsoft.com/office/drawing/2014/main" id="{1199E1B1-A8C0-4FE8-A5A8-1CB41D69F857}"/>
+              </a:ext>
+              <a:ext uri="{C183D7F6-B498-43B3-948B-1728B52AA6E4}">
+                <adec:decorative xmlns:adec="http://schemas.microsoft.com/office/drawing/2017/decorative" val="1"/>
+              </a:ext>
+            </a:extLst>
+          </p:cNvPr>
+          <p:cNvSpPr>
+            <a:spLocks noGrp="1" noRot="1" noChangeAspect="1" noMove="1" noResize="1" noEditPoints="1" noAdjustHandles="1" noChangeArrowheads="1" noChangeShapeType="1" noTextEdit="1"/>
+          </p:cNvSpPr>
+          <p:nvPr>
+            <p:extLst>
+              <p:ext uri="{386F3935-93C4-4BCD-93E2-E3B085C9AB24}">
+                <p16:designElem xmlns:p16="http://schemas.microsoft.com/office/powerpoint/2015/main" val="1"/>
+              </p:ext>
+            </p:extLst>
+          </p:nvPr>
+        </p:nvSpPr>
+        <p:spPr>
+          <a:xfrm rot="10800000" flipH="1">
+            <a:off x="2" y="0"/>
+            <a:ext cx="12191998" cy="1575955"/>
+          </a:xfrm>
+          <a:prstGeom prst="rect">
+            <a:avLst/>
+          </a:prstGeom>
+          <a:gradFill>
+            <a:gsLst>
+              <a:gs pos="0">
+                <a:srgbClr val="000000">
+                  <a:alpha val="96000"/>
+                </a:srgbClr>
+              </a:gs>
+              <a:gs pos="100000">
+                <a:schemeClr val="accent1">
+                  <a:lumMod val="75000"/>
+                </a:schemeClr>
+              </a:gs>
+            </a:gsLst>
+            <a:lin ang="6000000" scaled="0"/>
+          </a:gradFill>
+          <a:ln>
+            <a:noFill/>
+          </a:ln>
+        </p:spPr>
+        <p:style>
+          <a:lnRef idx="2">
+            <a:schemeClr val="accent1">
+              <a:shade val="50000"/>
+            </a:schemeClr>
+          </a:lnRef>
+          <a:fillRef idx="1">
+            <a:schemeClr val="accent1"/>
+          </a:fillRef>
+          <a:effectRef idx="0">
+            <a:schemeClr val="accent1"/>
+          </a:effectRef>
+          <a:fontRef idx="minor">
+            <a:schemeClr val="lt1"/>
+          </a:fontRef>
+        </p:style>
+        <p:txBody>
+          <a:bodyPr rtlCol="0" anchor="ctr"/>
+          <a:lstStyle/>
+          <a:p>
+            <a:pPr algn="ctr"/>
+            <a:endParaRPr lang="en-US"/>
+          </a:p>
+        </p:txBody>
+      </p:sp>
+      <p:sp>
+        <p:nvSpPr>
+          <p:cNvPr id="21" name="Rectangle 13">
+            <a:extLst>
+              <a:ext uri="{FF2B5EF4-FFF2-40B4-BE49-F238E27FC236}">
+                <a16:creationId xmlns:a16="http://schemas.microsoft.com/office/drawing/2014/main" id="{84A8DE83-DE75-4B41-9DB4-A7EC0B0DEC0B}"/>
+              </a:ext>
+              <a:ext uri="{C183D7F6-B498-43B3-948B-1728B52AA6E4}">
+                <adec:decorative xmlns:adec="http://schemas.microsoft.com/office/drawing/2017/decorative" val="1"/>
+              </a:ext>
+            </a:extLst>
+          </p:cNvPr>
+          <p:cNvSpPr>
+            <a:spLocks noGrp="1" noRot="1" noChangeAspect="1" noMove="1" noResize="1" noEditPoints="1" noAdjustHandles="1" noChangeArrowheads="1" noChangeShapeType="1" noTextEdit="1"/>
+          </p:cNvSpPr>
+          <p:nvPr>
+            <p:extLst>
+              <p:ext uri="{386F3935-93C4-4BCD-93E2-E3B085C9AB24}">
+                <p16:designElem xmlns:p16="http://schemas.microsoft.com/office/powerpoint/2015/main" val="1"/>
+              </p:ext>
+            </p:extLst>
+          </p:nvPr>
+        </p:nvSpPr>
+        <p:spPr>
+          <a:xfrm>
+            <a:off x="0" y="0"/>
+            <a:ext cx="8128856" cy="1575461"/>
+          </a:xfrm>
+          <a:prstGeom prst="rect">
+            <a:avLst/>
+          </a:prstGeom>
+          <a:gradFill>
+            <a:gsLst>
+              <a:gs pos="0">
+                <a:schemeClr val="accent1">
+                  <a:alpha val="41000"/>
+                </a:schemeClr>
+              </a:gs>
+              <a:gs pos="74000">
+                <a:schemeClr val="accent1">
+                  <a:lumMod val="60000"/>
+                  <a:lumOff val="40000"/>
+                  <a:alpha val="0"/>
+                </a:schemeClr>
+              </a:gs>
+            </a:gsLst>
+            <a:lin ang="8400000" scaled="0"/>
+          </a:gradFill>
+          <a:ln>
+            <a:noFill/>
+          </a:ln>
+        </p:spPr>
+        <p:style>
+          <a:lnRef idx="2">
+            <a:schemeClr val="accent1">
+              <a:shade val="50000"/>
+            </a:schemeClr>
+          </a:lnRef>
+          <a:fillRef idx="1">
+            <a:schemeClr val="accent1"/>
+          </a:fillRef>
+          <a:effectRef idx="0">
+            <a:schemeClr val="accent1"/>
+          </a:effectRef>
+          <a:fontRef idx="minor">
+            <a:schemeClr val="lt1"/>
+          </a:fontRef>
+        </p:style>
+        <p:txBody>
+          <a:bodyPr rtlCol="0" anchor="ctr"/>
+          <a:lstStyle/>
+          <a:p>
+            <a:pPr algn="ctr"/>
+            <a:endParaRPr lang="en-US"/>
+          </a:p>
+        </p:txBody>
+      </p:sp>
+      <p:sp>
+        <p:nvSpPr>
+          <p:cNvPr id="22" name="Rectangle 15">
+            <a:extLst>
+              <a:ext uri="{FF2B5EF4-FFF2-40B4-BE49-F238E27FC236}">
+                <a16:creationId xmlns:a16="http://schemas.microsoft.com/office/drawing/2014/main" id="{A7009A0A-BEF5-4EAC-AF15-E4F9F002E239}"/>
+              </a:ext>
+              <a:ext uri="{C183D7F6-B498-43B3-948B-1728B52AA6E4}">
+                <adec:decorative xmlns:adec="http://schemas.microsoft.com/office/drawing/2017/decorative" val="1"/>
+              </a:ext>
+            </a:extLst>
+          </p:cNvPr>
+          <p:cNvSpPr>
+            <a:spLocks noGrp="1" noRot="1" noChangeAspect="1" noMove="1" noResize="1" noEditPoints="1" noAdjustHandles="1" noChangeArrowheads="1" noChangeShapeType="1" noTextEdit="1"/>
+          </p:cNvSpPr>
+          <p:nvPr>
+            <p:extLst>
+              <p:ext uri="{386F3935-93C4-4BCD-93E2-E3B085C9AB24}">
+                <p16:designElem xmlns:p16="http://schemas.microsoft.com/office/powerpoint/2015/main" val="1"/>
+              </p:ext>
+            </p:extLst>
+          </p:nvPr>
+        </p:nvSpPr>
+        <p:spPr>
+          <a:xfrm flipH="1">
+            <a:off x="-3" y="-1"/>
+            <a:ext cx="12192002" cy="1574311"/>
+          </a:xfrm>
+          <a:prstGeom prst="rect">
+            <a:avLst/>
+          </a:prstGeom>
+          <a:gradFill>
+            <a:gsLst>
+              <a:gs pos="0">
+                <a:srgbClr val="000000">
+                  <a:alpha val="63000"/>
+                </a:srgbClr>
+              </a:gs>
+              <a:gs pos="78000">
+                <a:schemeClr val="accent1">
+                  <a:alpha val="15000"/>
+                </a:schemeClr>
+              </a:gs>
+            </a:gsLst>
+            <a:lin ang="15600000" scaled="0"/>
+          </a:gradFill>
+          <a:ln>
+            <a:noFill/>
+          </a:ln>
+        </p:spPr>
+        <p:style>
+          <a:lnRef idx="2">
+            <a:schemeClr val="accent1">
+              <a:shade val="50000"/>
+            </a:schemeClr>
+          </a:lnRef>
+          <a:fillRef idx="1">
+            <a:schemeClr val="accent1"/>
+          </a:fillRef>
+          <a:effectRef idx="0">
+            <a:schemeClr val="accent1"/>
+          </a:effectRef>
+          <a:fontRef idx="minor">
+            <a:schemeClr val="lt1"/>
+          </a:fontRef>
+        </p:style>
+        <p:txBody>
+          <a:bodyPr rtlCol="0" anchor="ctr"/>
+          <a:lstStyle/>
+          <a:p>
+            <a:pPr algn="ctr"/>
+            <a:endParaRPr lang="en-US"/>
+          </a:p>
+        </p:txBody>
+      </p:sp>
+      <p:sp>
+        <p:nvSpPr>
+          <p:cNvPr id="50" name="Metin kutusu 49">
+            <a:extLst>
+              <a:ext uri="{FF2B5EF4-FFF2-40B4-BE49-F238E27FC236}">
+                <a16:creationId xmlns:a16="http://schemas.microsoft.com/office/drawing/2014/main" id="{EE49DAA7-5989-86CD-D23F-3B5512C9B12C}"/>
+              </a:ext>
+            </a:extLst>
+          </p:cNvPr>
+          <p:cNvSpPr txBox="1"/>
+          <p:nvPr/>
+        </p:nvSpPr>
+        <p:spPr>
+          <a:xfrm>
+            <a:off x="727300" y="599010"/>
+            <a:ext cx="11978672" cy="646331"/>
+          </a:xfrm>
+          <a:prstGeom prst="rect">
+            <a:avLst/>
+          </a:prstGeom>
+          <a:noFill/>
+        </p:spPr>
+        <p:txBody>
+          <a:bodyPr wrap="square">
+            <a:spAutoFit/>
+          </a:bodyPr>
+          <a:lstStyle/>
+          <a:p>
+            <a:r>
+              <a:rPr lang="tr-TR" sz="1800" kern="1200" dirty="0">
+                <a:solidFill>
+                  <a:srgbClr val="FFFFFF"/>
+                </a:solidFill>
+                <a:latin typeface="+mj-lt"/>
+                <a:ea typeface="+mj-ea"/>
+                <a:cs typeface="+mj-cs"/>
+              </a:rPr>
+              <a:t> </a:t>
+            </a:r>
+            <a:r>
+              <a:rPr lang="tr-TR" sz="1800" kern="1200" dirty="0" err="1">
+                <a:solidFill>
+                  <a:srgbClr val="FFFFFF"/>
+                </a:solidFill>
+                <a:latin typeface="+mj-lt"/>
+                <a:ea typeface="+mj-ea"/>
+                <a:cs typeface="+mj-cs"/>
+              </a:rPr>
+              <a:t>Sharpe</a:t>
+            </a:r>
+            <a:r>
+              <a:rPr lang="tr-TR" sz="1800" kern="1200" dirty="0">
+                <a:solidFill>
+                  <a:srgbClr val="FFFFFF"/>
+                </a:solidFill>
+                <a:latin typeface="+mj-lt"/>
+                <a:ea typeface="+mj-ea"/>
+                <a:cs typeface="+mj-cs"/>
+              </a:rPr>
+              <a:t>                             i-</a:t>
+            </a:r>
+            <a:r>
+              <a:rPr lang="tr-TR" sz="1800" kern="1200" dirty="0" err="1">
+                <a:solidFill>
+                  <a:srgbClr val="FFFFFF"/>
+                </a:solidFill>
+                <a:latin typeface="+mj-lt"/>
+                <a:ea typeface="+mj-ea"/>
+                <a:cs typeface="+mj-cs"/>
+              </a:rPr>
+              <a:t>Sharpe</a:t>
+            </a:r>
+            <a:r>
+              <a:rPr lang="tr-TR" sz="1800" kern="1200" dirty="0">
+                <a:solidFill>
+                  <a:srgbClr val="FFFFFF"/>
+                </a:solidFill>
+                <a:latin typeface="+mj-lt"/>
+                <a:ea typeface="+mj-ea"/>
+                <a:cs typeface="+mj-cs"/>
+              </a:rPr>
+              <a:t>                                          MDD                        </a:t>
+            </a:r>
+            <a:r>
+              <a:rPr lang="tr-TR" dirty="0">
+                <a:solidFill>
+                  <a:srgbClr val="FFFFFF"/>
+                </a:solidFill>
+                <a:latin typeface="+mj-lt"/>
+                <a:ea typeface="+mj-ea"/>
+                <a:cs typeface="+mj-cs"/>
+              </a:rPr>
+              <a:t>        </a:t>
+            </a:r>
+            <a:r>
+              <a:rPr lang="tr-TR" sz="1800" kern="1200" dirty="0">
+                <a:solidFill>
+                  <a:srgbClr val="FFFFFF"/>
+                </a:solidFill>
+                <a:latin typeface="+mj-lt"/>
+                <a:ea typeface="+mj-ea"/>
+                <a:cs typeface="+mj-cs"/>
+              </a:rPr>
+              <a:t>i-MDD                             MINVAR</a:t>
+            </a:r>
+            <a:br>
+              <a:rPr lang="tr-TR" sz="1800" kern="1200" dirty="0">
+                <a:solidFill>
+                  <a:srgbClr val="FFFFFF"/>
+                </a:solidFill>
+                <a:latin typeface="+mj-lt"/>
+                <a:ea typeface="+mj-ea"/>
+                <a:cs typeface="+mj-cs"/>
+              </a:rPr>
+            </a:br>
+            <a:endParaRPr lang="tr-TR" dirty="0"/>
+          </a:p>
+        </p:txBody>
+      </p:sp>
+      <p:sp>
+        <p:nvSpPr>
+          <p:cNvPr id="51" name="Metin kutusu 50">
+            <a:extLst>
+              <a:ext uri="{FF2B5EF4-FFF2-40B4-BE49-F238E27FC236}">
+                <a16:creationId xmlns:a16="http://schemas.microsoft.com/office/drawing/2014/main" id="{A70B95CD-8DAF-9678-5271-CC7419A3BC45}"/>
+              </a:ext>
+            </a:extLst>
+          </p:cNvPr>
+          <p:cNvSpPr txBox="1"/>
+          <p:nvPr/>
+        </p:nvSpPr>
+        <p:spPr>
+          <a:xfrm>
+            <a:off x="584292" y="6194416"/>
+            <a:ext cx="1618793" cy="646331"/>
+          </a:xfrm>
+          <a:prstGeom prst="rect">
+            <a:avLst/>
+          </a:prstGeom>
+          <a:noFill/>
+        </p:spPr>
+        <p:txBody>
+          <a:bodyPr wrap="square" rtlCol="0">
+            <a:spAutoFit/>
+          </a:bodyPr>
+          <a:lstStyle/>
+          <a:p>
+            <a:r>
+              <a:rPr lang="tr-TR" sz="1200" dirty="0">
+                <a:solidFill>
+                  <a:schemeClr val="bg1"/>
+                </a:solidFill>
+              </a:rPr>
+              <a:t>Return: %120</a:t>
+            </a:r>
+          </a:p>
+          <a:p>
+            <a:r>
+              <a:rPr lang="tr-TR" sz="1200" dirty="0">
+                <a:solidFill>
+                  <a:schemeClr val="bg1"/>
+                </a:solidFill>
+              </a:rPr>
+              <a:t>SR: 5.66</a:t>
+            </a:r>
+          </a:p>
+          <a:p>
+            <a:r>
+              <a:rPr lang="tr-TR" sz="1200" dirty="0">
+                <a:solidFill>
+                  <a:schemeClr val="bg1"/>
+                </a:solidFill>
+              </a:rPr>
+              <a:t>MDD: %7.2</a:t>
+            </a:r>
+          </a:p>
+        </p:txBody>
+      </p:sp>
+      <p:sp>
+        <p:nvSpPr>
+          <p:cNvPr id="52" name="Metin kutusu 51">
+            <a:extLst>
+              <a:ext uri="{FF2B5EF4-FFF2-40B4-BE49-F238E27FC236}">
+                <a16:creationId xmlns:a16="http://schemas.microsoft.com/office/drawing/2014/main" id="{8CB66451-38B6-8CD7-C133-BF6BD30A2B00}"/>
+              </a:ext>
+            </a:extLst>
+          </p:cNvPr>
+          <p:cNvSpPr txBox="1"/>
+          <p:nvPr/>
+        </p:nvSpPr>
+        <p:spPr>
+          <a:xfrm>
+            <a:off x="2863225" y="6203042"/>
+            <a:ext cx="2175360" cy="646331"/>
+          </a:xfrm>
+          <a:prstGeom prst="rect">
+            <a:avLst/>
+          </a:prstGeom>
+          <a:noFill/>
+        </p:spPr>
+        <p:txBody>
+          <a:bodyPr wrap="square" rtlCol="0">
+            <a:spAutoFit/>
+          </a:bodyPr>
+          <a:lstStyle/>
+          <a:p>
+            <a:r>
+              <a:rPr lang="tr-TR" sz="1200" dirty="0">
+                <a:solidFill>
+                  <a:schemeClr val="bg1"/>
+                </a:solidFill>
+              </a:rPr>
+              <a:t>Return: %97.4</a:t>
+            </a:r>
+          </a:p>
+          <a:p>
+            <a:r>
+              <a:rPr lang="tr-TR" sz="1200" dirty="0">
+                <a:solidFill>
+                  <a:schemeClr val="bg1"/>
+                </a:solidFill>
+              </a:rPr>
+              <a:t>SR: 4.32</a:t>
+            </a:r>
+          </a:p>
+          <a:p>
+            <a:r>
+              <a:rPr lang="tr-TR" sz="1200" dirty="0">
+                <a:solidFill>
+                  <a:schemeClr val="bg1"/>
+                </a:solidFill>
+              </a:rPr>
+              <a:t>MDD: %17.4</a:t>
+            </a:r>
+          </a:p>
+        </p:txBody>
+      </p:sp>
+      <p:sp>
+        <p:nvSpPr>
+          <p:cNvPr id="53" name="Metin kutusu 52">
+            <a:extLst>
+              <a:ext uri="{FF2B5EF4-FFF2-40B4-BE49-F238E27FC236}">
+                <a16:creationId xmlns:a16="http://schemas.microsoft.com/office/drawing/2014/main" id="{62C3CF7E-303C-27BA-05F6-76E1DF411575}"/>
+              </a:ext>
+            </a:extLst>
+          </p:cNvPr>
+          <p:cNvSpPr txBox="1"/>
+          <p:nvPr/>
+        </p:nvSpPr>
+        <p:spPr>
+          <a:xfrm>
+            <a:off x="7654499" y="5409614"/>
+            <a:ext cx="1644246" cy="646331"/>
+          </a:xfrm>
+          <a:prstGeom prst="rect">
+            <a:avLst/>
+          </a:prstGeom>
+          <a:noFill/>
+        </p:spPr>
+        <p:txBody>
+          <a:bodyPr wrap="square" rtlCol="0">
+            <a:spAutoFit/>
+          </a:bodyPr>
+          <a:lstStyle/>
+          <a:p>
+            <a:r>
+              <a:rPr lang="tr-TR" sz="1200" dirty="0">
+                <a:solidFill>
+                  <a:schemeClr val="bg1"/>
+                </a:solidFill>
+              </a:rPr>
+              <a:t>Return: %73.7</a:t>
+            </a:r>
+          </a:p>
+          <a:p>
+            <a:r>
+              <a:rPr lang="tr-TR" sz="1200" dirty="0">
+                <a:solidFill>
+                  <a:schemeClr val="bg1"/>
+                </a:solidFill>
+              </a:rPr>
+              <a:t>SR: 2.76</a:t>
+            </a:r>
+          </a:p>
+          <a:p>
+            <a:r>
+              <a:rPr lang="tr-TR" sz="1200" dirty="0">
+                <a:solidFill>
+                  <a:schemeClr val="bg1"/>
+                </a:solidFill>
+              </a:rPr>
+              <a:t>MDD: %22.2</a:t>
+            </a:r>
+          </a:p>
+        </p:txBody>
+      </p:sp>
+      <p:sp>
+        <p:nvSpPr>
+          <p:cNvPr id="54" name="Metin kutusu 53">
+            <a:extLst>
+              <a:ext uri="{FF2B5EF4-FFF2-40B4-BE49-F238E27FC236}">
+                <a16:creationId xmlns:a16="http://schemas.microsoft.com/office/drawing/2014/main" id="{F94EBC21-360D-D5EE-A7D2-3531F334D746}"/>
+              </a:ext>
+            </a:extLst>
+          </p:cNvPr>
+          <p:cNvSpPr txBox="1"/>
+          <p:nvPr/>
+        </p:nvSpPr>
+        <p:spPr>
+          <a:xfrm>
+            <a:off x="8839696" y="6158240"/>
+            <a:ext cx="2175360" cy="646331"/>
+          </a:xfrm>
+          <a:prstGeom prst="rect">
+            <a:avLst/>
+          </a:prstGeom>
+          <a:noFill/>
+        </p:spPr>
+        <p:txBody>
+          <a:bodyPr wrap="square" rtlCol="0">
+            <a:spAutoFit/>
+          </a:bodyPr>
+          <a:lstStyle/>
+          <a:p>
+            <a:r>
+              <a:rPr lang="tr-TR" sz="1200" dirty="0">
+                <a:solidFill>
+                  <a:schemeClr val="bg1"/>
+                </a:solidFill>
+              </a:rPr>
+              <a:t>Return: %95.5</a:t>
+            </a:r>
+          </a:p>
+          <a:p>
+            <a:r>
+              <a:rPr lang="tr-TR" sz="1200" dirty="0">
+                <a:solidFill>
+                  <a:schemeClr val="bg1"/>
+                </a:solidFill>
+              </a:rPr>
+              <a:t>SR: 5.96</a:t>
+            </a:r>
+          </a:p>
+          <a:p>
+            <a:r>
+              <a:rPr lang="tr-TR" sz="1200" dirty="0">
+                <a:solidFill>
+                  <a:schemeClr val="bg1"/>
+                </a:solidFill>
+              </a:rPr>
+              <a:t>MDD: %12.0</a:t>
+            </a:r>
+          </a:p>
+        </p:txBody>
+      </p:sp>
+      <p:sp>
+        <p:nvSpPr>
+          <p:cNvPr id="55" name="Metin kutusu 54">
+            <a:extLst>
+              <a:ext uri="{FF2B5EF4-FFF2-40B4-BE49-F238E27FC236}">
+                <a16:creationId xmlns:a16="http://schemas.microsoft.com/office/drawing/2014/main" id="{3099ABFA-9BB9-91D3-8ACA-943BBF77E4C4}"/>
+              </a:ext>
+            </a:extLst>
+          </p:cNvPr>
+          <p:cNvSpPr txBox="1"/>
+          <p:nvPr/>
+        </p:nvSpPr>
+        <p:spPr>
+          <a:xfrm>
+            <a:off x="5141905" y="6211669"/>
+            <a:ext cx="1574731" cy="646331"/>
+          </a:xfrm>
+          <a:prstGeom prst="rect">
+            <a:avLst/>
+          </a:prstGeom>
+          <a:noFill/>
+        </p:spPr>
+        <p:txBody>
+          <a:bodyPr wrap="square" rtlCol="0">
+            <a:spAutoFit/>
+          </a:bodyPr>
+          <a:lstStyle/>
+          <a:p>
+            <a:r>
+              <a:rPr lang="tr-TR" sz="1200" dirty="0">
+                <a:solidFill>
+                  <a:schemeClr val="bg1"/>
+                </a:solidFill>
+              </a:rPr>
+              <a:t>Return: %78.7</a:t>
+            </a:r>
+          </a:p>
+          <a:p>
+            <a:r>
+              <a:rPr lang="tr-TR" sz="1200" dirty="0">
+                <a:solidFill>
+                  <a:schemeClr val="bg1"/>
+                </a:solidFill>
+              </a:rPr>
+              <a:t>SR: 4.64</a:t>
+            </a:r>
+          </a:p>
+          <a:p>
+            <a:r>
+              <a:rPr lang="tr-TR" sz="1200" dirty="0">
+                <a:solidFill>
+                  <a:schemeClr val="bg1"/>
+                </a:solidFill>
+              </a:rPr>
+              <a:t>MDD: %9.9</a:t>
+            </a:r>
+          </a:p>
+        </p:txBody>
+      </p:sp>
+      <p:sp>
+        <p:nvSpPr>
+          <p:cNvPr id="3" name="Metin kutusu 2">
+            <a:extLst>
+              <a:ext uri="{FF2B5EF4-FFF2-40B4-BE49-F238E27FC236}">
+                <a16:creationId xmlns:a16="http://schemas.microsoft.com/office/drawing/2014/main" id="{D6935863-5355-2563-D7D9-D2869C83D594}"/>
+              </a:ext>
+            </a:extLst>
+          </p:cNvPr>
+          <p:cNvSpPr txBox="1"/>
+          <p:nvPr/>
+        </p:nvSpPr>
+        <p:spPr>
+          <a:xfrm>
+            <a:off x="-4" y="-16499"/>
+            <a:ext cx="6094562" cy="369332"/>
+          </a:xfrm>
+          <a:prstGeom prst="rect">
+            <a:avLst/>
+          </a:prstGeom>
+          <a:noFill/>
+        </p:spPr>
+        <p:txBody>
+          <a:bodyPr wrap="square">
+            <a:spAutoFit/>
+          </a:bodyPr>
+          <a:lstStyle/>
+          <a:p>
+            <a:r>
+              <a:rPr lang="tr-TR" sz="1800" dirty="0">
+                <a:solidFill>
+                  <a:schemeClr val="bg1"/>
+                </a:solidFill>
+              </a:rPr>
+              <a:t>MHI </a:t>
+            </a:r>
+            <a:r>
+              <a:rPr lang="tr-TR" sz="1800" dirty="0" err="1">
+                <a:solidFill>
+                  <a:schemeClr val="bg1"/>
+                </a:solidFill>
+              </a:rPr>
+              <a:t>portfolios</a:t>
+            </a:r>
+            <a:r>
+              <a:rPr lang="tr-TR" sz="1800" dirty="0">
+                <a:solidFill>
+                  <a:schemeClr val="bg1"/>
+                </a:solidFill>
+              </a:rPr>
+              <a:t> </a:t>
+            </a:r>
+            <a:r>
+              <a:rPr lang="tr-TR" sz="1800" dirty="0" err="1">
+                <a:solidFill>
+                  <a:schemeClr val="bg1"/>
+                </a:solidFill>
+              </a:rPr>
+              <a:t>for</a:t>
+            </a:r>
+            <a:r>
+              <a:rPr lang="tr-TR" sz="1800" dirty="0">
+                <a:solidFill>
+                  <a:schemeClr val="bg1"/>
+                </a:solidFill>
+              </a:rPr>
+              <a:t> </a:t>
+            </a:r>
+            <a:r>
+              <a:rPr lang="tr-TR" sz="1800" dirty="0">
+                <a:solidFill>
+                  <a:srgbClr val="FFFF00"/>
+                </a:solidFill>
+              </a:rPr>
+              <a:t>16.08.2022 – 27.12.2022 (III)</a:t>
+            </a:r>
+          </a:p>
+        </p:txBody>
+      </p:sp>
+      <p:pic>
+        <p:nvPicPr>
+          <p:cNvPr id="5" name="Resim 4">
+            <a:extLst>
+              <a:ext uri="{FF2B5EF4-FFF2-40B4-BE49-F238E27FC236}">
+                <a16:creationId xmlns:a16="http://schemas.microsoft.com/office/drawing/2014/main" id="{D550E20B-C4F7-1075-8100-6F992849EFCF}"/>
+              </a:ext>
+            </a:extLst>
+          </p:cNvPr>
+          <p:cNvPicPr>
+            <a:picLocks noChangeAspect="1"/>
+          </p:cNvPicPr>
+          <p:nvPr/>
+        </p:nvPicPr>
+        <p:blipFill>
+          <a:blip r:embed="rId2"/>
+          <a:stretch>
+            <a:fillRect/>
+          </a:stretch>
+        </p:blipFill>
+        <p:spPr>
+          <a:xfrm>
+            <a:off x="5181568" y="4324434"/>
+            <a:ext cx="2233870" cy="1887236"/>
+          </a:xfrm>
+          <a:prstGeom prst="rect">
+            <a:avLst/>
+          </a:prstGeom>
+        </p:spPr>
+      </p:pic>
+      <p:pic>
+        <p:nvPicPr>
+          <p:cNvPr id="13" name="Resim 12">
+            <a:extLst>
+              <a:ext uri="{FF2B5EF4-FFF2-40B4-BE49-F238E27FC236}">
+                <a16:creationId xmlns:a16="http://schemas.microsoft.com/office/drawing/2014/main" id="{8F744EF9-6D3A-7B68-F063-D6C4BC7D8D49}"/>
+              </a:ext>
+            </a:extLst>
+          </p:cNvPr>
+          <p:cNvPicPr>
+            <a:picLocks noChangeAspect="1"/>
+          </p:cNvPicPr>
+          <p:nvPr/>
+        </p:nvPicPr>
+        <p:blipFill>
+          <a:blip r:embed="rId3"/>
+          <a:stretch>
+            <a:fillRect/>
+          </a:stretch>
+        </p:blipFill>
+        <p:spPr>
+          <a:xfrm>
+            <a:off x="5181568" y="3170026"/>
+            <a:ext cx="2233871" cy="1104156"/>
+          </a:xfrm>
+          <a:prstGeom prst="rect">
+            <a:avLst/>
+          </a:prstGeom>
+        </p:spPr>
+      </p:pic>
+      <p:pic>
+        <p:nvPicPr>
+          <p:cNvPr id="16" name="Resim 15">
+            <a:extLst>
+              <a:ext uri="{FF2B5EF4-FFF2-40B4-BE49-F238E27FC236}">
+                <a16:creationId xmlns:a16="http://schemas.microsoft.com/office/drawing/2014/main" id="{3C0D0BE8-64A8-F3EC-3642-8CDA0B966BF5}"/>
+              </a:ext>
+            </a:extLst>
+          </p:cNvPr>
+          <p:cNvPicPr>
+            <a:picLocks noChangeAspect="1"/>
+          </p:cNvPicPr>
+          <p:nvPr/>
+        </p:nvPicPr>
+        <p:blipFill>
+          <a:blip r:embed="rId4"/>
+          <a:stretch>
+            <a:fillRect/>
+          </a:stretch>
+        </p:blipFill>
+        <p:spPr>
+          <a:xfrm>
+            <a:off x="6567306" y="599014"/>
+            <a:ext cx="848132" cy="2522870"/>
+          </a:xfrm>
+          <a:prstGeom prst="rect">
+            <a:avLst/>
+          </a:prstGeom>
+        </p:spPr>
+      </p:pic>
+      <p:pic>
+        <p:nvPicPr>
+          <p:cNvPr id="19" name="Resim 18">
+            <a:extLst>
+              <a:ext uri="{FF2B5EF4-FFF2-40B4-BE49-F238E27FC236}">
+                <a16:creationId xmlns:a16="http://schemas.microsoft.com/office/drawing/2014/main" id="{6A5AFD73-6724-4B02-3CC6-7D82B7E3FC1C}"/>
+              </a:ext>
+            </a:extLst>
+          </p:cNvPr>
+          <p:cNvPicPr>
+            <a:picLocks noChangeAspect="1"/>
+          </p:cNvPicPr>
+          <p:nvPr/>
+        </p:nvPicPr>
+        <p:blipFill>
+          <a:blip r:embed="rId5"/>
+          <a:stretch>
+            <a:fillRect/>
+          </a:stretch>
+        </p:blipFill>
+        <p:spPr>
+          <a:xfrm>
+            <a:off x="352996" y="3170026"/>
+            <a:ext cx="2237788" cy="952468"/>
+          </a:xfrm>
+          <a:prstGeom prst="rect">
+            <a:avLst/>
+          </a:prstGeom>
+        </p:spPr>
+      </p:pic>
+      <p:pic>
+        <p:nvPicPr>
+          <p:cNvPr id="26" name="Resim 25">
+            <a:extLst>
+              <a:ext uri="{FF2B5EF4-FFF2-40B4-BE49-F238E27FC236}">
+                <a16:creationId xmlns:a16="http://schemas.microsoft.com/office/drawing/2014/main" id="{6D45A89E-4064-DC8E-15E9-3E9B2F8CAA69}"/>
+              </a:ext>
+            </a:extLst>
+          </p:cNvPr>
+          <p:cNvPicPr>
+            <a:picLocks noChangeAspect="1"/>
+          </p:cNvPicPr>
+          <p:nvPr/>
+        </p:nvPicPr>
+        <p:blipFill>
+          <a:blip r:embed="rId6"/>
+          <a:stretch>
+            <a:fillRect/>
+          </a:stretch>
+        </p:blipFill>
+        <p:spPr>
+          <a:xfrm>
+            <a:off x="352097" y="4229638"/>
+            <a:ext cx="2238687" cy="1857634"/>
+          </a:xfrm>
+          <a:prstGeom prst="rect">
+            <a:avLst/>
+          </a:prstGeom>
+        </p:spPr>
+      </p:pic>
+      <p:pic>
+        <p:nvPicPr>
+          <p:cNvPr id="30" name="Resim 29">
+            <a:extLst>
+              <a:ext uri="{FF2B5EF4-FFF2-40B4-BE49-F238E27FC236}">
+                <a16:creationId xmlns:a16="http://schemas.microsoft.com/office/drawing/2014/main" id="{AE921070-9896-C497-9211-1EF14B932F35}"/>
+              </a:ext>
+            </a:extLst>
+          </p:cNvPr>
+          <p:cNvPicPr>
+            <a:picLocks noChangeAspect="1"/>
+          </p:cNvPicPr>
+          <p:nvPr/>
+        </p:nvPicPr>
+        <p:blipFill>
+          <a:blip r:embed="rId7"/>
+          <a:stretch>
+            <a:fillRect/>
+          </a:stretch>
+        </p:blipFill>
+        <p:spPr>
+          <a:xfrm>
+            <a:off x="1624595" y="607637"/>
+            <a:ext cx="966189" cy="2531501"/>
+          </a:xfrm>
+          <a:prstGeom prst="rect">
+            <a:avLst/>
+          </a:prstGeom>
+        </p:spPr>
+      </p:pic>
+      <p:pic>
+        <p:nvPicPr>
+          <p:cNvPr id="4" name="Resim 3">
+            <a:extLst>
+              <a:ext uri="{FF2B5EF4-FFF2-40B4-BE49-F238E27FC236}">
+                <a16:creationId xmlns:a16="http://schemas.microsoft.com/office/drawing/2014/main" id="{990C145F-5857-4A69-3A6B-DEB71E3A71B6}"/>
+              </a:ext>
+            </a:extLst>
+          </p:cNvPr>
+          <p:cNvPicPr>
+            <a:picLocks noChangeAspect="1"/>
+          </p:cNvPicPr>
+          <p:nvPr/>
+        </p:nvPicPr>
+        <p:blipFill>
+          <a:blip r:embed="rId8"/>
+          <a:stretch>
+            <a:fillRect/>
+          </a:stretch>
+        </p:blipFill>
+        <p:spPr>
+          <a:xfrm>
+            <a:off x="4022136" y="607637"/>
+            <a:ext cx="987213" cy="2522879"/>
+          </a:xfrm>
+          <a:prstGeom prst="rect">
+            <a:avLst/>
+          </a:prstGeom>
+        </p:spPr>
+      </p:pic>
+      <p:pic>
+        <p:nvPicPr>
+          <p:cNvPr id="7" name="Resim 6">
+            <a:extLst>
+              <a:ext uri="{FF2B5EF4-FFF2-40B4-BE49-F238E27FC236}">
+                <a16:creationId xmlns:a16="http://schemas.microsoft.com/office/drawing/2014/main" id="{1877B7BB-4BE5-4CE6-770A-5A035A066D31}"/>
+              </a:ext>
+            </a:extLst>
+          </p:cNvPr>
+          <p:cNvPicPr>
+            <a:picLocks noChangeAspect="1"/>
+          </p:cNvPicPr>
+          <p:nvPr/>
+        </p:nvPicPr>
+        <p:blipFill>
+          <a:blip r:embed="rId9"/>
+          <a:stretch>
+            <a:fillRect/>
+          </a:stretch>
+        </p:blipFill>
+        <p:spPr>
+          <a:xfrm>
+            <a:off x="2828066" y="3170834"/>
+            <a:ext cx="2191379" cy="804858"/>
+          </a:xfrm>
+          <a:prstGeom prst="rect">
+            <a:avLst/>
+          </a:prstGeom>
+        </p:spPr>
+      </p:pic>
+      <p:pic>
+        <p:nvPicPr>
+          <p:cNvPr id="9" name="Resim 8">
+            <a:extLst>
+              <a:ext uri="{FF2B5EF4-FFF2-40B4-BE49-F238E27FC236}">
+                <a16:creationId xmlns:a16="http://schemas.microsoft.com/office/drawing/2014/main" id="{155C16FA-7B08-4D50-F406-79BAA2C9BF8B}"/>
+              </a:ext>
+            </a:extLst>
+          </p:cNvPr>
+          <p:cNvPicPr>
+            <a:picLocks noChangeAspect="1"/>
+          </p:cNvPicPr>
+          <p:nvPr/>
+        </p:nvPicPr>
+        <p:blipFill>
+          <a:blip r:embed="rId10"/>
+          <a:stretch>
+            <a:fillRect/>
+          </a:stretch>
+        </p:blipFill>
+        <p:spPr>
+          <a:xfrm>
+            <a:off x="2828065" y="4030928"/>
+            <a:ext cx="2193755" cy="1979255"/>
+          </a:xfrm>
+          <a:prstGeom prst="rect">
+            <a:avLst/>
+          </a:prstGeom>
+        </p:spPr>
+      </p:pic>
+      <p:pic>
+        <p:nvPicPr>
+          <p:cNvPr id="6" name="Resim 5">
+            <a:extLst>
+              <a:ext uri="{FF2B5EF4-FFF2-40B4-BE49-F238E27FC236}">
+                <a16:creationId xmlns:a16="http://schemas.microsoft.com/office/drawing/2014/main" id="{74AB1466-8932-3877-48ED-498221D3C248}"/>
+              </a:ext>
+            </a:extLst>
+          </p:cNvPr>
+          <p:cNvPicPr>
+            <a:picLocks noChangeAspect="1"/>
+          </p:cNvPicPr>
+          <p:nvPr/>
+        </p:nvPicPr>
+        <p:blipFill>
+          <a:blip r:embed="rId11"/>
+          <a:stretch>
+            <a:fillRect/>
+          </a:stretch>
+        </p:blipFill>
+        <p:spPr>
+          <a:xfrm>
+            <a:off x="8844042" y="607641"/>
+            <a:ext cx="909407" cy="2522870"/>
+          </a:xfrm>
+          <a:prstGeom prst="rect">
+            <a:avLst/>
+          </a:prstGeom>
+        </p:spPr>
+      </p:pic>
+      <p:pic>
+        <p:nvPicPr>
+          <p:cNvPr id="10" name="Resim 9">
+            <a:extLst>
+              <a:ext uri="{FF2B5EF4-FFF2-40B4-BE49-F238E27FC236}">
+                <a16:creationId xmlns:a16="http://schemas.microsoft.com/office/drawing/2014/main" id="{AF9B1712-EC88-4BF6-48AD-86696309246E}"/>
+              </a:ext>
+            </a:extLst>
+          </p:cNvPr>
+          <p:cNvPicPr>
+            <a:picLocks noChangeAspect="1"/>
+          </p:cNvPicPr>
+          <p:nvPr/>
+        </p:nvPicPr>
+        <p:blipFill>
+          <a:blip r:embed="rId12"/>
+          <a:stretch>
+            <a:fillRect/>
+          </a:stretch>
+        </p:blipFill>
+        <p:spPr>
+          <a:xfrm>
+            <a:off x="7552148" y="3569568"/>
+            <a:ext cx="2210108" cy="1829055"/>
+          </a:xfrm>
+          <a:prstGeom prst="rect">
+            <a:avLst/>
+          </a:prstGeom>
+        </p:spPr>
+      </p:pic>
+      <p:pic>
+        <p:nvPicPr>
+          <p:cNvPr id="14" name="Resim 13">
+            <a:extLst>
+              <a:ext uri="{FF2B5EF4-FFF2-40B4-BE49-F238E27FC236}">
+                <a16:creationId xmlns:a16="http://schemas.microsoft.com/office/drawing/2014/main" id="{C68D41DA-F48F-530C-F56B-48241ED96893}"/>
+              </a:ext>
+            </a:extLst>
+          </p:cNvPr>
+          <p:cNvPicPr>
+            <a:picLocks noChangeAspect="1"/>
+          </p:cNvPicPr>
+          <p:nvPr/>
+        </p:nvPicPr>
+        <p:blipFill>
+          <a:blip r:embed="rId13"/>
+          <a:stretch>
+            <a:fillRect/>
+          </a:stretch>
+        </p:blipFill>
+        <p:spPr>
+          <a:xfrm>
+            <a:off x="7552148" y="3176655"/>
+            <a:ext cx="2210108" cy="311132"/>
+          </a:xfrm>
+          <a:prstGeom prst="rect">
+            <a:avLst/>
+          </a:prstGeom>
+        </p:spPr>
+      </p:pic>
+      <p:pic>
+        <p:nvPicPr>
+          <p:cNvPr id="17" name="Resim 16">
+            <a:extLst>
+              <a:ext uri="{FF2B5EF4-FFF2-40B4-BE49-F238E27FC236}">
+                <a16:creationId xmlns:a16="http://schemas.microsoft.com/office/drawing/2014/main" id="{96526C8D-C1EC-9606-49A2-97F7F8BB4C3D}"/>
+              </a:ext>
+            </a:extLst>
+          </p:cNvPr>
+          <p:cNvPicPr>
+            <a:picLocks noChangeAspect="1"/>
+          </p:cNvPicPr>
+          <p:nvPr/>
+        </p:nvPicPr>
+        <p:blipFill>
+          <a:blip r:embed="rId14"/>
+          <a:stretch>
+            <a:fillRect/>
+          </a:stretch>
+        </p:blipFill>
+        <p:spPr>
+          <a:xfrm>
+            <a:off x="11072079" y="599014"/>
+            <a:ext cx="1009148" cy="2522870"/>
+          </a:xfrm>
+          <a:prstGeom prst="rect">
+            <a:avLst/>
+          </a:prstGeom>
+        </p:spPr>
+      </p:pic>
+      <p:pic>
+        <p:nvPicPr>
+          <p:cNvPr id="23" name="Resim 22">
+            <a:extLst>
+              <a:ext uri="{FF2B5EF4-FFF2-40B4-BE49-F238E27FC236}">
+                <a16:creationId xmlns:a16="http://schemas.microsoft.com/office/drawing/2014/main" id="{D4CB600F-2F0A-E2C9-5AD2-3A0C5993E1E4}"/>
+              </a:ext>
+            </a:extLst>
+          </p:cNvPr>
+          <p:cNvPicPr>
+            <a:picLocks noChangeAspect="1"/>
+          </p:cNvPicPr>
+          <p:nvPr/>
+        </p:nvPicPr>
+        <p:blipFill>
+          <a:blip r:embed="rId15"/>
+          <a:stretch>
+            <a:fillRect/>
+          </a:stretch>
+        </p:blipFill>
+        <p:spPr>
+          <a:xfrm>
+            <a:off x="9927376" y="3168909"/>
+            <a:ext cx="2178461" cy="1748148"/>
+          </a:xfrm>
+          <a:prstGeom prst="rect">
+            <a:avLst/>
+          </a:prstGeom>
+        </p:spPr>
+      </p:pic>
+      <p:pic>
+        <p:nvPicPr>
+          <p:cNvPr id="25" name="Resim 24">
+            <a:extLst>
+              <a:ext uri="{FF2B5EF4-FFF2-40B4-BE49-F238E27FC236}">
+                <a16:creationId xmlns:a16="http://schemas.microsoft.com/office/drawing/2014/main" id="{1DC53407-BA12-B012-F575-C1723DF3E7F5}"/>
+              </a:ext>
+            </a:extLst>
+          </p:cNvPr>
+          <p:cNvPicPr>
+            <a:picLocks noChangeAspect="1"/>
+          </p:cNvPicPr>
+          <p:nvPr/>
+        </p:nvPicPr>
+        <p:blipFill>
+          <a:blip r:embed="rId16"/>
+          <a:stretch>
+            <a:fillRect/>
+          </a:stretch>
+        </p:blipFill>
+        <p:spPr>
+          <a:xfrm>
+            <a:off x="9935367" y="4950176"/>
+            <a:ext cx="2162477" cy="1829055"/>
+          </a:xfrm>
+          <a:prstGeom prst="rect">
+            <a:avLst/>
+          </a:prstGeom>
+        </p:spPr>
+      </p:pic>
+    </p:spTree>
+    <p:extLst>
+      <p:ext uri="{BB962C8B-B14F-4D97-AF65-F5344CB8AC3E}">
+        <p14:creationId xmlns:p14="http://schemas.microsoft.com/office/powerpoint/2010/main" val="1353456776"/>
+      </p:ext>
+    </p:extLst>
+  </p:cSld>
+  <p:clrMapOvr>
+    <a:masterClrMapping/>
+  </p:clrMapOvr>
+</p:sld>
+</file>
+
+<file path=ppt/slides/slide12.xml><?xml version="1.0" encoding="utf-8"?>
+<p:sld xmlns:a="http://schemas.openxmlformats.org/drawingml/2006/main" xmlns:r="http://schemas.openxmlformats.org/officeDocument/2006/relationships" xmlns:p="http://schemas.openxmlformats.org/presentationml/2006/main">
+  <p:cSld>
+    <p:bg>
+      <p:bgPr>
+        <a:solidFill>
+          <a:schemeClr val="tx1"/>
+        </a:solidFill>
+        <a:effectLst/>
+      </p:bgPr>
+    </p:bg>
+    <p:spTree>
+      <p:nvGrpSpPr>
+        <p:cNvPr id="1" name=""/>
+        <p:cNvGrpSpPr/>
+        <p:nvPr/>
+      </p:nvGrpSpPr>
+      <p:grpSpPr>
+        <a:xfrm>
+          <a:off x="0" y="0"/>
+          <a:ext cx="0" cy="0"/>
+          <a:chOff x="0" y="0"/>
+          <a:chExt cx="0" cy="0"/>
+        </a:xfrm>
+      </p:grpSpPr>
+      <p:sp useBgFill="1">
+        <p:nvSpPr>
+          <p:cNvPr id="20" name="Rectangle 9">
+            <a:extLst>
+              <a:ext uri="{FF2B5EF4-FFF2-40B4-BE49-F238E27FC236}">
+                <a16:creationId xmlns:a16="http://schemas.microsoft.com/office/drawing/2014/main" id="{A8384FB5-9ADC-4DDC-881B-597D56F5B15D}"/>
+              </a:ext>
+              <a:ext uri="{C183D7F6-B498-43B3-948B-1728B52AA6E4}">
+                <adec:decorative xmlns:adec="http://schemas.microsoft.com/office/drawing/2017/decorative" val="1"/>
+              </a:ext>
+            </a:extLst>
+          </p:cNvPr>
+          <p:cNvSpPr>
+            <a:spLocks noGrp="1" noRot="1" noChangeAspect="1" noMove="1" noResize="1" noEditPoints="1" noAdjustHandles="1" noChangeArrowheads="1" noChangeShapeType="1" noTextEdit="1"/>
+          </p:cNvSpPr>
+          <p:nvPr>
+            <p:extLst>
+              <p:ext uri="{386F3935-93C4-4BCD-93E2-E3B085C9AB24}">
+                <p16:designElem xmlns:p16="http://schemas.microsoft.com/office/powerpoint/2015/main" val="1"/>
+              </p:ext>
+            </p:extLst>
+          </p:nvPr>
+        </p:nvSpPr>
+        <p:spPr>
+          <a:xfrm>
+            <a:off x="0" y="0"/>
+            <a:ext cx="12192000" cy="6858000"/>
+          </a:xfrm>
+          <a:prstGeom prst="rect">
+            <a:avLst/>
+          </a:prstGeom>
+          <a:ln w="12700" cap="flat" cmpd="sng" algn="ctr">
+            <a:noFill/>
+            <a:prstDash val="solid"/>
+            <a:miter lim="800000"/>
+          </a:ln>
+          <a:effectLst/>
+          <a:extLst>
+            <a:ext uri="{91240B29-F687-4F45-9708-019B960494DF}">
+              <a14:hiddenLine xmlns:a14="http://schemas.microsoft.com/office/drawing/2010/main" w="12700" cap="flat" cmpd="sng" algn="ctr">
+                <a:solidFill>
+                  <a:schemeClr val="accent1">
+                    <a:shade val="50000"/>
+                  </a:schemeClr>
+                </a:solidFill>
+                <a:prstDash val="solid"/>
+                <a:miter lim="800000"/>
+              </a14:hiddenLine>
+            </a:ext>
+          </a:extLst>
+        </p:spPr>
+        <p:style>
+          <a:lnRef idx="2">
+            <a:schemeClr val="accent1">
+              <a:shade val="50000"/>
+            </a:schemeClr>
+          </a:lnRef>
+          <a:fillRef idx="1">
+            <a:schemeClr val="accent1"/>
+          </a:fillRef>
+          <a:effectRef idx="0">
+            <a:schemeClr val="accent1"/>
+          </a:effectRef>
+          <a:fontRef idx="minor">
+            <a:schemeClr val="lt1"/>
+          </a:fontRef>
+        </p:style>
+        <p:txBody>
+          <a:bodyPr rtlCol="0" anchor="ctr"/>
+          <a:lstStyle/>
+          <a:p>
+            <a:pPr algn="ctr"/>
+            <a:endParaRPr lang="en-US"/>
+          </a:p>
+        </p:txBody>
+      </p:sp>
+      <p:sp>
+        <p:nvSpPr>
+          <p:cNvPr id="12" name="Rectangle 11">
+            <a:extLst>
+              <a:ext uri="{FF2B5EF4-FFF2-40B4-BE49-F238E27FC236}">
+                <a16:creationId xmlns:a16="http://schemas.microsoft.com/office/drawing/2014/main" id="{1199E1B1-A8C0-4FE8-A5A8-1CB41D69F857}"/>
+              </a:ext>
+              <a:ext uri="{C183D7F6-B498-43B3-948B-1728B52AA6E4}">
+                <adec:decorative xmlns:adec="http://schemas.microsoft.com/office/drawing/2017/decorative" val="1"/>
+              </a:ext>
+            </a:extLst>
+          </p:cNvPr>
+          <p:cNvSpPr>
+            <a:spLocks noGrp="1" noRot="1" noChangeAspect="1" noMove="1" noResize="1" noEditPoints="1" noAdjustHandles="1" noChangeArrowheads="1" noChangeShapeType="1" noTextEdit="1"/>
+          </p:cNvSpPr>
+          <p:nvPr>
+            <p:extLst>
+              <p:ext uri="{386F3935-93C4-4BCD-93E2-E3B085C9AB24}">
+                <p16:designElem xmlns:p16="http://schemas.microsoft.com/office/powerpoint/2015/main" val="1"/>
+              </p:ext>
+            </p:extLst>
+          </p:nvPr>
+        </p:nvSpPr>
+        <p:spPr>
+          <a:xfrm rot="10800000" flipH="1">
+            <a:off x="2" y="0"/>
+            <a:ext cx="12191998" cy="1575955"/>
+          </a:xfrm>
+          <a:prstGeom prst="rect">
+            <a:avLst/>
+          </a:prstGeom>
+          <a:gradFill>
+            <a:gsLst>
+              <a:gs pos="0">
+                <a:srgbClr val="000000">
+                  <a:alpha val="96000"/>
+                </a:srgbClr>
+              </a:gs>
+              <a:gs pos="100000">
+                <a:schemeClr val="accent1">
+                  <a:lumMod val="75000"/>
+                </a:schemeClr>
+              </a:gs>
+            </a:gsLst>
+            <a:lin ang="6000000" scaled="0"/>
+          </a:gradFill>
+          <a:ln>
+            <a:noFill/>
+          </a:ln>
+        </p:spPr>
+        <p:style>
+          <a:lnRef idx="2">
+            <a:schemeClr val="accent1">
+              <a:shade val="50000"/>
+            </a:schemeClr>
+          </a:lnRef>
+          <a:fillRef idx="1">
+            <a:schemeClr val="accent1"/>
+          </a:fillRef>
+          <a:effectRef idx="0">
+            <a:schemeClr val="accent1"/>
+          </a:effectRef>
+          <a:fontRef idx="minor">
+            <a:schemeClr val="lt1"/>
+          </a:fontRef>
+        </p:style>
+        <p:txBody>
+          <a:bodyPr rtlCol="0" anchor="ctr"/>
+          <a:lstStyle/>
+          <a:p>
+            <a:pPr algn="ctr"/>
+            <a:endParaRPr lang="en-US"/>
+          </a:p>
+        </p:txBody>
+      </p:sp>
+      <p:sp>
+        <p:nvSpPr>
+          <p:cNvPr id="21" name="Rectangle 13">
+            <a:extLst>
+              <a:ext uri="{FF2B5EF4-FFF2-40B4-BE49-F238E27FC236}">
+                <a16:creationId xmlns:a16="http://schemas.microsoft.com/office/drawing/2014/main" id="{84A8DE83-DE75-4B41-9DB4-A7EC0B0DEC0B}"/>
+              </a:ext>
+              <a:ext uri="{C183D7F6-B498-43B3-948B-1728B52AA6E4}">
+                <adec:decorative xmlns:adec="http://schemas.microsoft.com/office/drawing/2017/decorative" val="1"/>
+              </a:ext>
+            </a:extLst>
+          </p:cNvPr>
+          <p:cNvSpPr>
+            <a:spLocks noGrp="1" noRot="1" noChangeAspect="1" noMove="1" noResize="1" noEditPoints="1" noAdjustHandles="1" noChangeArrowheads="1" noChangeShapeType="1" noTextEdit="1"/>
+          </p:cNvSpPr>
+          <p:nvPr>
+            <p:extLst>
+              <p:ext uri="{386F3935-93C4-4BCD-93E2-E3B085C9AB24}">
+                <p16:designElem xmlns:p16="http://schemas.microsoft.com/office/powerpoint/2015/main" val="1"/>
+              </p:ext>
+            </p:extLst>
+          </p:nvPr>
+        </p:nvSpPr>
+        <p:spPr>
+          <a:xfrm>
+            <a:off x="0" y="0"/>
+            <a:ext cx="8128856" cy="1575461"/>
+          </a:xfrm>
+          <a:prstGeom prst="rect">
+            <a:avLst/>
+          </a:prstGeom>
+          <a:gradFill>
+            <a:gsLst>
+              <a:gs pos="0">
+                <a:schemeClr val="accent1">
+                  <a:alpha val="41000"/>
+                </a:schemeClr>
+              </a:gs>
+              <a:gs pos="74000">
+                <a:schemeClr val="accent1">
+                  <a:lumMod val="60000"/>
+                  <a:lumOff val="40000"/>
+                  <a:alpha val="0"/>
+                </a:schemeClr>
+              </a:gs>
+            </a:gsLst>
+            <a:lin ang="8400000" scaled="0"/>
+          </a:gradFill>
+          <a:ln>
+            <a:noFill/>
+          </a:ln>
+        </p:spPr>
+        <p:style>
+          <a:lnRef idx="2">
+            <a:schemeClr val="accent1">
+              <a:shade val="50000"/>
+            </a:schemeClr>
+          </a:lnRef>
+          <a:fillRef idx="1">
+            <a:schemeClr val="accent1"/>
+          </a:fillRef>
+          <a:effectRef idx="0">
+            <a:schemeClr val="accent1"/>
+          </a:effectRef>
+          <a:fontRef idx="minor">
+            <a:schemeClr val="lt1"/>
+          </a:fontRef>
+        </p:style>
+        <p:txBody>
+          <a:bodyPr rtlCol="0" anchor="ctr"/>
+          <a:lstStyle/>
+          <a:p>
+            <a:pPr algn="ctr"/>
+            <a:endParaRPr lang="en-US"/>
+          </a:p>
+        </p:txBody>
+      </p:sp>
+      <p:sp>
+        <p:nvSpPr>
+          <p:cNvPr id="22" name="Rectangle 15">
+            <a:extLst>
+              <a:ext uri="{FF2B5EF4-FFF2-40B4-BE49-F238E27FC236}">
+                <a16:creationId xmlns:a16="http://schemas.microsoft.com/office/drawing/2014/main" id="{A7009A0A-BEF5-4EAC-AF15-E4F9F002E239}"/>
+              </a:ext>
+              <a:ext uri="{C183D7F6-B498-43B3-948B-1728B52AA6E4}">
+                <adec:decorative xmlns:adec="http://schemas.microsoft.com/office/drawing/2017/decorative" val="1"/>
+              </a:ext>
+            </a:extLst>
+          </p:cNvPr>
+          <p:cNvSpPr>
+            <a:spLocks noGrp="1" noRot="1" noChangeAspect="1" noMove="1" noResize="1" noEditPoints="1" noAdjustHandles="1" noChangeArrowheads="1" noChangeShapeType="1" noTextEdit="1"/>
+          </p:cNvSpPr>
+          <p:nvPr>
+            <p:extLst>
+              <p:ext uri="{386F3935-93C4-4BCD-93E2-E3B085C9AB24}">
+                <p16:designElem xmlns:p16="http://schemas.microsoft.com/office/powerpoint/2015/main" val="1"/>
+              </p:ext>
+            </p:extLst>
+          </p:nvPr>
+        </p:nvSpPr>
+        <p:spPr>
+          <a:xfrm flipH="1">
+            <a:off x="-3" y="-1"/>
+            <a:ext cx="12192002" cy="1574311"/>
+          </a:xfrm>
+          <a:prstGeom prst="rect">
+            <a:avLst/>
+          </a:prstGeom>
+          <a:gradFill>
+            <a:gsLst>
+              <a:gs pos="0">
+                <a:srgbClr val="000000">
+                  <a:alpha val="63000"/>
+                </a:srgbClr>
+              </a:gs>
+              <a:gs pos="78000">
+                <a:schemeClr val="accent1">
+                  <a:alpha val="15000"/>
+                </a:schemeClr>
+              </a:gs>
+            </a:gsLst>
+            <a:lin ang="15600000" scaled="0"/>
+          </a:gradFill>
+          <a:ln>
+            <a:noFill/>
+          </a:ln>
+        </p:spPr>
+        <p:style>
+          <a:lnRef idx="2">
+            <a:schemeClr val="accent1">
+              <a:shade val="50000"/>
+            </a:schemeClr>
+          </a:lnRef>
+          <a:fillRef idx="1">
+            <a:schemeClr val="accent1"/>
+          </a:fillRef>
+          <a:effectRef idx="0">
+            <a:schemeClr val="accent1"/>
+          </a:effectRef>
+          <a:fontRef idx="minor">
+            <a:schemeClr val="lt1"/>
+          </a:fontRef>
+        </p:style>
+        <p:txBody>
+          <a:bodyPr rtlCol="0" anchor="ctr"/>
+          <a:lstStyle/>
+          <a:p>
+            <a:pPr algn="ctr"/>
+            <a:endParaRPr lang="en-US"/>
+          </a:p>
+        </p:txBody>
+      </p:sp>
       <p:pic>
         <p:nvPicPr>
           <p:cNvPr id="4" name="Resim 3">
@@ -17623,7 +20353,7 @@
 </p:sld>
 </file>
 
-<file path=ppt/slides/slide11.xml><?xml version="1.0" encoding="utf-8"?>
+<file path=ppt/slides/slide13.xml><?xml version="1.0" encoding="utf-8"?>
 <p:sld xmlns:a="http://schemas.openxmlformats.org/drawingml/2006/main" xmlns:r="http://schemas.openxmlformats.org/officeDocument/2006/relationships" xmlns:p="http://schemas.openxmlformats.org/presentationml/2006/main">
   <p:cSld>
     <p:spTree>
@@ -17773,7 +20503,7 @@
 </p:sld>
 </file>
 
-<file path=ppt/slides/slide12.xml><?xml version="1.0" encoding="utf-8"?>
+<file path=ppt/slides/slide14.xml><?xml version="1.0" encoding="utf-8"?>
 <p:sld xmlns:a="http://schemas.openxmlformats.org/drawingml/2006/main" xmlns:r="http://schemas.openxmlformats.org/officeDocument/2006/relationships" xmlns:p="http://schemas.openxmlformats.org/presentationml/2006/main">
   <p:cSld>
     <p:spTree>
@@ -17904,7 +20634,7 @@
 </p:sld>
 </file>
 
-<file path=ppt/slides/slide13.xml><?xml version="1.0" encoding="utf-8"?>
+<file path=ppt/slides/slide15.xml><?xml version="1.0" encoding="utf-8"?>
 <p:sld xmlns:a="http://schemas.openxmlformats.org/drawingml/2006/main" xmlns:r="http://schemas.openxmlformats.org/officeDocument/2006/relationships" xmlns:p="http://schemas.openxmlformats.org/presentationml/2006/main">
   <p:cSld>
     <p:spTree>
@@ -18039,7 +20769,7 @@
 </p:sld>
 </file>
 
-<file path=ppt/slides/slide14.xml><?xml version="1.0" encoding="utf-8"?>
+<file path=ppt/slides/slide16.xml><?xml version="1.0" encoding="utf-8"?>
 <p:sld xmlns:a="http://schemas.openxmlformats.org/drawingml/2006/main" xmlns:r="http://schemas.openxmlformats.org/officeDocument/2006/relationships" xmlns:p="http://schemas.openxmlformats.org/presentationml/2006/main">
   <p:cSld>
     <p:spTree>
@@ -18179,7 +20909,7 @@
 </p:sld>
 </file>
 
-<file path=ppt/slides/slide15.xml><?xml version="1.0" encoding="utf-8"?>
+<file path=ppt/slides/slide17.xml><?xml version="1.0" encoding="utf-8"?>
 <p:sld xmlns:a="http://schemas.openxmlformats.org/drawingml/2006/main" xmlns:r="http://schemas.openxmlformats.org/officeDocument/2006/relationships" xmlns:p="http://schemas.openxmlformats.org/presentationml/2006/main">
   <p:cSld>
     <p:bg>
@@ -18292,8 +21022,8 @@
         </p:nvSpPr>
         <p:spPr>
           <a:xfrm>
-            <a:off x="692284" y="79070"/>
-            <a:ext cx="11039273" cy="1225650"/>
+            <a:off x="306668" y="79070"/>
+            <a:ext cx="11424890" cy="1225650"/>
           </a:xfrm>
         </p:spPr>
         <p:txBody>
@@ -19143,10 +21873,185 @@
           </a:p>
         </p:txBody>
       </p:sp>
+      <p:pic>
+        <p:nvPicPr>
+          <p:cNvPr id="6" name="Resim 5">
+            <a:extLst>
+              <a:ext uri="{FF2B5EF4-FFF2-40B4-BE49-F238E27FC236}">
+                <a16:creationId xmlns:a16="http://schemas.microsoft.com/office/drawing/2014/main" id="{B369AD7A-742D-5901-4E5D-9D135901B52C}"/>
+              </a:ext>
+            </a:extLst>
+          </p:cNvPr>
+          <p:cNvPicPr>
+            <a:picLocks noChangeAspect="1"/>
+          </p:cNvPicPr>
+          <p:nvPr/>
+        </p:nvPicPr>
+        <p:blipFill>
+          <a:blip r:embed="rId3"/>
+          <a:stretch>
+            <a:fillRect/>
+          </a:stretch>
+        </p:blipFill>
+        <p:spPr>
+          <a:xfrm>
+            <a:off x="9343713" y="164682"/>
+            <a:ext cx="2684822" cy="990827"/>
+          </a:xfrm>
+          <a:prstGeom prst="rect">
+            <a:avLst/>
+          </a:prstGeom>
+        </p:spPr>
+      </p:pic>
     </p:spTree>
     <p:extLst>
       <p:ext uri="{BB962C8B-B14F-4D97-AF65-F5344CB8AC3E}">
         <p14:creationId xmlns:p14="http://schemas.microsoft.com/office/powerpoint/2010/main" val="3401121797"/>
+      </p:ext>
+    </p:extLst>
+  </p:cSld>
+  <p:clrMapOvr>
+    <a:masterClrMapping/>
+  </p:clrMapOvr>
+</p:sld>
+</file>
+
+<file path=ppt/slides/slide18.xml><?xml version="1.0" encoding="utf-8"?>
+<p:sld xmlns:a="http://schemas.openxmlformats.org/drawingml/2006/main" xmlns:r="http://schemas.openxmlformats.org/officeDocument/2006/relationships" xmlns:p="http://schemas.openxmlformats.org/presentationml/2006/main">
+  <p:cSld>
+    <p:bg>
+      <p:bgPr>
+        <a:solidFill>
+          <a:schemeClr val="bg1"/>
+        </a:solidFill>
+        <a:effectLst/>
+      </p:bgPr>
+    </p:bg>
+    <p:spTree>
+      <p:nvGrpSpPr>
+        <p:cNvPr id="1" name=""/>
+        <p:cNvGrpSpPr/>
+        <p:nvPr/>
+      </p:nvGrpSpPr>
+      <p:grpSpPr>
+        <a:xfrm>
+          <a:off x="0" y="0"/>
+          <a:ext cx="0" cy="0"/>
+          <a:chOff x="0" y="0"/>
+          <a:chExt cx="0" cy="0"/>
+        </a:xfrm>
+      </p:grpSpPr>
+      <p:pic>
+        <p:nvPicPr>
+          <p:cNvPr id="13" name="Resim 12">
+            <a:extLst>
+              <a:ext uri="{FF2B5EF4-FFF2-40B4-BE49-F238E27FC236}">
+                <a16:creationId xmlns:a16="http://schemas.microsoft.com/office/drawing/2014/main" id="{02395008-4806-FFF0-7929-8B4C8330250F}"/>
+              </a:ext>
+            </a:extLst>
+          </p:cNvPr>
+          <p:cNvPicPr>
+            <a:picLocks noChangeAspect="1"/>
+          </p:cNvPicPr>
+          <p:nvPr/>
+        </p:nvPicPr>
+        <p:blipFill rotWithShape="1">
+          <a:blip r:embed="rId2"/>
+          <a:srcRect r="888" b="-1"/>
+          <a:stretch/>
+        </p:blipFill>
+        <p:spPr>
+          <a:xfrm>
+            <a:off x="20" y="10"/>
+            <a:ext cx="12191980" cy="6857990"/>
+          </a:xfrm>
+          <a:prstGeom prst="rect">
+            <a:avLst/>
+          </a:prstGeom>
+        </p:spPr>
+      </p:pic>
+      <p:sp>
+        <p:nvSpPr>
+          <p:cNvPr id="34" name="Rectangle 33">
+            <a:extLst>
+              <a:ext uri="{FF2B5EF4-FFF2-40B4-BE49-F238E27FC236}">
+                <a16:creationId xmlns:a16="http://schemas.microsoft.com/office/drawing/2014/main" id="{3B432D73-5C38-474F-AF96-A3228731BF36}"/>
+              </a:ext>
+              <a:ext uri="{C183D7F6-B498-43B3-948B-1728B52AA6E4}">
+                <adec:decorative xmlns:adec="http://schemas.microsoft.com/office/drawing/2017/decorative" val="1"/>
+              </a:ext>
+            </a:extLst>
+          </p:cNvPr>
+          <p:cNvSpPr>
+            <a:spLocks noGrp="1" noRot="1" noChangeAspect="1" noMove="1" noResize="1" noEditPoints="1" noAdjustHandles="1" noChangeArrowheads="1" noChangeShapeType="1" noTextEdit="1"/>
+          </p:cNvSpPr>
+          <p:nvPr>
+            <p:extLst>
+              <p:ext uri="{386F3935-93C4-4BCD-93E2-E3B085C9AB24}">
+                <p16:designElem xmlns:p16="http://schemas.microsoft.com/office/powerpoint/2015/main" val="1"/>
+              </p:ext>
+            </p:extLst>
+          </p:nvPr>
+        </p:nvSpPr>
+        <p:spPr>
+          <a:xfrm>
+            <a:off x="0" y="0"/>
+            <a:ext cx="12192000" cy="6858000"/>
+          </a:xfrm>
+          <a:prstGeom prst="rect">
+            <a:avLst/>
+          </a:prstGeom>
+          <a:gradFill>
+            <a:gsLst>
+              <a:gs pos="0">
+                <a:schemeClr val="tx1">
+                  <a:lumMod val="95000"/>
+                  <a:lumOff val="5000"/>
+                </a:schemeClr>
+              </a:gs>
+              <a:gs pos="45000">
+                <a:schemeClr val="tx1">
+                  <a:lumMod val="95000"/>
+                  <a:lumOff val="5000"/>
+                  <a:alpha val="0"/>
+                </a:schemeClr>
+              </a:gs>
+            </a:gsLst>
+            <a:lin ang="0" scaled="0"/>
+          </a:gradFill>
+          <a:ln>
+            <a:noFill/>
+          </a:ln>
+        </p:spPr>
+        <p:style>
+          <a:lnRef idx="2">
+            <a:schemeClr val="accent1">
+              <a:shade val="50000"/>
+            </a:schemeClr>
+          </a:lnRef>
+          <a:fillRef idx="1">
+            <a:schemeClr val="accent1"/>
+          </a:fillRef>
+          <a:effectRef idx="0">
+            <a:schemeClr val="accent1"/>
+          </a:effectRef>
+          <a:fontRef idx="minor">
+            <a:schemeClr val="lt1"/>
+          </a:fontRef>
+        </p:style>
+        <p:txBody>
+          <a:bodyPr rtlCol="0" anchor="ctr"/>
+          <a:lstStyle/>
+          <a:p>
+            <a:pPr algn="ctr"/>
+            <a:endParaRPr lang="en-US"/>
+          </a:p>
+        </p:txBody>
+      </p:sp>
+    </p:spTree>
+    <p:extLst>
+      <p:ext uri="{BB962C8B-B14F-4D97-AF65-F5344CB8AC3E}">
+        <p14:creationId xmlns:p14="http://schemas.microsoft.com/office/powerpoint/2010/main" val="2810827525"/>
       </p:ext>
     </p:extLst>
   </p:cSld>
@@ -20290,6 +23195,873 @@
       </p:grpSpPr>
       <p:pic>
         <p:nvPicPr>
+          <p:cNvPr id="9" name="Resim 8">
+            <a:extLst>
+              <a:ext uri="{FF2B5EF4-FFF2-40B4-BE49-F238E27FC236}">
+                <a16:creationId xmlns:a16="http://schemas.microsoft.com/office/drawing/2014/main" id="{F4FF5461-0B69-0E94-1BDB-F6B5FC2F77BE}"/>
+              </a:ext>
+            </a:extLst>
+          </p:cNvPr>
+          <p:cNvPicPr>
+            <a:picLocks noChangeAspect="1"/>
+          </p:cNvPicPr>
+          <p:nvPr/>
+        </p:nvPicPr>
+        <p:blipFill>
+          <a:blip r:embed="rId2"/>
+          <a:stretch>
+            <a:fillRect/>
+          </a:stretch>
+        </p:blipFill>
+        <p:spPr>
+          <a:xfrm>
+            <a:off x="9343713" y="164682"/>
+            <a:ext cx="2684822" cy="990827"/>
+          </a:xfrm>
+          <a:prstGeom prst="rect">
+            <a:avLst/>
+          </a:prstGeom>
+        </p:spPr>
+      </p:pic>
+      <p:pic>
+        <p:nvPicPr>
+          <p:cNvPr id="3" name="Resim 2">
+            <a:extLst>
+              <a:ext uri="{FF2B5EF4-FFF2-40B4-BE49-F238E27FC236}">
+                <a16:creationId xmlns:a16="http://schemas.microsoft.com/office/drawing/2014/main" id="{D5C16060-4D22-860A-3E19-482F18B5CFE6}"/>
+              </a:ext>
+            </a:extLst>
+          </p:cNvPr>
+          <p:cNvPicPr>
+            <a:picLocks noChangeAspect="1"/>
+          </p:cNvPicPr>
+          <p:nvPr/>
+        </p:nvPicPr>
+        <p:blipFill>
+          <a:blip r:embed="rId3"/>
+          <a:stretch>
+            <a:fillRect/>
+          </a:stretch>
+        </p:blipFill>
+        <p:spPr>
+          <a:xfrm>
+            <a:off x="781024" y="4062635"/>
+            <a:ext cx="5238197" cy="2097230"/>
+          </a:xfrm>
+          <a:prstGeom prst="rect">
+            <a:avLst/>
+          </a:prstGeom>
+        </p:spPr>
+      </p:pic>
+      <p:pic>
+        <p:nvPicPr>
+          <p:cNvPr id="7" name="Resim 6">
+            <a:extLst>
+              <a:ext uri="{FF2B5EF4-FFF2-40B4-BE49-F238E27FC236}">
+                <a16:creationId xmlns:a16="http://schemas.microsoft.com/office/drawing/2014/main" id="{614DAF79-3222-679A-BB9B-9B4664290344}"/>
+              </a:ext>
+            </a:extLst>
+          </p:cNvPr>
+          <p:cNvPicPr>
+            <a:picLocks noChangeAspect="1"/>
+          </p:cNvPicPr>
+          <p:nvPr/>
+        </p:nvPicPr>
+        <p:blipFill>
+          <a:blip r:embed="rId4"/>
+          <a:stretch>
+            <a:fillRect/>
+          </a:stretch>
+        </p:blipFill>
+        <p:spPr>
+          <a:xfrm>
+            <a:off x="3943351" y="1816048"/>
+            <a:ext cx="3679755" cy="2246587"/>
+          </a:xfrm>
+          <a:prstGeom prst="rect">
+            <a:avLst/>
+          </a:prstGeom>
+        </p:spPr>
+      </p:pic>
+      <p:pic>
+        <p:nvPicPr>
+          <p:cNvPr id="10" name="Resim 9">
+            <a:extLst>
+              <a:ext uri="{FF2B5EF4-FFF2-40B4-BE49-F238E27FC236}">
+                <a16:creationId xmlns:a16="http://schemas.microsoft.com/office/drawing/2014/main" id="{CF3D1C76-734E-F1AA-1AB1-7D54480A8BB7}"/>
+              </a:ext>
+            </a:extLst>
+          </p:cNvPr>
+          <p:cNvPicPr>
+            <a:picLocks noChangeAspect="1"/>
+          </p:cNvPicPr>
+          <p:nvPr/>
+        </p:nvPicPr>
+        <p:blipFill>
+          <a:blip r:embed="rId5"/>
+          <a:stretch>
+            <a:fillRect/>
+          </a:stretch>
+        </p:blipFill>
+        <p:spPr>
+          <a:xfrm>
+            <a:off x="342874" y="1819609"/>
+            <a:ext cx="3381402" cy="2246587"/>
+          </a:xfrm>
+          <a:prstGeom prst="rect">
+            <a:avLst/>
+          </a:prstGeom>
+        </p:spPr>
+      </p:pic>
+      <p:pic>
+        <p:nvPicPr>
+          <p:cNvPr id="13" name="Resim 12">
+            <a:extLst>
+              <a:ext uri="{FF2B5EF4-FFF2-40B4-BE49-F238E27FC236}">
+                <a16:creationId xmlns:a16="http://schemas.microsoft.com/office/drawing/2014/main" id="{9A23A0D3-D378-4BBD-8BFC-9A0C3715E70D}"/>
+              </a:ext>
+            </a:extLst>
+          </p:cNvPr>
+          <p:cNvPicPr>
+            <a:picLocks noChangeAspect="1"/>
+          </p:cNvPicPr>
+          <p:nvPr/>
+        </p:nvPicPr>
+        <p:blipFill>
+          <a:blip r:embed="rId6"/>
+          <a:stretch>
+            <a:fillRect/>
+          </a:stretch>
+        </p:blipFill>
+        <p:spPr>
+          <a:xfrm>
+            <a:off x="4109779" y="4246949"/>
+            <a:ext cx="3513327" cy="702665"/>
+          </a:xfrm>
+          <a:prstGeom prst="rect">
+            <a:avLst/>
+          </a:prstGeom>
+        </p:spPr>
+      </p:pic>
+      <p:sp>
+        <p:nvSpPr>
+          <p:cNvPr id="16" name="Metin kutusu 15">
+            <a:extLst>
+              <a:ext uri="{FF2B5EF4-FFF2-40B4-BE49-F238E27FC236}">
+                <a16:creationId xmlns:a16="http://schemas.microsoft.com/office/drawing/2014/main" id="{735C534B-DEBE-039C-DA2F-207C17E33B77}"/>
+              </a:ext>
+            </a:extLst>
+          </p:cNvPr>
+          <p:cNvSpPr txBox="1"/>
+          <p:nvPr/>
+        </p:nvSpPr>
+        <p:spPr>
+          <a:xfrm>
+            <a:off x="1436" y="9813"/>
+            <a:ext cx="6094562" cy="369332"/>
+          </a:xfrm>
+          <a:prstGeom prst="rect">
+            <a:avLst/>
+          </a:prstGeom>
+          <a:noFill/>
+        </p:spPr>
+        <p:txBody>
+          <a:bodyPr wrap="square">
+            <a:spAutoFit/>
+          </a:bodyPr>
+          <a:lstStyle/>
+          <a:p>
+            <a:r>
+              <a:rPr lang="tr-TR" sz="1800" dirty="0" err="1"/>
+              <a:t>Definitions</a:t>
+            </a:r>
+            <a:r>
+              <a:rPr lang="tr-TR" sz="1800" dirty="0"/>
+              <a:t> of </a:t>
+            </a:r>
+            <a:r>
+              <a:rPr lang="tr-TR" sz="1800" dirty="0" err="1"/>
+              <a:t>portfolio</a:t>
+            </a:r>
+            <a:r>
+              <a:rPr lang="tr-TR" sz="1800" dirty="0"/>
+              <a:t> </a:t>
+            </a:r>
+            <a:r>
+              <a:rPr lang="tr-TR" sz="1800" dirty="0" err="1"/>
+              <a:t>performance</a:t>
+            </a:r>
+            <a:r>
+              <a:rPr lang="tr-TR" sz="1800" dirty="0"/>
+              <a:t> </a:t>
+            </a:r>
+            <a:r>
+              <a:rPr lang="tr-TR" sz="1800" dirty="0" err="1"/>
+              <a:t>parameters</a:t>
+            </a:r>
+            <a:endParaRPr lang="tr-TR" sz="1800" dirty="0"/>
+          </a:p>
+        </p:txBody>
+      </p:sp>
+    </p:spTree>
+    <p:extLst>
+      <p:ext uri="{BB962C8B-B14F-4D97-AF65-F5344CB8AC3E}">
+        <p14:creationId xmlns:p14="http://schemas.microsoft.com/office/powerpoint/2010/main" val="3183020351"/>
+      </p:ext>
+    </p:extLst>
+  </p:cSld>
+  <p:clrMapOvr>
+    <a:masterClrMapping/>
+  </p:clrMapOvr>
+</p:sld>
+</file>
+
+<file path=ppt/slides/slide5.xml><?xml version="1.0" encoding="utf-8"?>
+<p:sld xmlns:a="http://schemas.openxmlformats.org/drawingml/2006/main" xmlns:r="http://schemas.openxmlformats.org/officeDocument/2006/relationships" xmlns:p="http://schemas.openxmlformats.org/presentationml/2006/main">
+  <p:cSld>
+    <p:bg>
+      <p:bgPr>
+        <a:solidFill>
+          <a:schemeClr val="bg1"/>
+        </a:solidFill>
+        <a:effectLst/>
+      </p:bgPr>
+    </p:bg>
+    <p:spTree>
+      <p:nvGrpSpPr>
+        <p:cNvPr id="1" name=""/>
+        <p:cNvGrpSpPr/>
+        <p:nvPr/>
+      </p:nvGrpSpPr>
+      <p:grpSpPr>
+        <a:xfrm>
+          <a:off x="0" y="0"/>
+          <a:ext cx="0" cy="0"/>
+          <a:chOff x="0" y="0"/>
+          <a:chExt cx="0" cy="0"/>
+        </a:xfrm>
+      </p:grpSpPr>
+      <p:pic>
+        <p:nvPicPr>
+          <p:cNvPr id="9" name="Resim 8">
+            <a:extLst>
+              <a:ext uri="{FF2B5EF4-FFF2-40B4-BE49-F238E27FC236}">
+                <a16:creationId xmlns:a16="http://schemas.microsoft.com/office/drawing/2014/main" id="{F4FF5461-0B69-0E94-1BDB-F6B5FC2F77BE}"/>
+              </a:ext>
+            </a:extLst>
+          </p:cNvPr>
+          <p:cNvPicPr>
+            <a:picLocks noChangeAspect="1"/>
+          </p:cNvPicPr>
+          <p:nvPr/>
+        </p:nvPicPr>
+        <p:blipFill>
+          <a:blip r:embed="rId2"/>
+          <a:stretch>
+            <a:fillRect/>
+          </a:stretch>
+        </p:blipFill>
+        <p:spPr>
+          <a:xfrm>
+            <a:off x="9343713" y="164682"/>
+            <a:ext cx="2684822" cy="990827"/>
+          </a:xfrm>
+          <a:prstGeom prst="rect">
+            <a:avLst/>
+          </a:prstGeom>
+        </p:spPr>
+      </p:pic>
+      <p:pic>
+        <p:nvPicPr>
+          <p:cNvPr id="4" name="Resim 3">
+            <a:extLst>
+              <a:ext uri="{FF2B5EF4-FFF2-40B4-BE49-F238E27FC236}">
+                <a16:creationId xmlns:a16="http://schemas.microsoft.com/office/drawing/2014/main" id="{FF0C14A2-64E2-ABD4-A43F-560A2A097696}"/>
+              </a:ext>
+            </a:extLst>
+          </p:cNvPr>
+          <p:cNvPicPr>
+            <a:picLocks noChangeAspect="1"/>
+          </p:cNvPicPr>
+          <p:nvPr/>
+        </p:nvPicPr>
+        <p:blipFill>
+          <a:blip r:embed="rId3"/>
+          <a:stretch>
+            <a:fillRect/>
+          </a:stretch>
+        </p:blipFill>
+        <p:spPr>
+          <a:xfrm>
+            <a:off x="171470" y="2469910"/>
+            <a:ext cx="3851564" cy="2451532"/>
+          </a:xfrm>
+          <a:prstGeom prst="rect">
+            <a:avLst/>
+          </a:prstGeom>
+        </p:spPr>
+      </p:pic>
+      <p:sp>
+        <p:nvSpPr>
+          <p:cNvPr id="8" name="Metin kutusu 7">
+            <a:extLst>
+              <a:ext uri="{FF2B5EF4-FFF2-40B4-BE49-F238E27FC236}">
+                <a16:creationId xmlns:a16="http://schemas.microsoft.com/office/drawing/2014/main" id="{5BC7A383-F94B-E7D5-D5B8-B83ED6333A89}"/>
+              </a:ext>
+            </a:extLst>
+          </p:cNvPr>
+          <p:cNvSpPr txBox="1"/>
+          <p:nvPr/>
+        </p:nvSpPr>
+        <p:spPr>
+          <a:xfrm>
+            <a:off x="1203999" y="5007470"/>
+            <a:ext cx="2161309" cy="1200329"/>
+          </a:xfrm>
+          <a:prstGeom prst="rect">
+            <a:avLst/>
+          </a:prstGeom>
+          <a:noFill/>
+        </p:spPr>
+        <p:txBody>
+          <a:bodyPr wrap="square" rtlCol="0">
+            <a:spAutoFit/>
+          </a:bodyPr>
+          <a:lstStyle/>
+          <a:p>
+            <a:r>
+              <a:rPr lang="tr-TR" dirty="0" err="1"/>
+              <a:t>Returns</a:t>
+            </a:r>
+            <a:r>
+              <a:rPr lang="tr-TR" dirty="0"/>
+              <a:t> = %23.4 </a:t>
+            </a:r>
+          </a:p>
+          <a:p>
+            <a:r>
+              <a:rPr lang="tr-TR" dirty="0" err="1"/>
+              <a:t>Stability</a:t>
+            </a:r>
+            <a:r>
+              <a:rPr lang="tr-TR" dirty="0"/>
+              <a:t> = %2.53</a:t>
+            </a:r>
+          </a:p>
+          <a:p>
+            <a:r>
+              <a:rPr lang="tr-TR" dirty="0" err="1"/>
+              <a:t>Sharpe</a:t>
+            </a:r>
+            <a:r>
+              <a:rPr lang="tr-TR" dirty="0"/>
+              <a:t> = 1.23</a:t>
+            </a:r>
+          </a:p>
+          <a:p>
+            <a:r>
+              <a:rPr lang="tr-TR" dirty="0"/>
+              <a:t>MDD = - %20.4</a:t>
+            </a:r>
+          </a:p>
+        </p:txBody>
+      </p:sp>
+      <p:sp>
+        <p:nvSpPr>
+          <p:cNvPr id="11" name="Metin kutusu 10">
+            <a:extLst>
+              <a:ext uri="{FF2B5EF4-FFF2-40B4-BE49-F238E27FC236}">
+                <a16:creationId xmlns:a16="http://schemas.microsoft.com/office/drawing/2014/main" id="{2C9052EB-8C3F-555B-518E-D47656861013}"/>
+              </a:ext>
+            </a:extLst>
+          </p:cNvPr>
+          <p:cNvSpPr txBox="1"/>
+          <p:nvPr/>
+        </p:nvSpPr>
+        <p:spPr>
+          <a:xfrm>
+            <a:off x="5231502" y="5011116"/>
+            <a:ext cx="2161309" cy="1477328"/>
+          </a:xfrm>
+          <a:prstGeom prst="rect">
+            <a:avLst/>
+          </a:prstGeom>
+          <a:noFill/>
+        </p:spPr>
+        <p:txBody>
+          <a:bodyPr wrap="square" rtlCol="0">
+            <a:spAutoFit/>
+          </a:bodyPr>
+          <a:lstStyle/>
+          <a:p>
+            <a:r>
+              <a:rPr lang="tr-TR" dirty="0" err="1"/>
+              <a:t>Returns</a:t>
+            </a:r>
+            <a:r>
+              <a:rPr lang="tr-TR" dirty="0"/>
+              <a:t> = %364</a:t>
+            </a:r>
+          </a:p>
+          <a:p>
+            <a:r>
+              <a:rPr lang="tr-TR" dirty="0" err="1"/>
+              <a:t>Stability</a:t>
+            </a:r>
+            <a:r>
+              <a:rPr lang="tr-TR" dirty="0"/>
+              <a:t> = %85</a:t>
+            </a:r>
+          </a:p>
+          <a:p>
+            <a:r>
+              <a:rPr lang="tr-TR" dirty="0" err="1"/>
+              <a:t>Sharpe</a:t>
+            </a:r>
+            <a:r>
+              <a:rPr lang="tr-TR" dirty="0"/>
+              <a:t> = 3.61</a:t>
+            </a:r>
+          </a:p>
+          <a:p>
+            <a:r>
+              <a:rPr lang="tr-TR" dirty="0"/>
+              <a:t>MDD = -16.5 %</a:t>
+            </a:r>
+          </a:p>
+          <a:p>
+            <a:endParaRPr lang="tr-TR" dirty="0"/>
+          </a:p>
+        </p:txBody>
+      </p:sp>
+      <p:pic>
+        <p:nvPicPr>
+          <p:cNvPr id="14" name="Resim 13">
+            <a:extLst>
+              <a:ext uri="{FF2B5EF4-FFF2-40B4-BE49-F238E27FC236}">
+                <a16:creationId xmlns:a16="http://schemas.microsoft.com/office/drawing/2014/main" id="{DF8B9511-3CB1-2711-7729-CF5F1D351121}"/>
+              </a:ext>
+            </a:extLst>
+          </p:cNvPr>
+          <p:cNvPicPr>
+            <a:picLocks noChangeAspect="1"/>
+          </p:cNvPicPr>
+          <p:nvPr/>
+        </p:nvPicPr>
+        <p:blipFill>
+          <a:blip r:embed="rId4"/>
+          <a:stretch>
+            <a:fillRect/>
+          </a:stretch>
+        </p:blipFill>
+        <p:spPr>
+          <a:xfrm>
+            <a:off x="8118767" y="2514399"/>
+            <a:ext cx="3851564" cy="2453846"/>
+          </a:xfrm>
+          <a:prstGeom prst="rect">
+            <a:avLst/>
+          </a:prstGeom>
+        </p:spPr>
+      </p:pic>
+      <p:sp>
+        <p:nvSpPr>
+          <p:cNvPr id="15" name="Metin kutusu 14">
+            <a:extLst>
+              <a:ext uri="{FF2B5EF4-FFF2-40B4-BE49-F238E27FC236}">
+                <a16:creationId xmlns:a16="http://schemas.microsoft.com/office/drawing/2014/main" id="{3D606156-1B04-1D36-51C5-A871421331C1}"/>
+              </a:ext>
+            </a:extLst>
+          </p:cNvPr>
+          <p:cNvSpPr txBox="1"/>
+          <p:nvPr/>
+        </p:nvSpPr>
+        <p:spPr>
+          <a:xfrm>
+            <a:off x="8963891" y="5126806"/>
+            <a:ext cx="2607031" cy="1200329"/>
+          </a:xfrm>
+          <a:prstGeom prst="rect">
+            <a:avLst/>
+          </a:prstGeom>
+          <a:noFill/>
+        </p:spPr>
+        <p:txBody>
+          <a:bodyPr wrap="square" rtlCol="0">
+            <a:spAutoFit/>
+          </a:bodyPr>
+          <a:lstStyle/>
+          <a:p>
+            <a:r>
+              <a:rPr lang="tr-TR" dirty="0" err="1"/>
+              <a:t>Period</a:t>
+            </a:r>
+            <a:r>
+              <a:rPr lang="tr-TR" dirty="0"/>
+              <a:t> </a:t>
+            </a:r>
+            <a:r>
+              <a:rPr lang="tr-TR" dirty="0" err="1"/>
+              <a:t>Returns</a:t>
+            </a:r>
+            <a:r>
+              <a:rPr lang="tr-TR" dirty="0"/>
+              <a:t> = % 87.6</a:t>
+            </a:r>
+          </a:p>
+          <a:p>
+            <a:r>
+              <a:rPr lang="tr-TR" dirty="0" err="1"/>
+              <a:t>Stability</a:t>
+            </a:r>
+            <a:r>
+              <a:rPr lang="tr-TR" dirty="0"/>
+              <a:t> = %98.7</a:t>
+            </a:r>
+          </a:p>
+          <a:p>
+            <a:r>
+              <a:rPr lang="tr-TR" dirty="0" err="1"/>
+              <a:t>Sharpe</a:t>
+            </a:r>
+            <a:r>
+              <a:rPr lang="tr-TR" dirty="0"/>
+              <a:t> = 16.5</a:t>
+            </a:r>
+          </a:p>
+          <a:p>
+            <a:r>
+              <a:rPr lang="tr-TR" dirty="0"/>
+              <a:t>MDD = -2.56 %</a:t>
+            </a:r>
+          </a:p>
+        </p:txBody>
+      </p:sp>
+      <p:sp>
+        <p:nvSpPr>
+          <p:cNvPr id="16" name="Metin kutusu 15">
+            <a:extLst>
+              <a:ext uri="{FF2B5EF4-FFF2-40B4-BE49-F238E27FC236}">
+                <a16:creationId xmlns:a16="http://schemas.microsoft.com/office/drawing/2014/main" id="{0F8E7C5A-C860-11A7-7398-8DE67A5ABA20}"/>
+              </a:ext>
+            </a:extLst>
+          </p:cNvPr>
+          <p:cNvSpPr txBox="1"/>
+          <p:nvPr/>
+        </p:nvSpPr>
+        <p:spPr>
+          <a:xfrm>
+            <a:off x="171470" y="1737551"/>
+            <a:ext cx="2149036" cy="646331"/>
+          </a:xfrm>
+          <a:prstGeom prst="rect">
+            <a:avLst/>
+          </a:prstGeom>
+          <a:noFill/>
+        </p:spPr>
+        <p:txBody>
+          <a:bodyPr wrap="square" rtlCol="0">
+            <a:spAutoFit/>
+          </a:bodyPr>
+          <a:lstStyle/>
+          <a:p>
+            <a:r>
+              <a:rPr lang="tr-TR" dirty="0" err="1"/>
+              <a:t>Single</a:t>
+            </a:r>
+            <a:r>
+              <a:rPr lang="tr-TR" dirty="0"/>
+              <a:t> </a:t>
+            </a:r>
+            <a:r>
+              <a:rPr lang="tr-TR" dirty="0" err="1"/>
+              <a:t>asset</a:t>
+            </a:r>
+            <a:r>
+              <a:rPr lang="tr-TR" dirty="0"/>
+              <a:t> </a:t>
+            </a:r>
+            <a:r>
+              <a:rPr lang="tr-TR" dirty="0" err="1"/>
+              <a:t>portfolio</a:t>
+            </a:r>
+            <a:r>
+              <a:rPr lang="tr-TR" dirty="0"/>
+              <a:t> (8.5 </a:t>
+            </a:r>
+            <a:r>
+              <a:rPr lang="tr-TR" dirty="0" err="1"/>
+              <a:t>months</a:t>
+            </a:r>
+            <a:r>
+              <a:rPr lang="tr-TR" dirty="0"/>
+              <a:t>)</a:t>
+            </a:r>
+          </a:p>
+        </p:txBody>
+      </p:sp>
+      <p:sp>
+        <p:nvSpPr>
+          <p:cNvPr id="17" name="Metin kutusu 16">
+            <a:extLst>
+              <a:ext uri="{FF2B5EF4-FFF2-40B4-BE49-F238E27FC236}">
+                <a16:creationId xmlns:a16="http://schemas.microsoft.com/office/drawing/2014/main" id="{EC5B5AF0-F998-CAD9-B261-86AEEC07B4AB}"/>
+              </a:ext>
+            </a:extLst>
+          </p:cNvPr>
+          <p:cNvSpPr txBox="1"/>
+          <p:nvPr/>
+        </p:nvSpPr>
+        <p:spPr>
+          <a:xfrm>
+            <a:off x="4170216" y="1737552"/>
+            <a:ext cx="1756131" cy="646331"/>
+          </a:xfrm>
+          <a:prstGeom prst="rect">
+            <a:avLst/>
+          </a:prstGeom>
+          <a:noFill/>
+        </p:spPr>
+        <p:txBody>
+          <a:bodyPr wrap="square" rtlCol="0">
+            <a:spAutoFit/>
+          </a:bodyPr>
+          <a:lstStyle/>
+          <a:p>
+            <a:r>
+              <a:rPr lang="tr-TR" dirty="0"/>
+              <a:t>5-asset </a:t>
+            </a:r>
+            <a:r>
+              <a:rPr lang="tr-TR" dirty="0" err="1"/>
+              <a:t>portfolio</a:t>
+            </a:r>
+            <a:r>
+              <a:rPr lang="tr-TR" dirty="0"/>
+              <a:t> (4.5 </a:t>
+            </a:r>
+            <a:r>
+              <a:rPr lang="tr-TR" dirty="0" err="1"/>
+              <a:t>months</a:t>
+            </a:r>
+            <a:r>
+              <a:rPr lang="tr-TR" dirty="0"/>
+              <a:t>)</a:t>
+            </a:r>
+          </a:p>
+        </p:txBody>
+      </p:sp>
+      <p:sp>
+        <p:nvSpPr>
+          <p:cNvPr id="18" name="Metin kutusu 17">
+            <a:extLst>
+              <a:ext uri="{FF2B5EF4-FFF2-40B4-BE49-F238E27FC236}">
+                <a16:creationId xmlns:a16="http://schemas.microsoft.com/office/drawing/2014/main" id="{7417556F-3286-476C-2D39-49527FEE8B32}"/>
+              </a:ext>
+            </a:extLst>
+          </p:cNvPr>
+          <p:cNvSpPr txBox="1"/>
+          <p:nvPr/>
+        </p:nvSpPr>
+        <p:spPr>
+          <a:xfrm>
+            <a:off x="8079093" y="1823579"/>
+            <a:ext cx="2007696" cy="646331"/>
+          </a:xfrm>
+          <a:prstGeom prst="rect">
+            <a:avLst/>
+          </a:prstGeom>
+          <a:noFill/>
+        </p:spPr>
+        <p:txBody>
+          <a:bodyPr wrap="square" rtlCol="0">
+            <a:spAutoFit/>
+          </a:bodyPr>
+          <a:lstStyle/>
+          <a:p>
+            <a:r>
+              <a:rPr lang="tr-TR" dirty="0"/>
+              <a:t>17- </a:t>
+            </a:r>
+            <a:r>
+              <a:rPr lang="tr-TR" dirty="0" err="1"/>
+              <a:t>asset</a:t>
+            </a:r>
+            <a:r>
+              <a:rPr lang="tr-TR" dirty="0"/>
+              <a:t> </a:t>
+            </a:r>
+            <a:r>
+              <a:rPr lang="tr-TR" dirty="0" err="1"/>
+              <a:t>portfolio</a:t>
+            </a:r>
+            <a:r>
+              <a:rPr lang="tr-TR" dirty="0"/>
+              <a:t> (4 </a:t>
+            </a:r>
+            <a:r>
+              <a:rPr lang="tr-TR" dirty="0" err="1"/>
+              <a:t>months</a:t>
+            </a:r>
+            <a:r>
+              <a:rPr lang="tr-TR" dirty="0"/>
+              <a:t>)</a:t>
+            </a:r>
+          </a:p>
+        </p:txBody>
+      </p:sp>
+      <p:pic>
+        <p:nvPicPr>
+          <p:cNvPr id="20" name="Resim 19">
+            <a:extLst>
+              <a:ext uri="{FF2B5EF4-FFF2-40B4-BE49-F238E27FC236}">
+                <a16:creationId xmlns:a16="http://schemas.microsoft.com/office/drawing/2014/main" id="{51527FD7-2425-2BE9-9416-E2040C75D658}"/>
+              </a:ext>
+            </a:extLst>
+          </p:cNvPr>
+          <p:cNvPicPr>
+            <a:picLocks noChangeAspect="1"/>
+          </p:cNvPicPr>
+          <p:nvPr/>
+        </p:nvPicPr>
+        <p:blipFill>
+          <a:blip r:embed="rId5"/>
+          <a:stretch>
+            <a:fillRect/>
+          </a:stretch>
+        </p:blipFill>
+        <p:spPr>
+          <a:xfrm>
+            <a:off x="4170216" y="2469910"/>
+            <a:ext cx="3851564" cy="2455179"/>
+          </a:xfrm>
+          <a:prstGeom prst="rect">
+            <a:avLst/>
+          </a:prstGeom>
+        </p:spPr>
+      </p:pic>
+      <p:sp>
+        <p:nvSpPr>
+          <p:cNvPr id="21" name="Metin kutusu 20">
+            <a:extLst>
+              <a:ext uri="{FF2B5EF4-FFF2-40B4-BE49-F238E27FC236}">
+                <a16:creationId xmlns:a16="http://schemas.microsoft.com/office/drawing/2014/main" id="{8A1E1DCA-EB31-E7A3-E947-EAC0A1A462B2}"/>
+              </a:ext>
+            </a:extLst>
+          </p:cNvPr>
+          <p:cNvSpPr txBox="1"/>
+          <p:nvPr/>
+        </p:nvSpPr>
+        <p:spPr>
+          <a:xfrm>
+            <a:off x="1436" y="9813"/>
+            <a:ext cx="6094562" cy="369332"/>
+          </a:xfrm>
+          <a:prstGeom prst="rect">
+            <a:avLst/>
+          </a:prstGeom>
+          <a:noFill/>
+        </p:spPr>
+        <p:txBody>
+          <a:bodyPr wrap="square">
+            <a:spAutoFit/>
+          </a:bodyPr>
+          <a:lstStyle/>
+          <a:p>
+            <a:r>
+              <a:rPr lang="tr-TR" sz="1800" dirty="0" err="1"/>
+              <a:t>Performances</a:t>
+            </a:r>
+            <a:r>
+              <a:rPr lang="tr-TR" sz="1800" dirty="0"/>
+              <a:t> of BIST </a:t>
+            </a:r>
+            <a:r>
+              <a:rPr lang="tr-TR" sz="1800" dirty="0" err="1"/>
+              <a:t>Stock</a:t>
+            </a:r>
+            <a:r>
+              <a:rPr lang="tr-TR" sz="1800" dirty="0"/>
+              <a:t> Exchange </a:t>
+            </a:r>
+            <a:r>
+              <a:rPr lang="tr-TR" sz="1800" dirty="0" err="1"/>
+              <a:t>Portfolios</a:t>
+            </a:r>
+            <a:endParaRPr lang="tr-TR" sz="1800" dirty="0"/>
+          </a:p>
+        </p:txBody>
+      </p:sp>
+      <p:pic>
+        <p:nvPicPr>
+          <p:cNvPr id="23" name="Resim 22">
+            <a:extLst>
+              <a:ext uri="{FF2B5EF4-FFF2-40B4-BE49-F238E27FC236}">
+                <a16:creationId xmlns:a16="http://schemas.microsoft.com/office/drawing/2014/main" id="{D73969B5-8730-7E55-AE47-E22FC3D2510A}"/>
+              </a:ext>
+            </a:extLst>
+          </p:cNvPr>
+          <p:cNvPicPr>
+            <a:picLocks noChangeAspect="1"/>
+          </p:cNvPicPr>
+          <p:nvPr/>
+        </p:nvPicPr>
+        <p:blipFill>
+          <a:blip r:embed="rId6"/>
+          <a:stretch>
+            <a:fillRect/>
+          </a:stretch>
+        </p:blipFill>
+        <p:spPr>
+          <a:xfrm>
+            <a:off x="10266250" y="1465134"/>
+            <a:ext cx="1670389" cy="1006930"/>
+          </a:xfrm>
+          <a:prstGeom prst="rect">
+            <a:avLst/>
+          </a:prstGeom>
+        </p:spPr>
+      </p:pic>
+    </p:spTree>
+    <p:extLst>
+      <p:ext uri="{BB962C8B-B14F-4D97-AF65-F5344CB8AC3E}">
+        <p14:creationId xmlns:p14="http://schemas.microsoft.com/office/powerpoint/2010/main" val="323312503"/>
+      </p:ext>
+    </p:extLst>
+  </p:cSld>
+  <p:clrMapOvr>
+    <a:masterClrMapping/>
+  </p:clrMapOvr>
+</p:sld>
+</file>
+
+<file path=ppt/slides/slide6.xml><?xml version="1.0" encoding="utf-8"?>
+<p:sld xmlns:a="http://schemas.openxmlformats.org/drawingml/2006/main" xmlns:r="http://schemas.openxmlformats.org/officeDocument/2006/relationships" xmlns:p="http://schemas.openxmlformats.org/presentationml/2006/main">
+  <p:cSld>
+    <p:bg>
+      <p:bgPr>
+        <a:solidFill>
+          <a:schemeClr val="bg1"/>
+        </a:solidFill>
+        <a:effectLst/>
+      </p:bgPr>
+    </p:bg>
+    <p:spTree>
+      <p:nvGrpSpPr>
+        <p:cNvPr id="1" name=""/>
+        <p:cNvGrpSpPr/>
+        <p:nvPr/>
+      </p:nvGrpSpPr>
+      <p:grpSpPr>
+        <a:xfrm>
+          <a:off x="0" y="0"/>
+          <a:ext cx="0" cy="0"/>
+          <a:chOff x="0" y="0"/>
+          <a:chExt cx="0" cy="0"/>
+        </a:xfrm>
+      </p:grpSpPr>
+      <p:pic>
+        <p:nvPicPr>
           <p:cNvPr id="4" name="Resim 3">
             <a:extLst>
               <a:ext uri="{FF2B5EF4-FFF2-40B4-BE49-F238E27FC236}">
@@ -20521,7 +24293,7 @@
 </p:sld>
 </file>
 
-<file path=ppt/slides/slide5.xml><?xml version="1.0" encoding="utf-8"?>
+<file path=ppt/slides/slide7.xml><?xml version="1.0" encoding="utf-8"?>
 <p:sld xmlns:a="http://schemas.openxmlformats.org/drawingml/2006/main" xmlns:r="http://schemas.openxmlformats.org/officeDocument/2006/relationships" xmlns:p="http://schemas.openxmlformats.org/presentationml/2006/main">
   <p:cSld>
     <p:bg>
@@ -20897,7 +24669,29 @@
                 <a:ea typeface="+mj-ea"/>
                 <a:cs typeface="+mj-cs"/>
               </a:rPr>
-              <a:t> (MHI)</a:t>
+              <a:t> (MHI) </a:t>
+            </a:r>
+            <a:r>
+              <a:rPr lang="tr-TR" sz="4000" b="1" kern="1200" dirty="0" err="1">
+                <a:solidFill>
+                  <a:srgbClr val="FFFFFF"/>
+                </a:solidFill>
+                <a:latin typeface="+mj-lt"/>
+                <a:ea typeface="+mj-ea"/>
+                <a:cs typeface="+mj-cs"/>
+              </a:rPr>
+              <a:t>for</a:t>
+            </a:r>
+            <a:r>
+              <a:rPr lang="tr-TR" sz="4000" b="1" kern="1200" dirty="0">
+                <a:solidFill>
+                  <a:srgbClr val="FFFFFF"/>
+                </a:solidFill>
+                <a:latin typeface="+mj-lt"/>
+                <a:ea typeface="+mj-ea"/>
+                <a:cs typeface="+mj-cs"/>
+              </a:rPr>
+              <a:t> BIST30</a:t>
             </a:r>
             <a:br>
               <a:rPr lang="tr-TR" sz="4000" kern="1200" dirty="0">
@@ -21100,7 +24894,7 @@
 </p:sld>
 </file>
 
-<file path=ppt/slides/slide6.xml><?xml version="1.0" encoding="utf-8"?>
+<file path=ppt/slides/slide8.xml><?xml version="1.0" encoding="utf-8"?>
 <p:sld xmlns:a="http://schemas.openxmlformats.org/drawingml/2006/main" xmlns:r="http://schemas.openxmlformats.org/officeDocument/2006/relationships" xmlns:p="http://schemas.openxmlformats.org/presentationml/2006/main">
   <p:cSld>
     <p:bg>
@@ -22645,7 +26439,7 @@
 </p:sld>
 </file>
 
-<file path=ppt/slides/slide7.xml><?xml version="1.0" encoding="utf-8"?>
+<file path=ppt/slides/slide9.xml><?xml version="1.0" encoding="utf-8"?>
 <p:sld xmlns:a="http://schemas.openxmlformats.org/drawingml/2006/main" xmlns:r="http://schemas.openxmlformats.org/officeDocument/2006/relationships" xmlns:p="http://schemas.openxmlformats.org/presentationml/2006/main">
   <p:cSld>
     <p:bg>
@@ -23898,2552 +27692,6 @@
     <p:extLst>
       <p:ext uri="{BB962C8B-B14F-4D97-AF65-F5344CB8AC3E}">
         <p14:creationId xmlns:p14="http://schemas.microsoft.com/office/powerpoint/2010/main" val="1438670743"/>
-      </p:ext>
-    </p:extLst>
-  </p:cSld>
-  <p:clrMapOvr>
-    <a:masterClrMapping/>
-  </p:clrMapOvr>
-</p:sld>
-</file>
-
-<file path=ppt/slides/slide8.xml><?xml version="1.0" encoding="utf-8"?>
-<p:sld xmlns:a="http://schemas.openxmlformats.org/drawingml/2006/main" xmlns:r="http://schemas.openxmlformats.org/officeDocument/2006/relationships" xmlns:p="http://schemas.openxmlformats.org/presentationml/2006/main">
-  <p:cSld>
-    <p:bg>
-      <p:bgPr>
-        <a:solidFill>
-          <a:schemeClr val="tx1"/>
-        </a:solidFill>
-        <a:effectLst/>
-      </p:bgPr>
-    </p:bg>
-    <p:spTree>
-      <p:nvGrpSpPr>
-        <p:cNvPr id="1" name=""/>
-        <p:cNvGrpSpPr/>
-        <p:nvPr/>
-      </p:nvGrpSpPr>
-      <p:grpSpPr>
-        <a:xfrm>
-          <a:off x="0" y="0"/>
-          <a:ext cx="0" cy="0"/>
-          <a:chOff x="0" y="0"/>
-          <a:chExt cx="0" cy="0"/>
-        </a:xfrm>
-      </p:grpSpPr>
-      <p:sp useBgFill="1">
-        <p:nvSpPr>
-          <p:cNvPr id="20" name="Rectangle 9">
-            <a:extLst>
-              <a:ext uri="{FF2B5EF4-FFF2-40B4-BE49-F238E27FC236}">
-                <a16:creationId xmlns:a16="http://schemas.microsoft.com/office/drawing/2014/main" id="{A8384FB5-9ADC-4DDC-881B-597D56F5B15D}"/>
-              </a:ext>
-              <a:ext uri="{C183D7F6-B498-43B3-948B-1728B52AA6E4}">
-                <adec:decorative xmlns:adec="http://schemas.microsoft.com/office/drawing/2017/decorative" val="1"/>
-              </a:ext>
-            </a:extLst>
-          </p:cNvPr>
-          <p:cNvSpPr>
-            <a:spLocks noGrp="1" noRot="1" noChangeAspect="1" noMove="1" noResize="1" noEditPoints="1" noAdjustHandles="1" noChangeArrowheads="1" noChangeShapeType="1" noTextEdit="1"/>
-          </p:cNvSpPr>
-          <p:nvPr>
-            <p:extLst>
-              <p:ext uri="{386F3935-93C4-4BCD-93E2-E3B085C9AB24}">
-                <p16:designElem xmlns:p16="http://schemas.microsoft.com/office/powerpoint/2015/main" val="1"/>
-              </p:ext>
-            </p:extLst>
-          </p:nvPr>
-        </p:nvSpPr>
-        <p:spPr>
-          <a:xfrm>
-            <a:off x="0" y="0"/>
-            <a:ext cx="12192000" cy="6858000"/>
-          </a:xfrm>
-          <a:prstGeom prst="rect">
-            <a:avLst/>
-          </a:prstGeom>
-          <a:ln w="12700" cap="flat" cmpd="sng" algn="ctr">
-            <a:noFill/>
-            <a:prstDash val="solid"/>
-            <a:miter lim="800000"/>
-          </a:ln>
-          <a:effectLst/>
-          <a:extLst>
-            <a:ext uri="{91240B29-F687-4F45-9708-019B960494DF}">
-              <a14:hiddenLine xmlns:a14="http://schemas.microsoft.com/office/drawing/2010/main" w="12700" cap="flat" cmpd="sng" algn="ctr">
-                <a:solidFill>
-                  <a:schemeClr val="accent1">
-                    <a:shade val="50000"/>
-                  </a:schemeClr>
-                </a:solidFill>
-                <a:prstDash val="solid"/>
-                <a:miter lim="800000"/>
-              </a14:hiddenLine>
-            </a:ext>
-          </a:extLst>
-        </p:spPr>
-        <p:style>
-          <a:lnRef idx="2">
-            <a:schemeClr val="accent1">
-              <a:shade val="50000"/>
-            </a:schemeClr>
-          </a:lnRef>
-          <a:fillRef idx="1">
-            <a:schemeClr val="accent1"/>
-          </a:fillRef>
-          <a:effectRef idx="0">
-            <a:schemeClr val="accent1"/>
-          </a:effectRef>
-          <a:fontRef idx="minor">
-            <a:schemeClr val="lt1"/>
-          </a:fontRef>
-        </p:style>
-        <p:txBody>
-          <a:bodyPr rtlCol="0" anchor="ctr"/>
-          <a:lstStyle/>
-          <a:p>
-            <a:pPr algn="ctr"/>
-            <a:endParaRPr lang="en-US"/>
-          </a:p>
-        </p:txBody>
-      </p:sp>
-      <p:sp>
-        <p:nvSpPr>
-          <p:cNvPr id="12" name="Rectangle 11">
-            <a:extLst>
-              <a:ext uri="{FF2B5EF4-FFF2-40B4-BE49-F238E27FC236}">
-                <a16:creationId xmlns:a16="http://schemas.microsoft.com/office/drawing/2014/main" id="{1199E1B1-A8C0-4FE8-A5A8-1CB41D69F857}"/>
-              </a:ext>
-              <a:ext uri="{C183D7F6-B498-43B3-948B-1728B52AA6E4}">
-                <adec:decorative xmlns:adec="http://schemas.microsoft.com/office/drawing/2017/decorative" val="1"/>
-              </a:ext>
-            </a:extLst>
-          </p:cNvPr>
-          <p:cNvSpPr>
-            <a:spLocks noGrp="1" noRot="1" noChangeAspect="1" noMove="1" noResize="1" noEditPoints="1" noAdjustHandles="1" noChangeArrowheads="1" noChangeShapeType="1" noTextEdit="1"/>
-          </p:cNvSpPr>
-          <p:nvPr>
-            <p:extLst>
-              <p:ext uri="{386F3935-93C4-4BCD-93E2-E3B085C9AB24}">
-                <p16:designElem xmlns:p16="http://schemas.microsoft.com/office/powerpoint/2015/main" val="1"/>
-              </p:ext>
-            </p:extLst>
-          </p:nvPr>
-        </p:nvSpPr>
-        <p:spPr>
-          <a:xfrm rot="10800000" flipH="1">
-            <a:off x="2" y="0"/>
-            <a:ext cx="12191998" cy="1575955"/>
-          </a:xfrm>
-          <a:prstGeom prst="rect">
-            <a:avLst/>
-          </a:prstGeom>
-          <a:gradFill>
-            <a:gsLst>
-              <a:gs pos="0">
-                <a:srgbClr val="000000">
-                  <a:alpha val="96000"/>
-                </a:srgbClr>
-              </a:gs>
-              <a:gs pos="100000">
-                <a:schemeClr val="accent1">
-                  <a:lumMod val="75000"/>
-                </a:schemeClr>
-              </a:gs>
-            </a:gsLst>
-            <a:lin ang="6000000" scaled="0"/>
-          </a:gradFill>
-          <a:ln>
-            <a:noFill/>
-          </a:ln>
-        </p:spPr>
-        <p:style>
-          <a:lnRef idx="2">
-            <a:schemeClr val="accent1">
-              <a:shade val="50000"/>
-            </a:schemeClr>
-          </a:lnRef>
-          <a:fillRef idx="1">
-            <a:schemeClr val="accent1"/>
-          </a:fillRef>
-          <a:effectRef idx="0">
-            <a:schemeClr val="accent1"/>
-          </a:effectRef>
-          <a:fontRef idx="minor">
-            <a:schemeClr val="lt1"/>
-          </a:fontRef>
-        </p:style>
-        <p:txBody>
-          <a:bodyPr rtlCol="0" anchor="ctr"/>
-          <a:lstStyle/>
-          <a:p>
-            <a:pPr algn="ctr"/>
-            <a:endParaRPr lang="en-US"/>
-          </a:p>
-        </p:txBody>
-      </p:sp>
-      <p:sp>
-        <p:nvSpPr>
-          <p:cNvPr id="21" name="Rectangle 13">
-            <a:extLst>
-              <a:ext uri="{FF2B5EF4-FFF2-40B4-BE49-F238E27FC236}">
-                <a16:creationId xmlns:a16="http://schemas.microsoft.com/office/drawing/2014/main" id="{84A8DE83-DE75-4B41-9DB4-A7EC0B0DEC0B}"/>
-              </a:ext>
-              <a:ext uri="{C183D7F6-B498-43B3-948B-1728B52AA6E4}">
-                <adec:decorative xmlns:adec="http://schemas.microsoft.com/office/drawing/2017/decorative" val="1"/>
-              </a:ext>
-            </a:extLst>
-          </p:cNvPr>
-          <p:cNvSpPr>
-            <a:spLocks noGrp="1" noRot="1" noChangeAspect="1" noMove="1" noResize="1" noEditPoints="1" noAdjustHandles="1" noChangeArrowheads="1" noChangeShapeType="1" noTextEdit="1"/>
-          </p:cNvSpPr>
-          <p:nvPr>
-            <p:extLst>
-              <p:ext uri="{386F3935-93C4-4BCD-93E2-E3B085C9AB24}">
-                <p16:designElem xmlns:p16="http://schemas.microsoft.com/office/powerpoint/2015/main" val="1"/>
-              </p:ext>
-            </p:extLst>
-          </p:nvPr>
-        </p:nvSpPr>
-        <p:spPr>
-          <a:xfrm>
-            <a:off x="0" y="0"/>
-            <a:ext cx="8128856" cy="1575461"/>
-          </a:xfrm>
-          <a:prstGeom prst="rect">
-            <a:avLst/>
-          </a:prstGeom>
-          <a:gradFill>
-            <a:gsLst>
-              <a:gs pos="0">
-                <a:schemeClr val="accent1">
-                  <a:alpha val="41000"/>
-                </a:schemeClr>
-              </a:gs>
-              <a:gs pos="74000">
-                <a:schemeClr val="accent1">
-                  <a:lumMod val="60000"/>
-                  <a:lumOff val="40000"/>
-                  <a:alpha val="0"/>
-                </a:schemeClr>
-              </a:gs>
-            </a:gsLst>
-            <a:lin ang="8400000" scaled="0"/>
-          </a:gradFill>
-          <a:ln>
-            <a:noFill/>
-          </a:ln>
-        </p:spPr>
-        <p:style>
-          <a:lnRef idx="2">
-            <a:schemeClr val="accent1">
-              <a:shade val="50000"/>
-            </a:schemeClr>
-          </a:lnRef>
-          <a:fillRef idx="1">
-            <a:schemeClr val="accent1"/>
-          </a:fillRef>
-          <a:effectRef idx="0">
-            <a:schemeClr val="accent1"/>
-          </a:effectRef>
-          <a:fontRef idx="minor">
-            <a:schemeClr val="lt1"/>
-          </a:fontRef>
-        </p:style>
-        <p:txBody>
-          <a:bodyPr rtlCol="0" anchor="ctr"/>
-          <a:lstStyle/>
-          <a:p>
-            <a:pPr algn="ctr"/>
-            <a:endParaRPr lang="en-US"/>
-          </a:p>
-        </p:txBody>
-      </p:sp>
-      <p:sp>
-        <p:nvSpPr>
-          <p:cNvPr id="22" name="Rectangle 15">
-            <a:extLst>
-              <a:ext uri="{FF2B5EF4-FFF2-40B4-BE49-F238E27FC236}">
-                <a16:creationId xmlns:a16="http://schemas.microsoft.com/office/drawing/2014/main" id="{A7009A0A-BEF5-4EAC-AF15-E4F9F002E239}"/>
-              </a:ext>
-              <a:ext uri="{C183D7F6-B498-43B3-948B-1728B52AA6E4}">
-                <adec:decorative xmlns:adec="http://schemas.microsoft.com/office/drawing/2017/decorative" val="1"/>
-              </a:ext>
-            </a:extLst>
-          </p:cNvPr>
-          <p:cNvSpPr>
-            <a:spLocks noGrp="1" noRot="1" noChangeAspect="1" noMove="1" noResize="1" noEditPoints="1" noAdjustHandles="1" noChangeArrowheads="1" noChangeShapeType="1" noTextEdit="1"/>
-          </p:cNvSpPr>
-          <p:nvPr>
-            <p:extLst>
-              <p:ext uri="{386F3935-93C4-4BCD-93E2-E3B085C9AB24}">
-                <p16:designElem xmlns:p16="http://schemas.microsoft.com/office/powerpoint/2015/main" val="1"/>
-              </p:ext>
-            </p:extLst>
-          </p:nvPr>
-        </p:nvSpPr>
-        <p:spPr>
-          <a:xfrm flipH="1">
-            <a:off x="-3" y="-1"/>
-            <a:ext cx="12192002" cy="1574311"/>
-          </a:xfrm>
-          <a:prstGeom prst="rect">
-            <a:avLst/>
-          </a:prstGeom>
-          <a:gradFill>
-            <a:gsLst>
-              <a:gs pos="0">
-                <a:srgbClr val="000000">
-                  <a:alpha val="63000"/>
-                </a:srgbClr>
-              </a:gs>
-              <a:gs pos="78000">
-                <a:schemeClr val="accent1">
-                  <a:alpha val="15000"/>
-                </a:schemeClr>
-              </a:gs>
-            </a:gsLst>
-            <a:lin ang="15600000" scaled="0"/>
-          </a:gradFill>
-          <a:ln>
-            <a:noFill/>
-          </a:ln>
-        </p:spPr>
-        <p:style>
-          <a:lnRef idx="2">
-            <a:schemeClr val="accent1">
-              <a:shade val="50000"/>
-            </a:schemeClr>
-          </a:lnRef>
-          <a:fillRef idx="1">
-            <a:schemeClr val="accent1"/>
-          </a:fillRef>
-          <a:effectRef idx="0">
-            <a:schemeClr val="accent1"/>
-          </a:effectRef>
-          <a:fontRef idx="minor">
-            <a:schemeClr val="lt1"/>
-          </a:fontRef>
-        </p:style>
-        <p:txBody>
-          <a:bodyPr rtlCol="0" anchor="ctr"/>
-          <a:lstStyle/>
-          <a:p>
-            <a:pPr algn="ctr"/>
-            <a:endParaRPr lang="en-US"/>
-          </a:p>
-        </p:txBody>
-      </p:sp>
-      <p:sp>
-        <p:nvSpPr>
-          <p:cNvPr id="50" name="Metin kutusu 49">
-            <a:extLst>
-              <a:ext uri="{FF2B5EF4-FFF2-40B4-BE49-F238E27FC236}">
-                <a16:creationId xmlns:a16="http://schemas.microsoft.com/office/drawing/2014/main" id="{EE49DAA7-5989-86CD-D23F-3B5512C9B12C}"/>
-              </a:ext>
-            </a:extLst>
-          </p:cNvPr>
-          <p:cNvSpPr txBox="1"/>
-          <p:nvPr/>
-        </p:nvSpPr>
-        <p:spPr>
-          <a:xfrm>
-            <a:off x="727300" y="621676"/>
-            <a:ext cx="11978672" cy="646331"/>
-          </a:xfrm>
-          <a:prstGeom prst="rect">
-            <a:avLst/>
-          </a:prstGeom>
-          <a:noFill/>
-        </p:spPr>
-        <p:txBody>
-          <a:bodyPr wrap="square">
-            <a:spAutoFit/>
-          </a:bodyPr>
-          <a:lstStyle/>
-          <a:p>
-            <a:r>
-              <a:rPr lang="tr-TR" sz="1800" kern="1200" dirty="0">
-                <a:solidFill>
-                  <a:srgbClr val="FFFFFF"/>
-                </a:solidFill>
-                <a:latin typeface="+mj-lt"/>
-                <a:ea typeface="+mj-ea"/>
-                <a:cs typeface="+mj-cs"/>
-              </a:rPr>
-              <a:t> </a:t>
-            </a:r>
-            <a:r>
-              <a:rPr lang="tr-TR" sz="1800" kern="1200" dirty="0" err="1">
-                <a:solidFill>
-                  <a:srgbClr val="FFFFFF"/>
-                </a:solidFill>
-                <a:latin typeface="+mj-lt"/>
-                <a:ea typeface="+mj-ea"/>
-                <a:cs typeface="+mj-cs"/>
-              </a:rPr>
-              <a:t>Sharpe</a:t>
-            </a:r>
-            <a:r>
-              <a:rPr lang="tr-TR" sz="1800" kern="1200" dirty="0">
-                <a:solidFill>
-                  <a:srgbClr val="FFFFFF"/>
-                </a:solidFill>
-                <a:latin typeface="+mj-lt"/>
-                <a:ea typeface="+mj-ea"/>
-                <a:cs typeface="+mj-cs"/>
-              </a:rPr>
-              <a:t>                               i-</a:t>
-            </a:r>
-            <a:r>
-              <a:rPr lang="tr-TR" sz="1800" kern="1200" dirty="0" err="1">
-                <a:solidFill>
-                  <a:srgbClr val="FFFFFF"/>
-                </a:solidFill>
-                <a:latin typeface="+mj-lt"/>
-                <a:ea typeface="+mj-ea"/>
-                <a:cs typeface="+mj-cs"/>
-              </a:rPr>
-              <a:t>Sharpe</a:t>
-            </a:r>
-            <a:r>
-              <a:rPr lang="tr-TR" sz="1800" kern="1200" dirty="0">
-                <a:solidFill>
-                  <a:srgbClr val="FFFFFF"/>
-                </a:solidFill>
-                <a:latin typeface="+mj-lt"/>
-                <a:ea typeface="+mj-ea"/>
-                <a:cs typeface="+mj-cs"/>
-              </a:rPr>
-              <a:t>                                        MDD                                  i-MDD                             MINVAR</a:t>
-            </a:r>
-            <a:br>
-              <a:rPr lang="tr-TR" sz="1800" kern="1200" dirty="0">
-                <a:solidFill>
-                  <a:srgbClr val="FFFFFF"/>
-                </a:solidFill>
-                <a:latin typeface="+mj-lt"/>
-                <a:ea typeface="+mj-ea"/>
-                <a:cs typeface="+mj-cs"/>
-              </a:rPr>
-            </a:br>
-            <a:endParaRPr lang="tr-TR" dirty="0"/>
-          </a:p>
-        </p:txBody>
-      </p:sp>
-      <p:sp>
-        <p:nvSpPr>
-          <p:cNvPr id="51" name="Metin kutusu 50">
-            <a:extLst>
-              <a:ext uri="{FF2B5EF4-FFF2-40B4-BE49-F238E27FC236}">
-                <a16:creationId xmlns:a16="http://schemas.microsoft.com/office/drawing/2014/main" id="{A70B95CD-8DAF-9678-5271-CC7419A3BC45}"/>
-              </a:ext>
-            </a:extLst>
-          </p:cNvPr>
-          <p:cNvSpPr txBox="1"/>
-          <p:nvPr/>
-        </p:nvSpPr>
-        <p:spPr>
-          <a:xfrm>
-            <a:off x="753505" y="5337974"/>
-            <a:ext cx="1618793" cy="646331"/>
-          </a:xfrm>
-          <a:prstGeom prst="rect">
-            <a:avLst/>
-          </a:prstGeom>
-          <a:noFill/>
-        </p:spPr>
-        <p:txBody>
-          <a:bodyPr wrap="square" rtlCol="0">
-            <a:spAutoFit/>
-          </a:bodyPr>
-          <a:lstStyle/>
-          <a:p>
-            <a:r>
-              <a:rPr lang="tr-TR" sz="1200" dirty="0">
-                <a:solidFill>
-                  <a:schemeClr val="bg1"/>
-                </a:solidFill>
-              </a:rPr>
-              <a:t>Return: %99</a:t>
-            </a:r>
-          </a:p>
-          <a:p>
-            <a:r>
-              <a:rPr lang="tr-TR" sz="1200" dirty="0">
-                <a:solidFill>
-                  <a:schemeClr val="bg1"/>
-                </a:solidFill>
-              </a:rPr>
-              <a:t>SR: 5.99</a:t>
-            </a:r>
-          </a:p>
-          <a:p>
-            <a:r>
-              <a:rPr lang="tr-TR" sz="1200" dirty="0">
-                <a:solidFill>
-                  <a:schemeClr val="bg1"/>
-                </a:solidFill>
-              </a:rPr>
-              <a:t>MDD: %10.0</a:t>
-            </a:r>
-          </a:p>
-        </p:txBody>
-      </p:sp>
-      <p:sp>
-        <p:nvSpPr>
-          <p:cNvPr id="52" name="Metin kutusu 51">
-            <a:extLst>
-              <a:ext uri="{FF2B5EF4-FFF2-40B4-BE49-F238E27FC236}">
-                <a16:creationId xmlns:a16="http://schemas.microsoft.com/office/drawing/2014/main" id="{8CB66451-38B6-8CD7-C133-BF6BD30A2B00}"/>
-              </a:ext>
-            </a:extLst>
-          </p:cNvPr>
-          <p:cNvSpPr txBox="1"/>
-          <p:nvPr/>
-        </p:nvSpPr>
-        <p:spPr>
-          <a:xfrm>
-            <a:off x="3166091" y="5836608"/>
-            <a:ext cx="1372001" cy="646331"/>
-          </a:xfrm>
-          <a:prstGeom prst="rect">
-            <a:avLst/>
-          </a:prstGeom>
-          <a:noFill/>
-        </p:spPr>
-        <p:txBody>
-          <a:bodyPr wrap="square" rtlCol="0">
-            <a:spAutoFit/>
-          </a:bodyPr>
-          <a:lstStyle/>
-          <a:p>
-            <a:r>
-              <a:rPr lang="tr-TR" sz="1200" dirty="0">
-                <a:solidFill>
-                  <a:schemeClr val="bg1"/>
-                </a:solidFill>
-              </a:rPr>
-              <a:t>Return: %52.5</a:t>
-            </a:r>
-          </a:p>
-          <a:p>
-            <a:r>
-              <a:rPr lang="tr-TR" sz="1200" dirty="0">
-                <a:solidFill>
-                  <a:schemeClr val="bg1"/>
-                </a:solidFill>
-              </a:rPr>
-              <a:t>SR: 6.76</a:t>
-            </a:r>
-          </a:p>
-          <a:p>
-            <a:r>
-              <a:rPr lang="tr-TR" sz="1200" dirty="0">
-                <a:solidFill>
-                  <a:schemeClr val="bg1"/>
-                </a:solidFill>
-              </a:rPr>
-              <a:t>MDD: %4.0</a:t>
-            </a:r>
-          </a:p>
-        </p:txBody>
-      </p:sp>
-      <p:sp>
-        <p:nvSpPr>
-          <p:cNvPr id="53" name="Metin kutusu 52">
-            <a:extLst>
-              <a:ext uri="{FF2B5EF4-FFF2-40B4-BE49-F238E27FC236}">
-                <a16:creationId xmlns:a16="http://schemas.microsoft.com/office/drawing/2014/main" id="{62C3CF7E-303C-27BA-05F6-76E1DF411575}"/>
-              </a:ext>
-            </a:extLst>
-          </p:cNvPr>
-          <p:cNvSpPr txBox="1"/>
-          <p:nvPr/>
-        </p:nvSpPr>
-        <p:spPr>
-          <a:xfrm>
-            <a:off x="8111816" y="5409775"/>
-            <a:ext cx="1644246" cy="646331"/>
-          </a:xfrm>
-          <a:prstGeom prst="rect">
-            <a:avLst/>
-          </a:prstGeom>
-          <a:noFill/>
-        </p:spPr>
-        <p:txBody>
-          <a:bodyPr wrap="square" rtlCol="0">
-            <a:spAutoFit/>
-          </a:bodyPr>
-          <a:lstStyle/>
-          <a:p>
-            <a:r>
-              <a:rPr lang="tr-TR" sz="1200" dirty="0">
-                <a:solidFill>
-                  <a:schemeClr val="bg1"/>
-                </a:solidFill>
-              </a:rPr>
-              <a:t>Return: %15.93</a:t>
-            </a:r>
-          </a:p>
-          <a:p>
-            <a:r>
-              <a:rPr lang="tr-TR" sz="1200" dirty="0">
-                <a:solidFill>
-                  <a:schemeClr val="bg1"/>
-                </a:solidFill>
-              </a:rPr>
-              <a:t>SR: 1.67</a:t>
-            </a:r>
-          </a:p>
-          <a:p>
-            <a:r>
-              <a:rPr lang="tr-TR" sz="1200" dirty="0">
-                <a:solidFill>
-                  <a:schemeClr val="bg1"/>
-                </a:solidFill>
-              </a:rPr>
-              <a:t>MDD: %16.58</a:t>
-            </a:r>
-          </a:p>
-        </p:txBody>
-      </p:sp>
-      <p:sp>
-        <p:nvSpPr>
-          <p:cNvPr id="54" name="Metin kutusu 53">
-            <a:extLst>
-              <a:ext uri="{FF2B5EF4-FFF2-40B4-BE49-F238E27FC236}">
-                <a16:creationId xmlns:a16="http://schemas.microsoft.com/office/drawing/2014/main" id="{F94EBC21-360D-D5EE-A7D2-3531F334D746}"/>
-              </a:ext>
-            </a:extLst>
-          </p:cNvPr>
-          <p:cNvSpPr txBox="1"/>
-          <p:nvPr/>
-        </p:nvSpPr>
-        <p:spPr>
-          <a:xfrm>
-            <a:off x="10398745" y="5818770"/>
-            <a:ext cx="1230874" cy="646331"/>
-          </a:xfrm>
-          <a:prstGeom prst="rect">
-            <a:avLst/>
-          </a:prstGeom>
-          <a:noFill/>
-        </p:spPr>
-        <p:txBody>
-          <a:bodyPr wrap="square" rtlCol="0">
-            <a:spAutoFit/>
-          </a:bodyPr>
-          <a:lstStyle/>
-          <a:p>
-            <a:r>
-              <a:rPr lang="tr-TR" sz="1200" dirty="0">
-                <a:solidFill>
-                  <a:schemeClr val="bg1"/>
-                </a:solidFill>
-              </a:rPr>
-              <a:t>Return: %51.7</a:t>
-            </a:r>
-          </a:p>
-          <a:p>
-            <a:r>
-              <a:rPr lang="tr-TR" sz="1200" dirty="0">
-                <a:solidFill>
-                  <a:schemeClr val="bg1"/>
-                </a:solidFill>
-              </a:rPr>
-              <a:t>SR: 5.73</a:t>
-            </a:r>
-          </a:p>
-          <a:p>
-            <a:r>
-              <a:rPr lang="tr-TR" sz="1200" dirty="0">
-                <a:solidFill>
-                  <a:schemeClr val="bg1"/>
-                </a:solidFill>
-              </a:rPr>
-              <a:t>MDD: %7.68</a:t>
-            </a:r>
-          </a:p>
-        </p:txBody>
-      </p:sp>
-      <p:sp>
-        <p:nvSpPr>
-          <p:cNvPr id="55" name="Metin kutusu 54">
-            <a:extLst>
-              <a:ext uri="{FF2B5EF4-FFF2-40B4-BE49-F238E27FC236}">
-                <a16:creationId xmlns:a16="http://schemas.microsoft.com/office/drawing/2014/main" id="{3099ABFA-9BB9-91D3-8ACA-943BBF77E4C4}"/>
-              </a:ext>
-            </a:extLst>
-          </p:cNvPr>
-          <p:cNvSpPr txBox="1"/>
-          <p:nvPr/>
-        </p:nvSpPr>
-        <p:spPr>
-          <a:xfrm>
-            <a:off x="5745393" y="5564115"/>
-            <a:ext cx="1574731" cy="646331"/>
-          </a:xfrm>
-          <a:prstGeom prst="rect">
-            <a:avLst/>
-          </a:prstGeom>
-          <a:noFill/>
-        </p:spPr>
-        <p:txBody>
-          <a:bodyPr wrap="square" rtlCol="0">
-            <a:spAutoFit/>
-          </a:bodyPr>
-          <a:lstStyle/>
-          <a:p>
-            <a:r>
-              <a:rPr lang="tr-TR" sz="1200" dirty="0">
-                <a:solidFill>
-                  <a:schemeClr val="bg1"/>
-                </a:solidFill>
-              </a:rPr>
-              <a:t>Return: %89.6</a:t>
-            </a:r>
-          </a:p>
-          <a:p>
-            <a:r>
-              <a:rPr lang="tr-TR" sz="1200" dirty="0">
-                <a:solidFill>
-                  <a:schemeClr val="bg1"/>
-                </a:solidFill>
-              </a:rPr>
-              <a:t>SR: 6.49</a:t>
-            </a:r>
-          </a:p>
-          <a:p>
-            <a:r>
-              <a:rPr lang="tr-TR" sz="1200" dirty="0">
-                <a:solidFill>
-                  <a:schemeClr val="bg1"/>
-                </a:solidFill>
-              </a:rPr>
-              <a:t>MDD: %7.40</a:t>
-            </a:r>
-          </a:p>
-        </p:txBody>
-      </p:sp>
-      <p:sp>
-        <p:nvSpPr>
-          <p:cNvPr id="3" name="Metin kutusu 2">
-            <a:extLst>
-              <a:ext uri="{FF2B5EF4-FFF2-40B4-BE49-F238E27FC236}">
-                <a16:creationId xmlns:a16="http://schemas.microsoft.com/office/drawing/2014/main" id="{D6935863-5355-2563-D7D9-D2869C83D594}"/>
-              </a:ext>
-            </a:extLst>
-          </p:cNvPr>
-          <p:cNvSpPr txBox="1"/>
-          <p:nvPr/>
-        </p:nvSpPr>
-        <p:spPr>
-          <a:xfrm>
-            <a:off x="1436" y="9813"/>
-            <a:ext cx="6094562" cy="369332"/>
-          </a:xfrm>
-          <a:prstGeom prst="rect">
-            <a:avLst/>
-          </a:prstGeom>
-          <a:noFill/>
-        </p:spPr>
-        <p:txBody>
-          <a:bodyPr wrap="square">
-            <a:spAutoFit/>
-          </a:bodyPr>
-          <a:lstStyle/>
-          <a:p>
-            <a:r>
-              <a:rPr lang="tr-TR" sz="1800" dirty="0">
-                <a:solidFill>
-                  <a:schemeClr val="bg1"/>
-                </a:solidFill>
-              </a:rPr>
-              <a:t>MHI </a:t>
-            </a:r>
-            <a:r>
-              <a:rPr lang="tr-TR" sz="1800" dirty="0" err="1">
-                <a:solidFill>
-                  <a:schemeClr val="bg1"/>
-                </a:solidFill>
-              </a:rPr>
-              <a:t>portfolios</a:t>
-            </a:r>
-            <a:r>
-              <a:rPr lang="tr-TR" sz="1800" dirty="0">
-                <a:solidFill>
-                  <a:schemeClr val="bg1"/>
-                </a:solidFill>
-              </a:rPr>
-              <a:t> </a:t>
-            </a:r>
-            <a:r>
-              <a:rPr lang="tr-TR" sz="1800" dirty="0" err="1">
-                <a:solidFill>
-                  <a:schemeClr val="bg1"/>
-                </a:solidFill>
-              </a:rPr>
-              <a:t>for</a:t>
-            </a:r>
-            <a:r>
-              <a:rPr lang="tr-TR" sz="1800" dirty="0">
-                <a:solidFill>
-                  <a:schemeClr val="bg1"/>
-                </a:solidFill>
-              </a:rPr>
-              <a:t> </a:t>
-            </a:r>
-            <a:r>
-              <a:rPr lang="tr-TR" dirty="0">
-                <a:solidFill>
-                  <a:srgbClr val="FFFF00"/>
-                </a:solidFill>
-              </a:rPr>
-              <a:t>24.02.2022 – 07.06.2022 (II)</a:t>
-            </a:r>
-          </a:p>
-        </p:txBody>
-      </p:sp>
-      <p:pic>
-        <p:nvPicPr>
-          <p:cNvPr id="28" name="Resim 27">
-            <a:extLst>
-              <a:ext uri="{FF2B5EF4-FFF2-40B4-BE49-F238E27FC236}">
-                <a16:creationId xmlns:a16="http://schemas.microsoft.com/office/drawing/2014/main" id="{1845888B-E50E-1446-23DB-E1D5B9AB9113}"/>
-              </a:ext>
-            </a:extLst>
-          </p:cNvPr>
-          <p:cNvPicPr>
-            <a:picLocks noChangeAspect="1"/>
-          </p:cNvPicPr>
-          <p:nvPr/>
-        </p:nvPicPr>
-        <p:blipFill>
-          <a:blip r:embed="rId2"/>
-          <a:stretch>
-            <a:fillRect/>
-          </a:stretch>
-        </p:blipFill>
-        <p:spPr>
-          <a:xfrm>
-            <a:off x="316132" y="3489172"/>
-            <a:ext cx="2175360" cy="1776387"/>
-          </a:xfrm>
-          <a:prstGeom prst="rect">
-            <a:avLst/>
-          </a:prstGeom>
-        </p:spPr>
-      </p:pic>
-      <p:pic>
-        <p:nvPicPr>
-          <p:cNvPr id="31" name="Resim 30">
-            <a:extLst>
-              <a:ext uri="{FF2B5EF4-FFF2-40B4-BE49-F238E27FC236}">
-                <a16:creationId xmlns:a16="http://schemas.microsoft.com/office/drawing/2014/main" id="{1FB3C673-C79A-0755-F331-193F601A77E2}"/>
-              </a:ext>
-            </a:extLst>
-          </p:cNvPr>
-          <p:cNvPicPr>
-            <a:picLocks noChangeAspect="1"/>
-          </p:cNvPicPr>
-          <p:nvPr/>
-        </p:nvPicPr>
-        <p:blipFill>
-          <a:blip r:embed="rId3"/>
-          <a:stretch>
-            <a:fillRect/>
-          </a:stretch>
-        </p:blipFill>
-        <p:spPr>
-          <a:xfrm>
-            <a:off x="316131" y="3191458"/>
-            <a:ext cx="2175360" cy="255630"/>
-          </a:xfrm>
-          <a:prstGeom prst="rect">
-            <a:avLst/>
-          </a:prstGeom>
-        </p:spPr>
-      </p:pic>
-      <p:pic>
-        <p:nvPicPr>
-          <p:cNvPr id="33" name="Resim 32">
-            <a:extLst>
-              <a:ext uri="{FF2B5EF4-FFF2-40B4-BE49-F238E27FC236}">
-                <a16:creationId xmlns:a16="http://schemas.microsoft.com/office/drawing/2014/main" id="{EE4E53CB-FC23-9974-0D73-9F5EF85A3F08}"/>
-              </a:ext>
-            </a:extLst>
-          </p:cNvPr>
-          <p:cNvPicPr>
-            <a:picLocks noChangeAspect="1"/>
-          </p:cNvPicPr>
-          <p:nvPr/>
-        </p:nvPicPr>
-        <p:blipFill>
-          <a:blip r:embed="rId4"/>
-          <a:stretch>
-            <a:fillRect/>
-          </a:stretch>
-        </p:blipFill>
-        <p:spPr>
-          <a:xfrm>
-            <a:off x="1656188" y="632863"/>
-            <a:ext cx="835303" cy="2522870"/>
-          </a:xfrm>
-          <a:prstGeom prst="rect">
-            <a:avLst/>
-          </a:prstGeom>
-        </p:spPr>
-      </p:pic>
-      <p:pic>
-        <p:nvPicPr>
-          <p:cNvPr id="35" name="Resim 34">
-            <a:extLst>
-              <a:ext uri="{FF2B5EF4-FFF2-40B4-BE49-F238E27FC236}">
-                <a16:creationId xmlns:a16="http://schemas.microsoft.com/office/drawing/2014/main" id="{712CC0AA-7791-38CC-0109-62DA1A8B14DC}"/>
-              </a:ext>
-            </a:extLst>
-          </p:cNvPr>
-          <p:cNvPicPr>
-            <a:picLocks noChangeAspect="1"/>
-          </p:cNvPicPr>
-          <p:nvPr/>
-        </p:nvPicPr>
-        <p:blipFill>
-          <a:blip r:embed="rId5"/>
-          <a:stretch>
-            <a:fillRect/>
-          </a:stretch>
-        </p:blipFill>
-        <p:spPr>
-          <a:xfrm>
-            <a:off x="2636637" y="3191458"/>
-            <a:ext cx="2175408" cy="769760"/>
-          </a:xfrm>
-          <a:prstGeom prst="rect">
-            <a:avLst/>
-          </a:prstGeom>
-        </p:spPr>
-      </p:pic>
-      <p:pic>
-        <p:nvPicPr>
-          <p:cNvPr id="37" name="Resim 36">
-            <a:extLst>
-              <a:ext uri="{FF2B5EF4-FFF2-40B4-BE49-F238E27FC236}">
-                <a16:creationId xmlns:a16="http://schemas.microsoft.com/office/drawing/2014/main" id="{34FC4579-9A82-99AE-0E2E-F39AC98D5881}"/>
-              </a:ext>
-            </a:extLst>
-          </p:cNvPr>
-          <p:cNvPicPr>
-            <a:picLocks noChangeAspect="1"/>
-          </p:cNvPicPr>
-          <p:nvPr/>
-        </p:nvPicPr>
-        <p:blipFill>
-          <a:blip r:embed="rId6"/>
-          <a:stretch>
-            <a:fillRect/>
-          </a:stretch>
-        </p:blipFill>
-        <p:spPr>
-          <a:xfrm>
-            <a:off x="4009451" y="628248"/>
-            <a:ext cx="802544" cy="2522870"/>
-          </a:xfrm>
-          <a:prstGeom prst="rect">
-            <a:avLst/>
-          </a:prstGeom>
-        </p:spPr>
-      </p:pic>
-      <p:pic>
-        <p:nvPicPr>
-          <p:cNvPr id="39" name="Resim 38">
-            <a:extLst>
-              <a:ext uri="{FF2B5EF4-FFF2-40B4-BE49-F238E27FC236}">
-                <a16:creationId xmlns:a16="http://schemas.microsoft.com/office/drawing/2014/main" id="{CBBAE737-17ED-EF7C-7136-486FBA0744F6}"/>
-              </a:ext>
-            </a:extLst>
-          </p:cNvPr>
-          <p:cNvPicPr>
-            <a:picLocks noChangeAspect="1"/>
-          </p:cNvPicPr>
-          <p:nvPr/>
-        </p:nvPicPr>
-        <p:blipFill>
-          <a:blip r:embed="rId7"/>
-          <a:stretch>
-            <a:fillRect/>
-          </a:stretch>
-        </p:blipFill>
-        <p:spPr>
-          <a:xfrm>
-            <a:off x="2636636" y="4003662"/>
-            <a:ext cx="2175359" cy="1825748"/>
-          </a:xfrm>
-          <a:prstGeom prst="rect">
-            <a:avLst/>
-          </a:prstGeom>
-        </p:spPr>
-      </p:pic>
-      <p:pic>
-        <p:nvPicPr>
-          <p:cNvPr id="4" name="Resim 3">
-            <a:extLst>
-              <a:ext uri="{FF2B5EF4-FFF2-40B4-BE49-F238E27FC236}">
-                <a16:creationId xmlns:a16="http://schemas.microsoft.com/office/drawing/2014/main" id="{F5E03F18-FC1D-E70D-C593-896B5E1C32D8}"/>
-              </a:ext>
-            </a:extLst>
-          </p:cNvPr>
-          <p:cNvPicPr>
-            <a:picLocks noChangeAspect="1"/>
-          </p:cNvPicPr>
-          <p:nvPr/>
-        </p:nvPicPr>
-        <p:blipFill>
-          <a:blip r:embed="rId8"/>
-          <a:stretch>
-            <a:fillRect/>
-          </a:stretch>
-        </p:blipFill>
-        <p:spPr>
-          <a:xfrm>
-            <a:off x="5166385" y="3191458"/>
-            <a:ext cx="2175359" cy="511036"/>
-          </a:xfrm>
-          <a:prstGeom prst="rect">
-            <a:avLst/>
-          </a:prstGeom>
-        </p:spPr>
-      </p:pic>
-      <p:pic>
-        <p:nvPicPr>
-          <p:cNvPr id="6" name="Resim 5">
-            <a:extLst>
-              <a:ext uri="{FF2B5EF4-FFF2-40B4-BE49-F238E27FC236}">
-                <a16:creationId xmlns:a16="http://schemas.microsoft.com/office/drawing/2014/main" id="{12660F17-F132-0412-83EE-9337BB65B0E0}"/>
-              </a:ext>
-            </a:extLst>
-          </p:cNvPr>
-          <p:cNvPicPr>
-            <a:picLocks noChangeAspect="1"/>
-          </p:cNvPicPr>
-          <p:nvPr/>
-        </p:nvPicPr>
-        <p:blipFill>
-          <a:blip r:embed="rId9"/>
-          <a:stretch>
-            <a:fillRect/>
-          </a:stretch>
-        </p:blipFill>
-        <p:spPr>
-          <a:xfrm>
-            <a:off x="5166385" y="3745155"/>
-            <a:ext cx="2180538" cy="1776387"/>
-          </a:xfrm>
-          <a:prstGeom prst="rect">
-            <a:avLst/>
-          </a:prstGeom>
-        </p:spPr>
-      </p:pic>
-      <p:pic>
-        <p:nvPicPr>
-          <p:cNvPr id="8" name="Resim 7">
-            <a:extLst>
-              <a:ext uri="{FF2B5EF4-FFF2-40B4-BE49-F238E27FC236}">
-                <a16:creationId xmlns:a16="http://schemas.microsoft.com/office/drawing/2014/main" id="{B7C1585A-DEEF-3558-CF92-909275EF1635}"/>
-              </a:ext>
-            </a:extLst>
-          </p:cNvPr>
-          <p:cNvPicPr>
-            <a:picLocks noChangeAspect="1"/>
-          </p:cNvPicPr>
-          <p:nvPr/>
-        </p:nvPicPr>
-        <p:blipFill>
-          <a:blip r:embed="rId10"/>
-          <a:stretch>
-            <a:fillRect/>
-          </a:stretch>
-        </p:blipFill>
-        <p:spPr>
-          <a:xfrm>
-            <a:off x="6532759" y="599680"/>
-            <a:ext cx="808986" cy="2556053"/>
-          </a:xfrm>
-          <a:prstGeom prst="rect">
-            <a:avLst/>
-          </a:prstGeom>
-        </p:spPr>
-      </p:pic>
-      <p:pic>
-        <p:nvPicPr>
-          <p:cNvPr id="10" name="Resim 9">
-            <a:extLst>
-              <a:ext uri="{FF2B5EF4-FFF2-40B4-BE49-F238E27FC236}">
-                <a16:creationId xmlns:a16="http://schemas.microsoft.com/office/drawing/2014/main" id="{3F928D89-DA51-C5A3-F7E6-7B1EBBEA49E6}"/>
-              </a:ext>
-            </a:extLst>
-          </p:cNvPr>
-          <p:cNvPicPr>
-            <a:picLocks noChangeAspect="1"/>
-          </p:cNvPicPr>
-          <p:nvPr/>
-        </p:nvPicPr>
-        <p:blipFill>
-          <a:blip r:embed="rId11"/>
-          <a:stretch>
-            <a:fillRect/>
-          </a:stretch>
-        </p:blipFill>
-        <p:spPr>
-          <a:xfrm>
-            <a:off x="8913803" y="599680"/>
-            <a:ext cx="850479" cy="2551438"/>
-          </a:xfrm>
-          <a:prstGeom prst="rect">
-            <a:avLst/>
-          </a:prstGeom>
-        </p:spPr>
-      </p:pic>
-      <p:pic>
-        <p:nvPicPr>
-          <p:cNvPr id="13" name="Resim 12">
-            <a:extLst>
-              <a:ext uri="{FF2B5EF4-FFF2-40B4-BE49-F238E27FC236}">
-                <a16:creationId xmlns:a16="http://schemas.microsoft.com/office/drawing/2014/main" id="{26806AE4-F952-A8BE-699B-BCD07EBB0981}"/>
-              </a:ext>
-            </a:extLst>
-          </p:cNvPr>
-          <p:cNvPicPr>
-            <a:picLocks noChangeAspect="1"/>
-          </p:cNvPicPr>
-          <p:nvPr/>
-        </p:nvPicPr>
-        <p:blipFill>
-          <a:blip r:embed="rId12"/>
-          <a:stretch>
-            <a:fillRect/>
-          </a:stretch>
-        </p:blipFill>
-        <p:spPr>
-          <a:xfrm>
-            <a:off x="7588922" y="3464200"/>
-            <a:ext cx="2175359" cy="1905934"/>
-          </a:xfrm>
-          <a:prstGeom prst="rect">
-            <a:avLst/>
-          </a:prstGeom>
-        </p:spPr>
-      </p:pic>
-      <p:pic>
-        <p:nvPicPr>
-          <p:cNvPr id="15" name="Resim 14">
-            <a:extLst>
-              <a:ext uri="{FF2B5EF4-FFF2-40B4-BE49-F238E27FC236}">
-                <a16:creationId xmlns:a16="http://schemas.microsoft.com/office/drawing/2014/main" id="{80DD1C7C-4D41-9263-0D2D-68070B105E8D}"/>
-              </a:ext>
-            </a:extLst>
-          </p:cNvPr>
-          <p:cNvPicPr>
-            <a:picLocks noChangeAspect="1"/>
-          </p:cNvPicPr>
-          <p:nvPr/>
-        </p:nvPicPr>
-        <p:blipFill>
-          <a:blip r:embed="rId13"/>
-          <a:stretch>
-            <a:fillRect/>
-          </a:stretch>
-        </p:blipFill>
-        <p:spPr>
-          <a:xfrm>
-            <a:off x="7588922" y="3190759"/>
-            <a:ext cx="2175359" cy="233800"/>
-          </a:xfrm>
-          <a:prstGeom prst="rect">
-            <a:avLst/>
-          </a:prstGeom>
-        </p:spPr>
-      </p:pic>
-      <p:pic>
-        <p:nvPicPr>
-          <p:cNvPr id="17" name="Resim 16">
-            <a:extLst>
-              <a:ext uri="{FF2B5EF4-FFF2-40B4-BE49-F238E27FC236}">
-                <a16:creationId xmlns:a16="http://schemas.microsoft.com/office/drawing/2014/main" id="{39082AC0-0056-29FA-DC6C-8B7BEB888437}"/>
-              </a:ext>
-            </a:extLst>
-          </p:cNvPr>
-          <p:cNvPicPr>
-            <a:picLocks noChangeAspect="1"/>
-          </p:cNvPicPr>
-          <p:nvPr/>
-        </p:nvPicPr>
-        <p:blipFill>
-          <a:blip r:embed="rId14"/>
-          <a:stretch>
-            <a:fillRect/>
-          </a:stretch>
-        </p:blipFill>
-        <p:spPr>
-          <a:xfrm>
-            <a:off x="11184013" y="599680"/>
-            <a:ext cx="850479" cy="2444613"/>
-          </a:xfrm>
-          <a:prstGeom prst="rect">
-            <a:avLst/>
-          </a:prstGeom>
-        </p:spPr>
-      </p:pic>
-      <p:pic>
-        <p:nvPicPr>
-          <p:cNvPr id="19" name="Resim 18">
-            <a:extLst>
-              <a:ext uri="{FF2B5EF4-FFF2-40B4-BE49-F238E27FC236}">
-                <a16:creationId xmlns:a16="http://schemas.microsoft.com/office/drawing/2014/main" id="{571E2344-8E86-DA52-B40E-CE4AF96B7032}"/>
-              </a:ext>
-            </a:extLst>
-          </p:cNvPr>
-          <p:cNvPicPr>
-            <a:picLocks noChangeAspect="1"/>
-          </p:cNvPicPr>
-          <p:nvPr/>
-        </p:nvPicPr>
-        <p:blipFill>
-          <a:blip r:embed="rId15"/>
-          <a:stretch>
-            <a:fillRect/>
-          </a:stretch>
-        </p:blipFill>
-        <p:spPr>
-          <a:xfrm>
-            <a:off x="9862173" y="3084295"/>
-            <a:ext cx="2172319" cy="801043"/>
-          </a:xfrm>
-          <a:prstGeom prst="rect">
-            <a:avLst/>
-          </a:prstGeom>
-        </p:spPr>
-      </p:pic>
-      <p:pic>
-        <p:nvPicPr>
-          <p:cNvPr id="24" name="Resim 23">
-            <a:extLst>
-              <a:ext uri="{FF2B5EF4-FFF2-40B4-BE49-F238E27FC236}">
-                <a16:creationId xmlns:a16="http://schemas.microsoft.com/office/drawing/2014/main" id="{D6399E69-0E2C-20D9-7316-7BDD8BC8FA0D}"/>
-              </a:ext>
-            </a:extLst>
-          </p:cNvPr>
-          <p:cNvPicPr>
-            <a:picLocks noChangeAspect="1"/>
-          </p:cNvPicPr>
-          <p:nvPr/>
-        </p:nvPicPr>
-        <p:blipFill>
-          <a:blip r:embed="rId16"/>
-          <a:stretch>
-            <a:fillRect/>
-          </a:stretch>
-        </p:blipFill>
-        <p:spPr>
-          <a:xfrm>
-            <a:off x="9862173" y="3921316"/>
-            <a:ext cx="2162477" cy="1781424"/>
-          </a:xfrm>
-          <a:prstGeom prst="rect">
-            <a:avLst/>
-          </a:prstGeom>
-        </p:spPr>
-      </p:pic>
-    </p:spTree>
-    <p:extLst>
-      <p:ext uri="{BB962C8B-B14F-4D97-AF65-F5344CB8AC3E}">
-        <p14:creationId xmlns:p14="http://schemas.microsoft.com/office/powerpoint/2010/main" val="3940025049"/>
-      </p:ext>
-    </p:extLst>
-  </p:cSld>
-  <p:clrMapOvr>
-    <a:masterClrMapping/>
-  </p:clrMapOvr>
-</p:sld>
-</file>
-
-<file path=ppt/slides/slide9.xml><?xml version="1.0" encoding="utf-8"?>
-<p:sld xmlns:a="http://schemas.openxmlformats.org/drawingml/2006/main" xmlns:r="http://schemas.openxmlformats.org/officeDocument/2006/relationships" xmlns:p="http://schemas.openxmlformats.org/presentationml/2006/main">
-  <p:cSld>
-    <p:bg>
-      <p:bgPr>
-        <a:solidFill>
-          <a:schemeClr val="tx1"/>
-        </a:solidFill>
-        <a:effectLst/>
-      </p:bgPr>
-    </p:bg>
-    <p:spTree>
-      <p:nvGrpSpPr>
-        <p:cNvPr id="1" name=""/>
-        <p:cNvGrpSpPr/>
-        <p:nvPr/>
-      </p:nvGrpSpPr>
-      <p:grpSpPr>
-        <a:xfrm>
-          <a:off x="0" y="0"/>
-          <a:ext cx="0" cy="0"/>
-          <a:chOff x="0" y="0"/>
-          <a:chExt cx="0" cy="0"/>
-        </a:xfrm>
-      </p:grpSpPr>
-      <p:sp useBgFill="1">
-        <p:nvSpPr>
-          <p:cNvPr id="20" name="Rectangle 9">
-            <a:extLst>
-              <a:ext uri="{FF2B5EF4-FFF2-40B4-BE49-F238E27FC236}">
-                <a16:creationId xmlns:a16="http://schemas.microsoft.com/office/drawing/2014/main" id="{A8384FB5-9ADC-4DDC-881B-597D56F5B15D}"/>
-              </a:ext>
-              <a:ext uri="{C183D7F6-B498-43B3-948B-1728B52AA6E4}">
-                <adec:decorative xmlns:adec="http://schemas.microsoft.com/office/drawing/2017/decorative" val="1"/>
-              </a:ext>
-            </a:extLst>
-          </p:cNvPr>
-          <p:cNvSpPr>
-            <a:spLocks noGrp="1" noRot="1" noChangeAspect="1" noMove="1" noResize="1" noEditPoints="1" noAdjustHandles="1" noChangeArrowheads="1" noChangeShapeType="1" noTextEdit="1"/>
-          </p:cNvSpPr>
-          <p:nvPr>
-            <p:extLst>
-              <p:ext uri="{386F3935-93C4-4BCD-93E2-E3B085C9AB24}">
-                <p16:designElem xmlns:p16="http://schemas.microsoft.com/office/powerpoint/2015/main" val="1"/>
-              </p:ext>
-            </p:extLst>
-          </p:nvPr>
-        </p:nvSpPr>
-        <p:spPr>
-          <a:xfrm>
-            <a:off x="0" y="0"/>
-            <a:ext cx="12192000" cy="6858000"/>
-          </a:xfrm>
-          <a:prstGeom prst="rect">
-            <a:avLst/>
-          </a:prstGeom>
-          <a:ln w="12700" cap="flat" cmpd="sng" algn="ctr">
-            <a:noFill/>
-            <a:prstDash val="solid"/>
-            <a:miter lim="800000"/>
-          </a:ln>
-          <a:effectLst/>
-          <a:extLst>
-            <a:ext uri="{91240B29-F687-4F45-9708-019B960494DF}">
-              <a14:hiddenLine xmlns:a14="http://schemas.microsoft.com/office/drawing/2010/main" w="12700" cap="flat" cmpd="sng" algn="ctr">
-                <a:solidFill>
-                  <a:schemeClr val="accent1">
-                    <a:shade val="50000"/>
-                  </a:schemeClr>
-                </a:solidFill>
-                <a:prstDash val="solid"/>
-                <a:miter lim="800000"/>
-              </a14:hiddenLine>
-            </a:ext>
-          </a:extLst>
-        </p:spPr>
-        <p:style>
-          <a:lnRef idx="2">
-            <a:schemeClr val="accent1">
-              <a:shade val="50000"/>
-            </a:schemeClr>
-          </a:lnRef>
-          <a:fillRef idx="1">
-            <a:schemeClr val="accent1"/>
-          </a:fillRef>
-          <a:effectRef idx="0">
-            <a:schemeClr val="accent1"/>
-          </a:effectRef>
-          <a:fontRef idx="minor">
-            <a:schemeClr val="lt1"/>
-          </a:fontRef>
-        </p:style>
-        <p:txBody>
-          <a:bodyPr rtlCol="0" anchor="ctr"/>
-          <a:lstStyle/>
-          <a:p>
-            <a:pPr algn="ctr"/>
-            <a:endParaRPr lang="en-US"/>
-          </a:p>
-        </p:txBody>
-      </p:sp>
-      <p:sp>
-        <p:nvSpPr>
-          <p:cNvPr id="12" name="Rectangle 11">
-            <a:extLst>
-              <a:ext uri="{FF2B5EF4-FFF2-40B4-BE49-F238E27FC236}">
-                <a16:creationId xmlns:a16="http://schemas.microsoft.com/office/drawing/2014/main" id="{1199E1B1-A8C0-4FE8-A5A8-1CB41D69F857}"/>
-              </a:ext>
-              <a:ext uri="{C183D7F6-B498-43B3-948B-1728B52AA6E4}">
-                <adec:decorative xmlns:adec="http://schemas.microsoft.com/office/drawing/2017/decorative" val="1"/>
-              </a:ext>
-            </a:extLst>
-          </p:cNvPr>
-          <p:cNvSpPr>
-            <a:spLocks noGrp="1" noRot="1" noChangeAspect="1" noMove="1" noResize="1" noEditPoints="1" noAdjustHandles="1" noChangeArrowheads="1" noChangeShapeType="1" noTextEdit="1"/>
-          </p:cNvSpPr>
-          <p:nvPr>
-            <p:extLst>
-              <p:ext uri="{386F3935-93C4-4BCD-93E2-E3B085C9AB24}">
-                <p16:designElem xmlns:p16="http://schemas.microsoft.com/office/powerpoint/2015/main" val="1"/>
-              </p:ext>
-            </p:extLst>
-          </p:nvPr>
-        </p:nvSpPr>
-        <p:spPr>
-          <a:xfrm rot="10800000" flipH="1">
-            <a:off x="2" y="0"/>
-            <a:ext cx="12191998" cy="1575955"/>
-          </a:xfrm>
-          <a:prstGeom prst="rect">
-            <a:avLst/>
-          </a:prstGeom>
-          <a:gradFill>
-            <a:gsLst>
-              <a:gs pos="0">
-                <a:srgbClr val="000000">
-                  <a:alpha val="96000"/>
-                </a:srgbClr>
-              </a:gs>
-              <a:gs pos="100000">
-                <a:schemeClr val="accent1">
-                  <a:lumMod val="75000"/>
-                </a:schemeClr>
-              </a:gs>
-            </a:gsLst>
-            <a:lin ang="6000000" scaled="0"/>
-          </a:gradFill>
-          <a:ln>
-            <a:noFill/>
-          </a:ln>
-        </p:spPr>
-        <p:style>
-          <a:lnRef idx="2">
-            <a:schemeClr val="accent1">
-              <a:shade val="50000"/>
-            </a:schemeClr>
-          </a:lnRef>
-          <a:fillRef idx="1">
-            <a:schemeClr val="accent1"/>
-          </a:fillRef>
-          <a:effectRef idx="0">
-            <a:schemeClr val="accent1"/>
-          </a:effectRef>
-          <a:fontRef idx="minor">
-            <a:schemeClr val="lt1"/>
-          </a:fontRef>
-        </p:style>
-        <p:txBody>
-          <a:bodyPr rtlCol="0" anchor="ctr"/>
-          <a:lstStyle/>
-          <a:p>
-            <a:pPr algn="ctr"/>
-            <a:endParaRPr lang="en-US"/>
-          </a:p>
-        </p:txBody>
-      </p:sp>
-      <p:sp>
-        <p:nvSpPr>
-          <p:cNvPr id="21" name="Rectangle 13">
-            <a:extLst>
-              <a:ext uri="{FF2B5EF4-FFF2-40B4-BE49-F238E27FC236}">
-                <a16:creationId xmlns:a16="http://schemas.microsoft.com/office/drawing/2014/main" id="{84A8DE83-DE75-4B41-9DB4-A7EC0B0DEC0B}"/>
-              </a:ext>
-              <a:ext uri="{C183D7F6-B498-43B3-948B-1728B52AA6E4}">
-                <adec:decorative xmlns:adec="http://schemas.microsoft.com/office/drawing/2017/decorative" val="1"/>
-              </a:ext>
-            </a:extLst>
-          </p:cNvPr>
-          <p:cNvSpPr>
-            <a:spLocks noGrp="1" noRot="1" noChangeAspect="1" noMove="1" noResize="1" noEditPoints="1" noAdjustHandles="1" noChangeArrowheads="1" noChangeShapeType="1" noTextEdit="1"/>
-          </p:cNvSpPr>
-          <p:nvPr>
-            <p:extLst>
-              <p:ext uri="{386F3935-93C4-4BCD-93E2-E3B085C9AB24}">
-                <p16:designElem xmlns:p16="http://schemas.microsoft.com/office/powerpoint/2015/main" val="1"/>
-              </p:ext>
-            </p:extLst>
-          </p:nvPr>
-        </p:nvSpPr>
-        <p:spPr>
-          <a:xfrm>
-            <a:off x="0" y="0"/>
-            <a:ext cx="8128856" cy="1575461"/>
-          </a:xfrm>
-          <a:prstGeom prst="rect">
-            <a:avLst/>
-          </a:prstGeom>
-          <a:gradFill>
-            <a:gsLst>
-              <a:gs pos="0">
-                <a:schemeClr val="accent1">
-                  <a:alpha val="41000"/>
-                </a:schemeClr>
-              </a:gs>
-              <a:gs pos="74000">
-                <a:schemeClr val="accent1">
-                  <a:lumMod val="60000"/>
-                  <a:lumOff val="40000"/>
-                  <a:alpha val="0"/>
-                </a:schemeClr>
-              </a:gs>
-            </a:gsLst>
-            <a:lin ang="8400000" scaled="0"/>
-          </a:gradFill>
-          <a:ln>
-            <a:noFill/>
-          </a:ln>
-        </p:spPr>
-        <p:style>
-          <a:lnRef idx="2">
-            <a:schemeClr val="accent1">
-              <a:shade val="50000"/>
-            </a:schemeClr>
-          </a:lnRef>
-          <a:fillRef idx="1">
-            <a:schemeClr val="accent1"/>
-          </a:fillRef>
-          <a:effectRef idx="0">
-            <a:schemeClr val="accent1"/>
-          </a:effectRef>
-          <a:fontRef idx="minor">
-            <a:schemeClr val="lt1"/>
-          </a:fontRef>
-        </p:style>
-        <p:txBody>
-          <a:bodyPr rtlCol="0" anchor="ctr"/>
-          <a:lstStyle/>
-          <a:p>
-            <a:pPr algn="ctr"/>
-            <a:endParaRPr lang="en-US"/>
-          </a:p>
-        </p:txBody>
-      </p:sp>
-      <p:sp>
-        <p:nvSpPr>
-          <p:cNvPr id="22" name="Rectangle 15">
-            <a:extLst>
-              <a:ext uri="{FF2B5EF4-FFF2-40B4-BE49-F238E27FC236}">
-                <a16:creationId xmlns:a16="http://schemas.microsoft.com/office/drawing/2014/main" id="{A7009A0A-BEF5-4EAC-AF15-E4F9F002E239}"/>
-              </a:ext>
-              <a:ext uri="{C183D7F6-B498-43B3-948B-1728B52AA6E4}">
-                <adec:decorative xmlns:adec="http://schemas.microsoft.com/office/drawing/2017/decorative" val="1"/>
-              </a:ext>
-            </a:extLst>
-          </p:cNvPr>
-          <p:cNvSpPr>
-            <a:spLocks noGrp="1" noRot="1" noChangeAspect="1" noMove="1" noResize="1" noEditPoints="1" noAdjustHandles="1" noChangeArrowheads="1" noChangeShapeType="1" noTextEdit="1"/>
-          </p:cNvSpPr>
-          <p:nvPr>
-            <p:extLst>
-              <p:ext uri="{386F3935-93C4-4BCD-93E2-E3B085C9AB24}">
-                <p16:designElem xmlns:p16="http://schemas.microsoft.com/office/powerpoint/2015/main" val="1"/>
-              </p:ext>
-            </p:extLst>
-          </p:nvPr>
-        </p:nvSpPr>
-        <p:spPr>
-          <a:xfrm flipH="1">
-            <a:off x="-3" y="-1"/>
-            <a:ext cx="12192002" cy="1574311"/>
-          </a:xfrm>
-          <a:prstGeom prst="rect">
-            <a:avLst/>
-          </a:prstGeom>
-          <a:gradFill>
-            <a:gsLst>
-              <a:gs pos="0">
-                <a:srgbClr val="000000">
-                  <a:alpha val="63000"/>
-                </a:srgbClr>
-              </a:gs>
-              <a:gs pos="78000">
-                <a:schemeClr val="accent1">
-                  <a:alpha val="15000"/>
-                </a:schemeClr>
-              </a:gs>
-            </a:gsLst>
-            <a:lin ang="15600000" scaled="0"/>
-          </a:gradFill>
-          <a:ln>
-            <a:noFill/>
-          </a:ln>
-        </p:spPr>
-        <p:style>
-          <a:lnRef idx="2">
-            <a:schemeClr val="accent1">
-              <a:shade val="50000"/>
-            </a:schemeClr>
-          </a:lnRef>
-          <a:fillRef idx="1">
-            <a:schemeClr val="accent1"/>
-          </a:fillRef>
-          <a:effectRef idx="0">
-            <a:schemeClr val="accent1"/>
-          </a:effectRef>
-          <a:fontRef idx="minor">
-            <a:schemeClr val="lt1"/>
-          </a:fontRef>
-        </p:style>
-        <p:txBody>
-          <a:bodyPr rtlCol="0" anchor="ctr"/>
-          <a:lstStyle/>
-          <a:p>
-            <a:pPr algn="ctr"/>
-            <a:endParaRPr lang="en-US"/>
-          </a:p>
-        </p:txBody>
-      </p:sp>
-      <p:sp>
-        <p:nvSpPr>
-          <p:cNvPr id="50" name="Metin kutusu 49">
-            <a:extLst>
-              <a:ext uri="{FF2B5EF4-FFF2-40B4-BE49-F238E27FC236}">
-                <a16:creationId xmlns:a16="http://schemas.microsoft.com/office/drawing/2014/main" id="{EE49DAA7-5989-86CD-D23F-3B5512C9B12C}"/>
-              </a:ext>
-            </a:extLst>
-          </p:cNvPr>
-          <p:cNvSpPr txBox="1"/>
-          <p:nvPr/>
-        </p:nvSpPr>
-        <p:spPr>
-          <a:xfrm>
-            <a:off x="727300" y="599010"/>
-            <a:ext cx="11978672" cy="646331"/>
-          </a:xfrm>
-          <a:prstGeom prst="rect">
-            <a:avLst/>
-          </a:prstGeom>
-          <a:noFill/>
-        </p:spPr>
-        <p:txBody>
-          <a:bodyPr wrap="square">
-            <a:spAutoFit/>
-          </a:bodyPr>
-          <a:lstStyle/>
-          <a:p>
-            <a:r>
-              <a:rPr lang="tr-TR" sz="1800" kern="1200" dirty="0">
-                <a:solidFill>
-                  <a:srgbClr val="FFFFFF"/>
-                </a:solidFill>
-                <a:latin typeface="+mj-lt"/>
-                <a:ea typeface="+mj-ea"/>
-                <a:cs typeface="+mj-cs"/>
-              </a:rPr>
-              <a:t> </a:t>
-            </a:r>
-            <a:r>
-              <a:rPr lang="tr-TR" sz="1800" kern="1200" dirty="0" err="1">
-                <a:solidFill>
-                  <a:srgbClr val="FFFFFF"/>
-                </a:solidFill>
-                <a:latin typeface="+mj-lt"/>
-                <a:ea typeface="+mj-ea"/>
-                <a:cs typeface="+mj-cs"/>
-              </a:rPr>
-              <a:t>Sharpe</a:t>
-            </a:r>
-            <a:r>
-              <a:rPr lang="tr-TR" sz="1800" kern="1200" dirty="0">
-                <a:solidFill>
-                  <a:srgbClr val="FFFFFF"/>
-                </a:solidFill>
-                <a:latin typeface="+mj-lt"/>
-                <a:ea typeface="+mj-ea"/>
-                <a:cs typeface="+mj-cs"/>
-              </a:rPr>
-              <a:t>                             i-</a:t>
-            </a:r>
-            <a:r>
-              <a:rPr lang="tr-TR" sz="1800" kern="1200" dirty="0" err="1">
-                <a:solidFill>
-                  <a:srgbClr val="FFFFFF"/>
-                </a:solidFill>
-                <a:latin typeface="+mj-lt"/>
-                <a:ea typeface="+mj-ea"/>
-                <a:cs typeface="+mj-cs"/>
-              </a:rPr>
-              <a:t>Sharpe</a:t>
-            </a:r>
-            <a:r>
-              <a:rPr lang="tr-TR" sz="1800" kern="1200" dirty="0">
-                <a:solidFill>
-                  <a:srgbClr val="FFFFFF"/>
-                </a:solidFill>
-                <a:latin typeface="+mj-lt"/>
-                <a:ea typeface="+mj-ea"/>
-                <a:cs typeface="+mj-cs"/>
-              </a:rPr>
-              <a:t>                                          MDD                        </a:t>
-            </a:r>
-            <a:r>
-              <a:rPr lang="tr-TR" dirty="0">
-                <a:solidFill>
-                  <a:srgbClr val="FFFFFF"/>
-                </a:solidFill>
-                <a:latin typeface="+mj-lt"/>
-                <a:ea typeface="+mj-ea"/>
-                <a:cs typeface="+mj-cs"/>
-              </a:rPr>
-              <a:t>        </a:t>
-            </a:r>
-            <a:r>
-              <a:rPr lang="tr-TR" sz="1800" kern="1200" dirty="0">
-                <a:solidFill>
-                  <a:srgbClr val="FFFFFF"/>
-                </a:solidFill>
-                <a:latin typeface="+mj-lt"/>
-                <a:ea typeface="+mj-ea"/>
-                <a:cs typeface="+mj-cs"/>
-              </a:rPr>
-              <a:t>i-MDD                             MINVAR</a:t>
-            </a:r>
-            <a:br>
-              <a:rPr lang="tr-TR" sz="1800" kern="1200" dirty="0">
-                <a:solidFill>
-                  <a:srgbClr val="FFFFFF"/>
-                </a:solidFill>
-                <a:latin typeface="+mj-lt"/>
-                <a:ea typeface="+mj-ea"/>
-                <a:cs typeface="+mj-cs"/>
-              </a:rPr>
-            </a:br>
-            <a:endParaRPr lang="tr-TR" dirty="0"/>
-          </a:p>
-        </p:txBody>
-      </p:sp>
-      <p:sp>
-        <p:nvSpPr>
-          <p:cNvPr id="51" name="Metin kutusu 50">
-            <a:extLst>
-              <a:ext uri="{FF2B5EF4-FFF2-40B4-BE49-F238E27FC236}">
-                <a16:creationId xmlns:a16="http://schemas.microsoft.com/office/drawing/2014/main" id="{A70B95CD-8DAF-9678-5271-CC7419A3BC45}"/>
-              </a:ext>
-            </a:extLst>
-          </p:cNvPr>
-          <p:cNvSpPr txBox="1"/>
-          <p:nvPr/>
-        </p:nvSpPr>
-        <p:spPr>
-          <a:xfrm>
-            <a:off x="584292" y="6194416"/>
-            <a:ext cx="1618793" cy="646331"/>
-          </a:xfrm>
-          <a:prstGeom prst="rect">
-            <a:avLst/>
-          </a:prstGeom>
-          <a:noFill/>
-        </p:spPr>
-        <p:txBody>
-          <a:bodyPr wrap="square" rtlCol="0">
-            <a:spAutoFit/>
-          </a:bodyPr>
-          <a:lstStyle/>
-          <a:p>
-            <a:r>
-              <a:rPr lang="tr-TR" sz="1200" dirty="0">
-                <a:solidFill>
-                  <a:schemeClr val="bg1"/>
-                </a:solidFill>
-              </a:rPr>
-              <a:t>Return: %120</a:t>
-            </a:r>
-          </a:p>
-          <a:p>
-            <a:r>
-              <a:rPr lang="tr-TR" sz="1200" dirty="0">
-                <a:solidFill>
-                  <a:schemeClr val="bg1"/>
-                </a:solidFill>
-              </a:rPr>
-              <a:t>SR: 5.66</a:t>
-            </a:r>
-          </a:p>
-          <a:p>
-            <a:r>
-              <a:rPr lang="tr-TR" sz="1200" dirty="0">
-                <a:solidFill>
-                  <a:schemeClr val="bg1"/>
-                </a:solidFill>
-              </a:rPr>
-              <a:t>MDD: %7.2</a:t>
-            </a:r>
-          </a:p>
-        </p:txBody>
-      </p:sp>
-      <p:sp>
-        <p:nvSpPr>
-          <p:cNvPr id="52" name="Metin kutusu 51">
-            <a:extLst>
-              <a:ext uri="{FF2B5EF4-FFF2-40B4-BE49-F238E27FC236}">
-                <a16:creationId xmlns:a16="http://schemas.microsoft.com/office/drawing/2014/main" id="{8CB66451-38B6-8CD7-C133-BF6BD30A2B00}"/>
-              </a:ext>
-            </a:extLst>
-          </p:cNvPr>
-          <p:cNvSpPr txBox="1"/>
-          <p:nvPr/>
-        </p:nvSpPr>
-        <p:spPr>
-          <a:xfrm>
-            <a:off x="2863225" y="6203042"/>
-            <a:ext cx="2175360" cy="646331"/>
-          </a:xfrm>
-          <a:prstGeom prst="rect">
-            <a:avLst/>
-          </a:prstGeom>
-          <a:noFill/>
-        </p:spPr>
-        <p:txBody>
-          <a:bodyPr wrap="square" rtlCol="0">
-            <a:spAutoFit/>
-          </a:bodyPr>
-          <a:lstStyle/>
-          <a:p>
-            <a:r>
-              <a:rPr lang="tr-TR" sz="1200" dirty="0">
-                <a:solidFill>
-                  <a:schemeClr val="bg1"/>
-                </a:solidFill>
-              </a:rPr>
-              <a:t>Return: %97.4</a:t>
-            </a:r>
-          </a:p>
-          <a:p>
-            <a:r>
-              <a:rPr lang="tr-TR" sz="1200" dirty="0">
-                <a:solidFill>
-                  <a:schemeClr val="bg1"/>
-                </a:solidFill>
-              </a:rPr>
-              <a:t>SR: 4.32</a:t>
-            </a:r>
-          </a:p>
-          <a:p>
-            <a:r>
-              <a:rPr lang="tr-TR" sz="1200" dirty="0">
-                <a:solidFill>
-                  <a:schemeClr val="bg1"/>
-                </a:solidFill>
-              </a:rPr>
-              <a:t>MDD: %17.4</a:t>
-            </a:r>
-          </a:p>
-        </p:txBody>
-      </p:sp>
-      <p:sp>
-        <p:nvSpPr>
-          <p:cNvPr id="53" name="Metin kutusu 52">
-            <a:extLst>
-              <a:ext uri="{FF2B5EF4-FFF2-40B4-BE49-F238E27FC236}">
-                <a16:creationId xmlns:a16="http://schemas.microsoft.com/office/drawing/2014/main" id="{62C3CF7E-303C-27BA-05F6-76E1DF411575}"/>
-              </a:ext>
-            </a:extLst>
-          </p:cNvPr>
-          <p:cNvSpPr txBox="1"/>
-          <p:nvPr/>
-        </p:nvSpPr>
-        <p:spPr>
-          <a:xfrm>
-            <a:off x="7654499" y="5409614"/>
-            <a:ext cx="1644246" cy="646331"/>
-          </a:xfrm>
-          <a:prstGeom prst="rect">
-            <a:avLst/>
-          </a:prstGeom>
-          <a:noFill/>
-        </p:spPr>
-        <p:txBody>
-          <a:bodyPr wrap="square" rtlCol="0">
-            <a:spAutoFit/>
-          </a:bodyPr>
-          <a:lstStyle/>
-          <a:p>
-            <a:r>
-              <a:rPr lang="tr-TR" sz="1200" dirty="0">
-                <a:solidFill>
-                  <a:schemeClr val="bg1"/>
-                </a:solidFill>
-              </a:rPr>
-              <a:t>Return: %73.7</a:t>
-            </a:r>
-          </a:p>
-          <a:p>
-            <a:r>
-              <a:rPr lang="tr-TR" sz="1200" dirty="0">
-                <a:solidFill>
-                  <a:schemeClr val="bg1"/>
-                </a:solidFill>
-              </a:rPr>
-              <a:t>SR: 2.76</a:t>
-            </a:r>
-          </a:p>
-          <a:p>
-            <a:r>
-              <a:rPr lang="tr-TR" sz="1200" dirty="0">
-                <a:solidFill>
-                  <a:schemeClr val="bg1"/>
-                </a:solidFill>
-              </a:rPr>
-              <a:t>MDD: %22.2</a:t>
-            </a:r>
-          </a:p>
-        </p:txBody>
-      </p:sp>
-      <p:sp>
-        <p:nvSpPr>
-          <p:cNvPr id="54" name="Metin kutusu 53">
-            <a:extLst>
-              <a:ext uri="{FF2B5EF4-FFF2-40B4-BE49-F238E27FC236}">
-                <a16:creationId xmlns:a16="http://schemas.microsoft.com/office/drawing/2014/main" id="{F94EBC21-360D-D5EE-A7D2-3531F334D746}"/>
-              </a:ext>
-            </a:extLst>
-          </p:cNvPr>
-          <p:cNvSpPr txBox="1"/>
-          <p:nvPr/>
-        </p:nvSpPr>
-        <p:spPr>
-          <a:xfrm>
-            <a:off x="8839696" y="6158240"/>
-            <a:ext cx="2175360" cy="646331"/>
-          </a:xfrm>
-          <a:prstGeom prst="rect">
-            <a:avLst/>
-          </a:prstGeom>
-          <a:noFill/>
-        </p:spPr>
-        <p:txBody>
-          <a:bodyPr wrap="square" rtlCol="0">
-            <a:spAutoFit/>
-          </a:bodyPr>
-          <a:lstStyle/>
-          <a:p>
-            <a:r>
-              <a:rPr lang="tr-TR" sz="1200" dirty="0">
-                <a:solidFill>
-                  <a:schemeClr val="bg1"/>
-                </a:solidFill>
-              </a:rPr>
-              <a:t>Return: %95.5</a:t>
-            </a:r>
-          </a:p>
-          <a:p>
-            <a:r>
-              <a:rPr lang="tr-TR" sz="1200" dirty="0">
-                <a:solidFill>
-                  <a:schemeClr val="bg1"/>
-                </a:solidFill>
-              </a:rPr>
-              <a:t>SR: 5.96</a:t>
-            </a:r>
-          </a:p>
-          <a:p>
-            <a:r>
-              <a:rPr lang="tr-TR" sz="1200" dirty="0">
-                <a:solidFill>
-                  <a:schemeClr val="bg1"/>
-                </a:solidFill>
-              </a:rPr>
-              <a:t>MDD: %12.0</a:t>
-            </a:r>
-          </a:p>
-        </p:txBody>
-      </p:sp>
-      <p:sp>
-        <p:nvSpPr>
-          <p:cNvPr id="55" name="Metin kutusu 54">
-            <a:extLst>
-              <a:ext uri="{FF2B5EF4-FFF2-40B4-BE49-F238E27FC236}">
-                <a16:creationId xmlns:a16="http://schemas.microsoft.com/office/drawing/2014/main" id="{3099ABFA-9BB9-91D3-8ACA-943BBF77E4C4}"/>
-              </a:ext>
-            </a:extLst>
-          </p:cNvPr>
-          <p:cNvSpPr txBox="1"/>
-          <p:nvPr/>
-        </p:nvSpPr>
-        <p:spPr>
-          <a:xfrm>
-            <a:off x="5141905" y="6211669"/>
-            <a:ext cx="1574731" cy="646331"/>
-          </a:xfrm>
-          <a:prstGeom prst="rect">
-            <a:avLst/>
-          </a:prstGeom>
-          <a:noFill/>
-        </p:spPr>
-        <p:txBody>
-          <a:bodyPr wrap="square" rtlCol="0">
-            <a:spAutoFit/>
-          </a:bodyPr>
-          <a:lstStyle/>
-          <a:p>
-            <a:r>
-              <a:rPr lang="tr-TR" sz="1200" dirty="0">
-                <a:solidFill>
-                  <a:schemeClr val="bg1"/>
-                </a:solidFill>
-              </a:rPr>
-              <a:t>Return: %78.7</a:t>
-            </a:r>
-          </a:p>
-          <a:p>
-            <a:r>
-              <a:rPr lang="tr-TR" sz="1200" dirty="0">
-                <a:solidFill>
-                  <a:schemeClr val="bg1"/>
-                </a:solidFill>
-              </a:rPr>
-              <a:t>SR: 4.64</a:t>
-            </a:r>
-          </a:p>
-          <a:p>
-            <a:r>
-              <a:rPr lang="tr-TR" sz="1200" dirty="0">
-                <a:solidFill>
-                  <a:schemeClr val="bg1"/>
-                </a:solidFill>
-              </a:rPr>
-              <a:t>MDD: %9.9</a:t>
-            </a:r>
-          </a:p>
-        </p:txBody>
-      </p:sp>
-      <p:sp>
-        <p:nvSpPr>
-          <p:cNvPr id="3" name="Metin kutusu 2">
-            <a:extLst>
-              <a:ext uri="{FF2B5EF4-FFF2-40B4-BE49-F238E27FC236}">
-                <a16:creationId xmlns:a16="http://schemas.microsoft.com/office/drawing/2014/main" id="{D6935863-5355-2563-D7D9-D2869C83D594}"/>
-              </a:ext>
-            </a:extLst>
-          </p:cNvPr>
-          <p:cNvSpPr txBox="1"/>
-          <p:nvPr/>
-        </p:nvSpPr>
-        <p:spPr>
-          <a:xfrm>
-            <a:off x="-4" y="-16499"/>
-            <a:ext cx="6094562" cy="369332"/>
-          </a:xfrm>
-          <a:prstGeom prst="rect">
-            <a:avLst/>
-          </a:prstGeom>
-          <a:noFill/>
-        </p:spPr>
-        <p:txBody>
-          <a:bodyPr wrap="square">
-            <a:spAutoFit/>
-          </a:bodyPr>
-          <a:lstStyle/>
-          <a:p>
-            <a:r>
-              <a:rPr lang="tr-TR" sz="1800" dirty="0">
-                <a:solidFill>
-                  <a:schemeClr val="bg1"/>
-                </a:solidFill>
-              </a:rPr>
-              <a:t>MHI </a:t>
-            </a:r>
-            <a:r>
-              <a:rPr lang="tr-TR" sz="1800" dirty="0" err="1">
-                <a:solidFill>
-                  <a:schemeClr val="bg1"/>
-                </a:solidFill>
-              </a:rPr>
-              <a:t>portfolios</a:t>
-            </a:r>
-            <a:r>
-              <a:rPr lang="tr-TR" sz="1800" dirty="0">
-                <a:solidFill>
-                  <a:schemeClr val="bg1"/>
-                </a:solidFill>
-              </a:rPr>
-              <a:t> </a:t>
-            </a:r>
-            <a:r>
-              <a:rPr lang="tr-TR" sz="1800" dirty="0" err="1">
-                <a:solidFill>
-                  <a:schemeClr val="bg1"/>
-                </a:solidFill>
-              </a:rPr>
-              <a:t>for</a:t>
-            </a:r>
-            <a:r>
-              <a:rPr lang="tr-TR" sz="1800" dirty="0">
-                <a:solidFill>
-                  <a:schemeClr val="bg1"/>
-                </a:solidFill>
-              </a:rPr>
-              <a:t> </a:t>
-            </a:r>
-            <a:r>
-              <a:rPr lang="tr-TR" sz="1800" dirty="0">
-                <a:solidFill>
-                  <a:srgbClr val="FFFF00"/>
-                </a:solidFill>
-              </a:rPr>
-              <a:t>16.08.2022 – 27.12.2022 (III)</a:t>
-            </a:r>
-          </a:p>
-        </p:txBody>
-      </p:sp>
-      <p:pic>
-        <p:nvPicPr>
-          <p:cNvPr id="5" name="Resim 4">
-            <a:extLst>
-              <a:ext uri="{FF2B5EF4-FFF2-40B4-BE49-F238E27FC236}">
-                <a16:creationId xmlns:a16="http://schemas.microsoft.com/office/drawing/2014/main" id="{D550E20B-C4F7-1075-8100-6F992849EFCF}"/>
-              </a:ext>
-            </a:extLst>
-          </p:cNvPr>
-          <p:cNvPicPr>
-            <a:picLocks noChangeAspect="1"/>
-          </p:cNvPicPr>
-          <p:nvPr/>
-        </p:nvPicPr>
-        <p:blipFill>
-          <a:blip r:embed="rId2"/>
-          <a:stretch>
-            <a:fillRect/>
-          </a:stretch>
-        </p:blipFill>
-        <p:spPr>
-          <a:xfrm>
-            <a:off x="5181568" y="4324434"/>
-            <a:ext cx="2233870" cy="1887236"/>
-          </a:xfrm>
-          <a:prstGeom prst="rect">
-            <a:avLst/>
-          </a:prstGeom>
-        </p:spPr>
-      </p:pic>
-      <p:pic>
-        <p:nvPicPr>
-          <p:cNvPr id="13" name="Resim 12">
-            <a:extLst>
-              <a:ext uri="{FF2B5EF4-FFF2-40B4-BE49-F238E27FC236}">
-                <a16:creationId xmlns:a16="http://schemas.microsoft.com/office/drawing/2014/main" id="{8F744EF9-6D3A-7B68-F063-D6C4BC7D8D49}"/>
-              </a:ext>
-            </a:extLst>
-          </p:cNvPr>
-          <p:cNvPicPr>
-            <a:picLocks noChangeAspect="1"/>
-          </p:cNvPicPr>
-          <p:nvPr/>
-        </p:nvPicPr>
-        <p:blipFill>
-          <a:blip r:embed="rId3"/>
-          <a:stretch>
-            <a:fillRect/>
-          </a:stretch>
-        </p:blipFill>
-        <p:spPr>
-          <a:xfrm>
-            <a:off x="5181568" y="3170026"/>
-            <a:ext cx="2233871" cy="1104156"/>
-          </a:xfrm>
-          <a:prstGeom prst="rect">
-            <a:avLst/>
-          </a:prstGeom>
-        </p:spPr>
-      </p:pic>
-      <p:pic>
-        <p:nvPicPr>
-          <p:cNvPr id="16" name="Resim 15">
-            <a:extLst>
-              <a:ext uri="{FF2B5EF4-FFF2-40B4-BE49-F238E27FC236}">
-                <a16:creationId xmlns:a16="http://schemas.microsoft.com/office/drawing/2014/main" id="{3C0D0BE8-64A8-F3EC-3642-8CDA0B966BF5}"/>
-              </a:ext>
-            </a:extLst>
-          </p:cNvPr>
-          <p:cNvPicPr>
-            <a:picLocks noChangeAspect="1"/>
-          </p:cNvPicPr>
-          <p:nvPr/>
-        </p:nvPicPr>
-        <p:blipFill>
-          <a:blip r:embed="rId4"/>
-          <a:stretch>
-            <a:fillRect/>
-          </a:stretch>
-        </p:blipFill>
-        <p:spPr>
-          <a:xfrm>
-            <a:off x="6567306" y="599014"/>
-            <a:ext cx="848132" cy="2522870"/>
-          </a:xfrm>
-          <a:prstGeom prst="rect">
-            <a:avLst/>
-          </a:prstGeom>
-        </p:spPr>
-      </p:pic>
-      <p:pic>
-        <p:nvPicPr>
-          <p:cNvPr id="19" name="Resim 18">
-            <a:extLst>
-              <a:ext uri="{FF2B5EF4-FFF2-40B4-BE49-F238E27FC236}">
-                <a16:creationId xmlns:a16="http://schemas.microsoft.com/office/drawing/2014/main" id="{6A5AFD73-6724-4B02-3CC6-7D82B7E3FC1C}"/>
-              </a:ext>
-            </a:extLst>
-          </p:cNvPr>
-          <p:cNvPicPr>
-            <a:picLocks noChangeAspect="1"/>
-          </p:cNvPicPr>
-          <p:nvPr/>
-        </p:nvPicPr>
-        <p:blipFill>
-          <a:blip r:embed="rId5"/>
-          <a:stretch>
-            <a:fillRect/>
-          </a:stretch>
-        </p:blipFill>
-        <p:spPr>
-          <a:xfrm>
-            <a:off x="352996" y="3170026"/>
-            <a:ext cx="2237788" cy="952468"/>
-          </a:xfrm>
-          <a:prstGeom prst="rect">
-            <a:avLst/>
-          </a:prstGeom>
-        </p:spPr>
-      </p:pic>
-      <p:pic>
-        <p:nvPicPr>
-          <p:cNvPr id="26" name="Resim 25">
-            <a:extLst>
-              <a:ext uri="{FF2B5EF4-FFF2-40B4-BE49-F238E27FC236}">
-                <a16:creationId xmlns:a16="http://schemas.microsoft.com/office/drawing/2014/main" id="{6D45A89E-4064-DC8E-15E9-3E9B2F8CAA69}"/>
-              </a:ext>
-            </a:extLst>
-          </p:cNvPr>
-          <p:cNvPicPr>
-            <a:picLocks noChangeAspect="1"/>
-          </p:cNvPicPr>
-          <p:nvPr/>
-        </p:nvPicPr>
-        <p:blipFill>
-          <a:blip r:embed="rId6"/>
-          <a:stretch>
-            <a:fillRect/>
-          </a:stretch>
-        </p:blipFill>
-        <p:spPr>
-          <a:xfrm>
-            <a:off x="352097" y="4229638"/>
-            <a:ext cx="2238687" cy="1857634"/>
-          </a:xfrm>
-          <a:prstGeom prst="rect">
-            <a:avLst/>
-          </a:prstGeom>
-        </p:spPr>
-      </p:pic>
-      <p:pic>
-        <p:nvPicPr>
-          <p:cNvPr id="30" name="Resim 29">
-            <a:extLst>
-              <a:ext uri="{FF2B5EF4-FFF2-40B4-BE49-F238E27FC236}">
-                <a16:creationId xmlns:a16="http://schemas.microsoft.com/office/drawing/2014/main" id="{AE921070-9896-C497-9211-1EF14B932F35}"/>
-              </a:ext>
-            </a:extLst>
-          </p:cNvPr>
-          <p:cNvPicPr>
-            <a:picLocks noChangeAspect="1"/>
-          </p:cNvPicPr>
-          <p:nvPr/>
-        </p:nvPicPr>
-        <p:blipFill>
-          <a:blip r:embed="rId7"/>
-          <a:stretch>
-            <a:fillRect/>
-          </a:stretch>
-        </p:blipFill>
-        <p:spPr>
-          <a:xfrm>
-            <a:off x="1624595" y="607637"/>
-            <a:ext cx="966189" cy="2531501"/>
-          </a:xfrm>
-          <a:prstGeom prst="rect">
-            <a:avLst/>
-          </a:prstGeom>
-        </p:spPr>
-      </p:pic>
-      <p:pic>
-        <p:nvPicPr>
-          <p:cNvPr id="4" name="Resim 3">
-            <a:extLst>
-              <a:ext uri="{FF2B5EF4-FFF2-40B4-BE49-F238E27FC236}">
-                <a16:creationId xmlns:a16="http://schemas.microsoft.com/office/drawing/2014/main" id="{990C145F-5857-4A69-3A6B-DEB71E3A71B6}"/>
-              </a:ext>
-            </a:extLst>
-          </p:cNvPr>
-          <p:cNvPicPr>
-            <a:picLocks noChangeAspect="1"/>
-          </p:cNvPicPr>
-          <p:nvPr/>
-        </p:nvPicPr>
-        <p:blipFill>
-          <a:blip r:embed="rId8"/>
-          <a:stretch>
-            <a:fillRect/>
-          </a:stretch>
-        </p:blipFill>
-        <p:spPr>
-          <a:xfrm>
-            <a:off x="4022136" y="607637"/>
-            <a:ext cx="987213" cy="2522879"/>
-          </a:xfrm>
-          <a:prstGeom prst="rect">
-            <a:avLst/>
-          </a:prstGeom>
-        </p:spPr>
-      </p:pic>
-      <p:pic>
-        <p:nvPicPr>
-          <p:cNvPr id="7" name="Resim 6">
-            <a:extLst>
-              <a:ext uri="{FF2B5EF4-FFF2-40B4-BE49-F238E27FC236}">
-                <a16:creationId xmlns:a16="http://schemas.microsoft.com/office/drawing/2014/main" id="{1877B7BB-4BE5-4CE6-770A-5A035A066D31}"/>
-              </a:ext>
-            </a:extLst>
-          </p:cNvPr>
-          <p:cNvPicPr>
-            <a:picLocks noChangeAspect="1"/>
-          </p:cNvPicPr>
-          <p:nvPr/>
-        </p:nvPicPr>
-        <p:blipFill>
-          <a:blip r:embed="rId9"/>
-          <a:stretch>
-            <a:fillRect/>
-          </a:stretch>
-        </p:blipFill>
-        <p:spPr>
-          <a:xfrm>
-            <a:off x="2828066" y="3170834"/>
-            <a:ext cx="2191379" cy="804858"/>
-          </a:xfrm>
-          <a:prstGeom prst="rect">
-            <a:avLst/>
-          </a:prstGeom>
-        </p:spPr>
-      </p:pic>
-      <p:pic>
-        <p:nvPicPr>
-          <p:cNvPr id="9" name="Resim 8">
-            <a:extLst>
-              <a:ext uri="{FF2B5EF4-FFF2-40B4-BE49-F238E27FC236}">
-                <a16:creationId xmlns:a16="http://schemas.microsoft.com/office/drawing/2014/main" id="{155C16FA-7B08-4D50-F406-79BAA2C9BF8B}"/>
-              </a:ext>
-            </a:extLst>
-          </p:cNvPr>
-          <p:cNvPicPr>
-            <a:picLocks noChangeAspect="1"/>
-          </p:cNvPicPr>
-          <p:nvPr/>
-        </p:nvPicPr>
-        <p:blipFill>
-          <a:blip r:embed="rId10"/>
-          <a:stretch>
-            <a:fillRect/>
-          </a:stretch>
-        </p:blipFill>
-        <p:spPr>
-          <a:xfrm>
-            <a:off x="2828065" y="4030928"/>
-            <a:ext cx="2193755" cy="1979255"/>
-          </a:xfrm>
-          <a:prstGeom prst="rect">
-            <a:avLst/>
-          </a:prstGeom>
-        </p:spPr>
-      </p:pic>
-      <p:pic>
-        <p:nvPicPr>
-          <p:cNvPr id="6" name="Resim 5">
-            <a:extLst>
-              <a:ext uri="{FF2B5EF4-FFF2-40B4-BE49-F238E27FC236}">
-                <a16:creationId xmlns:a16="http://schemas.microsoft.com/office/drawing/2014/main" id="{74AB1466-8932-3877-48ED-498221D3C248}"/>
-              </a:ext>
-            </a:extLst>
-          </p:cNvPr>
-          <p:cNvPicPr>
-            <a:picLocks noChangeAspect="1"/>
-          </p:cNvPicPr>
-          <p:nvPr/>
-        </p:nvPicPr>
-        <p:blipFill>
-          <a:blip r:embed="rId11"/>
-          <a:stretch>
-            <a:fillRect/>
-          </a:stretch>
-        </p:blipFill>
-        <p:spPr>
-          <a:xfrm>
-            <a:off x="8844042" y="607641"/>
-            <a:ext cx="909407" cy="2522870"/>
-          </a:xfrm>
-          <a:prstGeom prst="rect">
-            <a:avLst/>
-          </a:prstGeom>
-        </p:spPr>
-      </p:pic>
-      <p:pic>
-        <p:nvPicPr>
-          <p:cNvPr id="10" name="Resim 9">
-            <a:extLst>
-              <a:ext uri="{FF2B5EF4-FFF2-40B4-BE49-F238E27FC236}">
-                <a16:creationId xmlns:a16="http://schemas.microsoft.com/office/drawing/2014/main" id="{AF9B1712-EC88-4BF6-48AD-86696309246E}"/>
-              </a:ext>
-            </a:extLst>
-          </p:cNvPr>
-          <p:cNvPicPr>
-            <a:picLocks noChangeAspect="1"/>
-          </p:cNvPicPr>
-          <p:nvPr/>
-        </p:nvPicPr>
-        <p:blipFill>
-          <a:blip r:embed="rId12"/>
-          <a:stretch>
-            <a:fillRect/>
-          </a:stretch>
-        </p:blipFill>
-        <p:spPr>
-          <a:xfrm>
-            <a:off x="7552148" y="3569568"/>
-            <a:ext cx="2210108" cy="1829055"/>
-          </a:xfrm>
-          <a:prstGeom prst="rect">
-            <a:avLst/>
-          </a:prstGeom>
-        </p:spPr>
-      </p:pic>
-      <p:pic>
-        <p:nvPicPr>
-          <p:cNvPr id="14" name="Resim 13">
-            <a:extLst>
-              <a:ext uri="{FF2B5EF4-FFF2-40B4-BE49-F238E27FC236}">
-                <a16:creationId xmlns:a16="http://schemas.microsoft.com/office/drawing/2014/main" id="{C68D41DA-F48F-530C-F56B-48241ED96893}"/>
-              </a:ext>
-            </a:extLst>
-          </p:cNvPr>
-          <p:cNvPicPr>
-            <a:picLocks noChangeAspect="1"/>
-          </p:cNvPicPr>
-          <p:nvPr/>
-        </p:nvPicPr>
-        <p:blipFill>
-          <a:blip r:embed="rId13"/>
-          <a:stretch>
-            <a:fillRect/>
-          </a:stretch>
-        </p:blipFill>
-        <p:spPr>
-          <a:xfrm>
-            <a:off x="7552148" y="3176655"/>
-            <a:ext cx="2210108" cy="311132"/>
-          </a:xfrm>
-          <a:prstGeom prst="rect">
-            <a:avLst/>
-          </a:prstGeom>
-        </p:spPr>
-      </p:pic>
-      <p:pic>
-        <p:nvPicPr>
-          <p:cNvPr id="17" name="Resim 16">
-            <a:extLst>
-              <a:ext uri="{FF2B5EF4-FFF2-40B4-BE49-F238E27FC236}">
-                <a16:creationId xmlns:a16="http://schemas.microsoft.com/office/drawing/2014/main" id="{96526C8D-C1EC-9606-49A2-97F7F8BB4C3D}"/>
-              </a:ext>
-            </a:extLst>
-          </p:cNvPr>
-          <p:cNvPicPr>
-            <a:picLocks noChangeAspect="1"/>
-          </p:cNvPicPr>
-          <p:nvPr/>
-        </p:nvPicPr>
-        <p:blipFill>
-          <a:blip r:embed="rId14"/>
-          <a:stretch>
-            <a:fillRect/>
-          </a:stretch>
-        </p:blipFill>
-        <p:spPr>
-          <a:xfrm>
-            <a:off x="11072079" y="599014"/>
-            <a:ext cx="1009148" cy="2522870"/>
-          </a:xfrm>
-          <a:prstGeom prst="rect">
-            <a:avLst/>
-          </a:prstGeom>
-        </p:spPr>
-      </p:pic>
-      <p:pic>
-        <p:nvPicPr>
-          <p:cNvPr id="23" name="Resim 22">
-            <a:extLst>
-              <a:ext uri="{FF2B5EF4-FFF2-40B4-BE49-F238E27FC236}">
-                <a16:creationId xmlns:a16="http://schemas.microsoft.com/office/drawing/2014/main" id="{D4CB600F-2F0A-E2C9-5AD2-3A0C5993E1E4}"/>
-              </a:ext>
-            </a:extLst>
-          </p:cNvPr>
-          <p:cNvPicPr>
-            <a:picLocks noChangeAspect="1"/>
-          </p:cNvPicPr>
-          <p:nvPr/>
-        </p:nvPicPr>
-        <p:blipFill>
-          <a:blip r:embed="rId15"/>
-          <a:stretch>
-            <a:fillRect/>
-          </a:stretch>
-        </p:blipFill>
-        <p:spPr>
-          <a:xfrm>
-            <a:off x="9927376" y="3168909"/>
-            <a:ext cx="2178461" cy="1748148"/>
-          </a:xfrm>
-          <a:prstGeom prst="rect">
-            <a:avLst/>
-          </a:prstGeom>
-        </p:spPr>
-      </p:pic>
-      <p:pic>
-        <p:nvPicPr>
-          <p:cNvPr id="25" name="Resim 24">
-            <a:extLst>
-              <a:ext uri="{FF2B5EF4-FFF2-40B4-BE49-F238E27FC236}">
-                <a16:creationId xmlns:a16="http://schemas.microsoft.com/office/drawing/2014/main" id="{1DC53407-BA12-B012-F575-C1723DF3E7F5}"/>
-              </a:ext>
-            </a:extLst>
-          </p:cNvPr>
-          <p:cNvPicPr>
-            <a:picLocks noChangeAspect="1"/>
-          </p:cNvPicPr>
-          <p:nvPr/>
-        </p:nvPicPr>
-        <p:blipFill>
-          <a:blip r:embed="rId16"/>
-          <a:stretch>
-            <a:fillRect/>
-          </a:stretch>
-        </p:blipFill>
-        <p:spPr>
-          <a:xfrm>
-            <a:off x="9935367" y="4950176"/>
-            <a:ext cx="2162477" cy="1829055"/>
-          </a:xfrm>
-          <a:prstGeom prst="rect">
-            <a:avLst/>
-          </a:prstGeom>
-        </p:spPr>
-      </p:pic>
-    </p:spTree>
-    <p:extLst>
-      <p:ext uri="{BB962C8B-B14F-4D97-AF65-F5344CB8AC3E}">
-        <p14:creationId xmlns:p14="http://schemas.microsoft.com/office/powerpoint/2010/main" val="1353456776"/>
       </p:ext>
     </p:extLst>
   </p:cSld>
